--- a/AgendaHandling.pptx
+++ b/AgendaHandling.pptx
@@ -5,7 +5,7 @@
     <p:sldMasterId id="2147483660" r:id="rId1"/>
   </p:sldMasterIdLst>
   <p:notesMasterIdLst>
-    <p:notesMasterId r:id="rId9"/>
+    <p:notesMasterId r:id="rId10"/>
   </p:notesMasterIdLst>
   <p:sldIdLst>
     <p:sldId id="256" r:id="rId2"/>
@@ -14,7 +14,8 @@
     <p:sldId id="278" r:id="rId5"/>
     <p:sldId id="279" r:id="rId6"/>
     <p:sldId id="285" r:id="rId7"/>
-    <p:sldId id="281" r:id="rId8"/>
+    <p:sldId id="286" r:id="rId8"/>
+    <p:sldId id="281" r:id="rId9"/>
   </p:sldIdLst>
   <p:sldSz cx="9144000" cy="6858000" type="screen4x3"/>
   <p:notesSz cx="6858000" cy="9144000"/>
@@ -4657,22 +4658,31 @@
                 <a:ea typeface="Arial Unicode MS" pitchFamily="50" charset="-127"/>
                 <a:cs typeface="Arial Unicode MS" pitchFamily="50" charset="-127"/>
               </a:rPr>
-              <a:t>Handling of an agenda</a:t>
-            </a:r>
-            <a:br>
+              <a:t> </a:t>
+            </a:r>
+            <a:r>
+              <a:rPr lang="en-US" altLang="ko-KR" sz="4000" dirty="0" err="1" smtClean="0">
+                <a:latin typeface="Arial Unicode MS" pitchFamily="50" charset="-127"/>
+                <a:ea typeface="Arial Unicode MS" pitchFamily="50" charset="-127"/>
+                <a:cs typeface="Arial Unicode MS" pitchFamily="50" charset="-127"/>
+              </a:rPr>
+              <a:t>dApp</a:t>
+            </a:r>
+            <a:r>
               <a:rPr lang="en-US" altLang="ko-KR" sz="4000" dirty="0" smtClean="0">
                 <a:latin typeface="Arial Unicode MS" pitchFamily="50" charset="-127"/>
                 <a:ea typeface="Arial Unicode MS" pitchFamily="50" charset="-127"/>
                 <a:cs typeface="Arial Unicode MS" pitchFamily="50" charset="-127"/>
               </a:rPr>
-            </a:br>
+              <a:t> : Handling the agenda in a shareholders</a:t>
+            </a:r>
             <a:r>
               <a:rPr lang="en-US" altLang="ko-KR" sz="4000" dirty="0" smtClean="0">
                 <a:latin typeface="Arial Unicode MS" pitchFamily="50" charset="-127"/>
                 <a:ea typeface="Arial Unicode MS" pitchFamily="50" charset="-127"/>
                 <a:cs typeface="Arial Unicode MS" pitchFamily="50" charset="-127"/>
               </a:rPr>
-              <a:t>in shareholders’ meeting </a:t>
+              <a:t>’ meeting </a:t>
             </a:r>
             <a:endParaRPr lang="ko-KR" altLang="en-US" sz="4000" dirty="0">
               <a:latin typeface="Arial Unicode MS" pitchFamily="50" charset="-127"/>
@@ -4694,8 +4704,8 @@
         </p:nvSpPr>
         <p:spPr>
           <a:xfrm>
-            <a:off x="1187624" y="5323656"/>
-            <a:ext cx="6400800" cy="697632"/>
+            <a:off x="1339552" y="4725144"/>
+            <a:ext cx="6400800" cy="1224136"/>
           </a:xfrm>
         </p:spPr>
         <p:txBody>
@@ -4710,7 +4720,30 @@
                 <a:ea typeface="Arial Unicode MS" pitchFamily="50" charset="-127"/>
                 <a:cs typeface="Arial Unicode MS" pitchFamily="50" charset="-127"/>
               </a:rPr>
-              <a:t>2018.6.1</a:t>
+              <a:t>H.D.  </a:t>
+            </a:r>
+            <a:r>
+              <a:rPr lang="en-US" altLang="ko-KR" sz="2800" dirty="0" err="1" smtClean="0">
+                <a:latin typeface="Arial Unicode MS" pitchFamily="50" charset="-127"/>
+                <a:ea typeface="Arial Unicode MS" pitchFamily="50" charset="-127"/>
+                <a:cs typeface="Arial Unicode MS" pitchFamily="50" charset="-127"/>
+              </a:rPr>
+              <a:t>Baek</a:t>
+            </a:r>
+            <a:endParaRPr lang="en-US" altLang="ko-KR" sz="2800" dirty="0" smtClean="0">
+              <a:latin typeface="Arial Unicode MS" pitchFamily="50" charset="-127"/>
+              <a:ea typeface="Arial Unicode MS" pitchFamily="50" charset="-127"/>
+              <a:cs typeface="Arial Unicode MS" pitchFamily="50" charset="-127"/>
+            </a:endParaRPr>
+          </a:p>
+          <a:p>
+            <a:r>
+              <a:rPr lang="en-US" altLang="ko-KR" sz="2800" dirty="0" smtClean="0">
+                <a:latin typeface="Arial Unicode MS" pitchFamily="50" charset="-127"/>
+                <a:ea typeface="Arial Unicode MS" pitchFamily="50" charset="-127"/>
+                <a:cs typeface="Arial Unicode MS" pitchFamily="50" charset="-127"/>
+              </a:rPr>
+              <a:t>2018. 6.1</a:t>
             </a:r>
             <a:endParaRPr lang="ko-KR" altLang="en-US" sz="2800" dirty="0">
               <a:latin typeface="Arial Unicode MS" pitchFamily="50" charset="-127"/>
@@ -4785,7 +4818,7 @@
         <p:spPr>
           <a:xfrm>
             <a:off x="2549939" y="1628800"/>
-            <a:ext cx="3993401" cy="3785652"/>
+            <a:ext cx="4102405" cy="3785652"/>
           </a:xfrm>
           <a:prstGeom prst="rect">
             <a:avLst/>
@@ -4840,7 +4873,7 @@
                 <a:ea typeface="HY견고딕" pitchFamily="18" charset="-127"/>
                 <a:cs typeface="Arial Unicode MS" pitchFamily="50" charset="-127"/>
               </a:rPr>
-              <a:t>Structure</a:t>
+              <a:t>Components</a:t>
             </a:r>
             <a:endParaRPr lang="en-US" altLang="ko-KR" sz="2400" dirty="0" smtClean="0">
               <a:latin typeface="HY견고딕" pitchFamily="18" charset="-127"/>
@@ -4917,13 +4950,18 @@
               <a:buAutoNum type="romanUcPeriod"/>
             </a:pPr>
             <a:r>
-              <a:rPr lang="en-US" altLang="ko-KR" sz="2400" dirty="0" smtClean="0">
+              <a:rPr lang="en-US" altLang="ko-KR" sz="2400" smtClean="0">
                 <a:latin typeface="HY견고딕" pitchFamily="18" charset="-127"/>
                 <a:ea typeface="HY견고딕" pitchFamily="18" charset="-127"/>
                 <a:cs typeface="Arial Unicode MS" pitchFamily="50" charset="-127"/>
               </a:rPr>
-              <a:t>To be considered</a:t>
-            </a:r>
+              <a:t>Discussion</a:t>
+            </a:r>
+            <a:endParaRPr lang="en-US" altLang="ko-KR" sz="2400" dirty="0" smtClean="0">
+              <a:latin typeface="HY견고딕" pitchFamily="18" charset="-127"/>
+              <a:ea typeface="HY견고딕" pitchFamily="18" charset="-127"/>
+              <a:cs typeface="Arial Unicode MS" pitchFamily="50" charset="-127"/>
+            </a:endParaRPr>
           </a:p>
         </p:txBody>
       </p:sp>
@@ -5125,7 +5163,7 @@
         <p:spPr>
           <a:xfrm>
             <a:off x="827584" y="1620083"/>
-            <a:ext cx="7946406" cy="4401205"/>
+            <a:ext cx="6840334" cy="3785652"/>
           </a:xfrm>
           <a:prstGeom prst="rect">
             <a:avLst/>
@@ -5139,23 +5177,16 @@
           <a:lstStyle/>
           <a:p>
             <a:r>
-              <a:rPr lang="en-US" altLang="ko-KR" sz="2800" smtClean="0">
-                <a:latin typeface="HY견고딕" pitchFamily="18" charset="-127"/>
-                <a:ea typeface="HY견고딕" pitchFamily="18" charset="-127"/>
-              </a:rPr>
-              <a:t>Using </a:t>
-            </a:r>
-            <a:r>
-              <a:rPr lang="en-US" altLang="ko-KR" sz="2800" dirty="0" smtClean="0">
-                <a:latin typeface="HY견고딕" pitchFamily="18" charset="-127"/>
-                <a:ea typeface="HY견고딕" pitchFamily="18" charset="-127"/>
-              </a:rPr>
-              <a:t>:</a:t>
-            </a:r>
-          </a:p>
-          <a:p>
-            <a:r>
-              <a:rPr lang="en-US" altLang="ko-KR" sz="2800" dirty="0" smtClean="0">
+              <a:rPr lang="en-US" altLang="ko-KR" sz="2400" dirty="0" smtClean="0">
+                <a:latin typeface="HY견고딕" pitchFamily="18" charset="-127"/>
+                <a:ea typeface="HY견고딕" pitchFamily="18" charset="-127"/>
+              </a:rPr>
+              <a:t>Using :</a:t>
+            </a:r>
+          </a:p>
+          <a:p>
+            <a:r>
+              <a:rPr lang="en-US" altLang="ko-KR" sz="2400" dirty="0" smtClean="0">
                 <a:latin typeface="HY견고딕" pitchFamily="18" charset="-127"/>
                 <a:ea typeface="HY견고딕" pitchFamily="18" charset="-127"/>
               </a:rPr>
@@ -5164,7 +5195,7 @@
           </a:p>
           <a:p>
             <a:r>
-              <a:rPr lang="en-US" altLang="ko-KR" sz="2800" dirty="0" smtClean="0">
+              <a:rPr lang="en-US" altLang="ko-KR" sz="2400" dirty="0" smtClean="0">
                 <a:latin typeface="HY견고딕" pitchFamily="18" charset="-127"/>
                 <a:ea typeface="HY견고딕" pitchFamily="18" charset="-127"/>
               </a:rPr>
@@ -5173,36 +5204,50 @@
           </a:p>
           <a:p>
             <a:r>
-              <a:rPr lang="en-US" altLang="ko-KR" sz="2800" dirty="0" smtClean="0">
+              <a:rPr lang="en-US" altLang="ko-KR" sz="2400" dirty="0" smtClean="0">
                 <a:latin typeface="HY견고딕" pitchFamily="18" charset="-127"/>
                 <a:ea typeface="HY견고딕" pitchFamily="18" charset="-127"/>
               </a:rPr>
               <a:t>  - </a:t>
             </a:r>
             <a:r>
-              <a:rPr lang="en-US" altLang="ko-KR" sz="2800" dirty="0" err="1" smtClean="0">
-                <a:latin typeface="HY견고딕" pitchFamily="18" charset="-127"/>
-                <a:ea typeface="HY견고딕" pitchFamily="18" charset="-127"/>
-              </a:rPr>
-              <a:t>Ethereum</a:t>
-            </a:r>
-            <a:r>
-              <a:rPr lang="en-US" altLang="ko-KR" sz="2800" dirty="0" smtClean="0">
-                <a:latin typeface="HY견고딕" pitchFamily="18" charset="-127"/>
-                <a:ea typeface="HY견고딕" pitchFamily="18" charset="-127"/>
-              </a:rPr>
-              <a:t> networks</a:t>
-            </a:r>
-          </a:p>
-          <a:p>
-            <a:endParaRPr lang="en-US" altLang="ko-KR" sz="2800" dirty="0" smtClean="0">
+              <a:rPr lang="en-US" altLang="ko-KR" sz="2400" dirty="0" err="1" smtClean="0">
+                <a:latin typeface="HY견고딕" pitchFamily="18" charset="-127"/>
+                <a:ea typeface="HY견고딕" pitchFamily="18" charset="-127"/>
+              </a:rPr>
+              <a:t>e</a:t>
+            </a:r>
+            <a:r>
+              <a:rPr lang="en-US" altLang="ko-KR" sz="2400" dirty="0" err="1" smtClean="0">
+                <a:latin typeface="HY견고딕" pitchFamily="18" charset="-127"/>
+                <a:ea typeface="HY견고딕" pitchFamily="18" charset="-127"/>
+              </a:rPr>
+              <a:t>thereum</a:t>
+            </a:r>
+            <a:r>
+              <a:rPr lang="en-US" altLang="ko-KR" sz="2400" dirty="0" smtClean="0">
+                <a:latin typeface="HY견고딕" pitchFamily="18" charset="-127"/>
+                <a:ea typeface="HY견고딕" pitchFamily="18" charset="-127"/>
+              </a:rPr>
+              <a:t> </a:t>
+            </a:r>
+            <a:r>
+              <a:rPr lang="en-US" altLang="ko-KR" sz="2400" dirty="0" smtClean="0">
+                <a:latin typeface="HY견고딕" pitchFamily="18" charset="-127"/>
+                <a:ea typeface="HY견고딕" pitchFamily="18" charset="-127"/>
+              </a:rPr>
+              <a:t>networks</a:t>
+            </a:r>
+          </a:p>
+          <a:p>
+            <a:endParaRPr lang="en-US" altLang="ko-KR" sz="2400" dirty="0" smtClean="0">
               <a:latin typeface="HY견고딕" pitchFamily="18" charset="-127"/>
               <a:ea typeface="HY견고딕" pitchFamily="18" charset="-127"/>
             </a:endParaRPr>
           </a:p>
           <a:p>
             <a:r>
-              <a:rPr lang="en-US" altLang="ko-KR" sz="2800" dirty="0" smtClean="0">
+              <a:rPr lang="en-US" altLang="ko-KR" sz="2400" dirty="0" smtClean="0">
                 <a:latin typeface="HY견고딕" pitchFamily="18" charset="-127"/>
                 <a:ea typeface="HY견고딕" pitchFamily="18" charset="-127"/>
               </a:rPr>
@@ -5211,7 +5256,7 @@
           </a:p>
           <a:p>
             <a:r>
-              <a:rPr lang="en-US" altLang="ko-KR" sz="2800" dirty="0" smtClean="0">
+              <a:rPr lang="en-US" altLang="ko-KR" sz="2400" dirty="0" smtClean="0">
                 <a:latin typeface="HY견고딕" pitchFamily="18" charset="-127"/>
                 <a:ea typeface="HY견고딕" pitchFamily="18" charset="-127"/>
               </a:rPr>
@@ -5220,7 +5265,7 @@
           </a:p>
           <a:p>
             <a:r>
-              <a:rPr lang="en-US" altLang="ko-KR" sz="2800" dirty="0" smtClean="0">
+              <a:rPr lang="en-US" altLang="ko-KR" sz="2400" dirty="0" smtClean="0">
                 <a:latin typeface="HY견고딕" pitchFamily="18" charset="-127"/>
                 <a:ea typeface="HY견고딕" pitchFamily="18" charset="-127"/>
               </a:rPr>
@@ -5229,7 +5274,7 @@
           </a:p>
           <a:p>
             <a:r>
-              <a:rPr lang="en-US" altLang="ko-KR" sz="2800" dirty="0" smtClean="0">
+              <a:rPr lang="en-US" altLang="ko-KR" sz="2400" dirty="0" smtClean="0">
                 <a:latin typeface="HY견고딕" pitchFamily="18" charset="-127"/>
                 <a:ea typeface="HY견고딕" pitchFamily="18" charset="-127"/>
               </a:rPr>
@@ -5238,7 +5283,7 @@
           </a:p>
           <a:p>
             <a:r>
-              <a:rPr lang="en-US" altLang="ko-KR" sz="2800" dirty="0" smtClean="0">
+              <a:rPr lang="en-US" altLang="ko-KR" sz="2400" dirty="0" smtClean="0">
                 <a:latin typeface="HY견고딕" pitchFamily="18" charset="-127"/>
                 <a:ea typeface="HY견고딕" pitchFamily="18" charset="-127"/>
               </a:rPr>
@@ -5311,8 +5356,8 @@
         </p:nvSpPr>
         <p:spPr>
           <a:xfrm>
-            <a:off x="3120658" y="548680"/>
-            <a:ext cx="2531462" cy="646331"/>
+            <a:off x="2987824" y="548680"/>
+            <a:ext cx="3300904" cy="646331"/>
           </a:xfrm>
           <a:prstGeom prst="rect">
             <a:avLst/>
@@ -5331,7 +5376,7 @@
                 <a:ea typeface="HY견고딕" pitchFamily="18" charset="-127"/>
                 <a:cs typeface="Arial Unicode MS" pitchFamily="50" charset="-127"/>
               </a:rPr>
-              <a:t>Structure</a:t>
+              <a:t>Components</a:t>
             </a:r>
             <a:endParaRPr lang="en-US" altLang="ko-KR" sz="3600" dirty="0" smtClean="0">
               <a:latin typeface="HY견고딕" pitchFamily="18" charset="-127"/>
@@ -5349,8 +5394,8 @@
         </p:nvSpPr>
         <p:spPr>
           <a:xfrm>
-            <a:off x="827584" y="1340768"/>
-            <a:ext cx="5702202" cy="3108543"/>
+            <a:off x="323528" y="1340768"/>
+            <a:ext cx="7840608" cy="2308324"/>
           </a:xfrm>
           <a:prstGeom prst="rect">
             <a:avLst/>
@@ -5364,61 +5409,98 @@
           <a:lstStyle/>
           <a:p>
             <a:r>
-              <a:rPr lang="en-US" altLang="ko-KR" sz="2800" dirty="0" smtClean="0">
-                <a:latin typeface="HY견고딕" pitchFamily="18" charset="-127"/>
-                <a:ea typeface="HY견고딕" pitchFamily="18" charset="-127"/>
-              </a:rPr>
-              <a:t>Components in this project :</a:t>
-            </a:r>
-          </a:p>
-          <a:p>
-            <a:r>
-              <a:rPr lang="en-US" altLang="ko-KR" sz="2800" dirty="0" smtClean="0">
-                <a:latin typeface="HY견고딕" pitchFamily="18" charset="-127"/>
-                <a:ea typeface="HY견고딕" pitchFamily="18" charset="-127"/>
-              </a:rPr>
-              <a:t>  Two contracts : </a:t>
-            </a:r>
-          </a:p>
-          <a:p>
-            <a:r>
-              <a:rPr lang="en-US" altLang="ko-KR" sz="2800" dirty="0" smtClean="0">
-                <a:latin typeface="HY견고딕" pitchFamily="18" charset="-127"/>
-                <a:ea typeface="HY견고딕" pitchFamily="18" charset="-127"/>
-              </a:rPr>
-              <a:t>     - CompanyShares.sol</a:t>
-            </a:r>
-          </a:p>
-          <a:p>
-            <a:r>
-              <a:rPr lang="en-US" altLang="ko-KR" sz="2800" dirty="0" smtClean="0">
+              <a:rPr lang="en-US" altLang="ko-KR" sz="2400" dirty="0" smtClean="0">
+                <a:latin typeface="HY견고딕" pitchFamily="18" charset="-127"/>
+                <a:ea typeface="HY견고딕" pitchFamily="18" charset="-127"/>
+              </a:rPr>
+              <a:t>  </a:t>
+            </a:r>
+            <a:r>
+              <a:rPr lang="en-US" altLang="ko-KR" sz="2400" dirty="0" smtClean="0">
+                <a:latin typeface="HY견고딕" pitchFamily="18" charset="-127"/>
+                <a:ea typeface="HY견고딕" pitchFamily="18" charset="-127"/>
+              </a:rPr>
+              <a:t>Two contracts : </a:t>
+            </a:r>
+          </a:p>
+          <a:p>
+            <a:r>
+              <a:rPr lang="en-US" altLang="ko-KR" sz="2400" dirty="0" smtClean="0">
+                <a:latin typeface="HY견고딕" pitchFamily="18" charset="-127"/>
+                <a:ea typeface="HY견고딕" pitchFamily="18" charset="-127"/>
+              </a:rPr>
+              <a:t>     - </a:t>
+            </a:r>
+            <a:r>
+              <a:rPr lang="en-US" altLang="ko-KR" sz="2400" dirty="0" smtClean="0">
+                <a:latin typeface="HY견고딕" pitchFamily="18" charset="-127"/>
+                <a:ea typeface="HY견고딕" pitchFamily="18" charset="-127"/>
+              </a:rPr>
+              <a:t>CompanyShares.sol =&gt; manage stocks</a:t>
+            </a:r>
+            <a:endParaRPr lang="en-US" altLang="ko-KR" sz="2400" dirty="0" smtClean="0">
+              <a:latin typeface="HY견고딕" pitchFamily="18" charset="-127"/>
+              <a:ea typeface="HY견고딕" pitchFamily="18" charset="-127"/>
+            </a:endParaRPr>
+          </a:p>
+          <a:p>
+            <a:r>
+              <a:rPr lang="en-US" altLang="ko-KR" sz="2400" dirty="0" smtClean="0">
                 <a:latin typeface="HY견고딕" pitchFamily="18" charset="-127"/>
                 <a:ea typeface="HY견고딕" pitchFamily="18" charset="-127"/>
               </a:rPr>
               <a:t>     - VotingOnAgenda.sol </a:t>
             </a:r>
-          </a:p>
-          <a:p>
-            <a:r>
-              <a:rPr lang="en-US" altLang="ko-KR" sz="2800" dirty="0" smtClean="0">
-                <a:latin typeface="HY견고딕" pitchFamily="18" charset="-127"/>
-                <a:ea typeface="HY견고딕" pitchFamily="18" charset="-127"/>
-              </a:rPr>
-              <a:t>     - DocumentRegistry.sol</a:t>
-            </a:r>
-          </a:p>
-          <a:p>
-            <a:r>
-              <a:rPr lang="en-US" altLang="ko-KR" sz="2800" dirty="0" smtClean="0">
-                <a:latin typeface="HY견고딕" pitchFamily="18" charset="-127"/>
-                <a:ea typeface="HY견고딕" pitchFamily="18" charset="-127"/>
-              </a:rPr>
-              <a:t>  Client-side UI :</a:t>
-            </a:r>
-          </a:p>
-          <a:p>
-            <a:r>
-              <a:rPr lang="en-US" altLang="ko-KR" sz="2800" dirty="0" smtClean="0">
+            <a:r>
+              <a:rPr lang="en-US" altLang="ko-KR" sz="2400" dirty="0" smtClean="0">
+                <a:latin typeface="HY견고딕" pitchFamily="18" charset="-127"/>
+                <a:ea typeface="HY견고딕" pitchFamily="18" charset="-127"/>
+              </a:rPr>
+              <a:t>=&gt; vote and </a:t>
+            </a:r>
+          </a:p>
+          <a:p>
+            <a:r>
+              <a:rPr lang="en-US" altLang="ko-KR" sz="2400" dirty="0" smtClean="0">
+                <a:latin typeface="HY견고딕" pitchFamily="18" charset="-127"/>
+                <a:ea typeface="HY견고딕" pitchFamily="18" charset="-127"/>
+              </a:rPr>
+              <a:t>	</a:t>
+            </a:r>
+            <a:r>
+              <a:rPr lang="en-US" altLang="ko-KR" sz="2400" dirty="0" smtClean="0">
+                <a:latin typeface="HY견고딕" pitchFamily="18" charset="-127"/>
+                <a:ea typeface="HY견고딕" pitchFamily="18" charset="-127"/>
+              </a:rPr>
+              <a:t>				</a:t>
+            </a:r>
+            <a:r>
+              <a:rPr lang="en-US" altLang="ko-KR" sz="2400" dirty="0" smtClean="0">
+                <a:latin typeface="HY견고딕" pitchFamily="18" charset="-127"/>
+                <a:ea typeface="HY견고딕" pitchFamily="18" charset="-127"/>
+              </a:rPr>
+              <a:t>document registry</a:t>
+            </a:r>
+          </a:p>
+          <a:p>
+            <a:r>
+              <a:rPr lang="en-US" altLang="ko-KR" sz="2400" dirty="0" smtClean="0">
+                <a:latin typeface="HY견고딕" pitchFamily="18" charset="-127"/>
+                <a:ea typeface="HY견고딕" pitchFamily="18" charset="-127"/>
+              </a:rPr>
+              <a:t>  </a:t>
+            </a:r>
+            <a:r>
+              <a:rPr lang="en-US" altLang="ko-KR" sz="2400" dirty="0" smtClean="0">
+                <a:latin typeface="HY견고딕" pitchFamily="18" charset="-127"/>
+                <a:ea typeface="HY견고딕" pitchFamily="18" charset="-127"/>
+              </a:rPr>
+              <a:t>Client-side UI :</a:t>
+            </a:r>
+          </a:p>
+          <a:p>
+            <a:r>
+              <a:rPr lang="en-US" altLang="ko-KR" sz="2400" dirty="0" smtClean="0">
                 <a:latin typeface="HY견고딕" pitchFamily="18" charset="-127"/>
                 <a:ea typeface="HY견고딕" pitchFamily="18" charset="-127"/>
               </a:rPr>
@@ -5435,12 +5517,15 @@
         </p:nvSpPr>
         <p:spPr>
           <a:xfrm>
-            <a:off x="6228184" y="4005064"/>
+            <a:off x="6228184" y="3717032"/>
             <a:ext cx="2160240" cy="576064"/>
           </a:xfrm>
           <a:prstGeom prst="rect">
             <a:avLst/>
           </a:prstGeom>
+          <a:solidFill>
+            <a:srgbClr val="FFFF00"/>
+          </a:solidFill>
         </p:spPr>
         <p:style>
           <a:lnRef idx="2">
@@ -5464,10 +5549,18 @@
           <a:p>
             <a:pPr algn="ctr"/>
             <a:r>
-              <a:rPr lang="en-US" altLang="ko-KR" dirty="0" err="1" smtClean="0"/>
+              <a:rPr lang="en-US" altLang="ko-KR" dirty="0" err="1" smtClean="0">
+                <a:solidFill>
+                  <a:schemeClr val="tx1"/>
+                </a:solidFill>
+              </a:rPr>
               <a:t>VotingOnAgenda</a:t>
             </a:r>
-            <a:endParaRPr lang="ko-KR" altLang="en-US" dirty="0"/>
+            <a:endParaRPr lang="ko-KR" altLang="en-US" dirty="0">
+              <a:solidFill>
+                <a:schemeClr val="tx1"/>
+              </a:solidFill>
+            </a:endParaRPr>
           </a:p>
         </p:txBody>
       </p:sp>
@@ -5479,12 +5572,15 @@
         </p:nvSpPr>
         <p:spPr>
           <a:xfrm>
-            <a:off x="6228184" y="4581128"/>
+            <a:off x="6228184" y="4293096"/>
             <a:ext cx="2160240" cy="504056"/>
           </a:xfrm>
           <a:prstGeom prst="rect">
             <a:avLst/>
           </a:prstGeom>
+          <a:solidFill>
+            <a:srgbClr val="FFFF00"/>
+          </a:solidFill>
         </p:spPr>
         <p:style>
           <a:lnRef idx="2">
@@ -5508,10 +5604,18 @@
           <a:p>
             <a:pPr algn="ctr"/>
             <a:r>
-              <a:rPr lang="en-US" altLang="ko-KR" dirty="0" err="1" smtClean="0"/>
+              <a:rPr lang="en-US" altLang="ko-KR" dirty="0" err="1" smtClean="0">
+                <a:solidFill>
+                  <a:schemeClr val="tx1"/>
+                </a:solidFill>
+              </a:rPr>
               <a:t>CompanyShares</a:t>
             </a:r>
-            <a:endParaRPr lang="ko-KR" altLang="en-US" dirty="0"/>
+            <a:endParaRPr lang="ko-KR" altLang="en-US" dirty="0">
+              <a:solidFill>
+                <a:schemeClr val="tx1"/>
+              </a:solidFill>
+            </a:endParaRPr>
           </a:p>
         </p:txBody>
       </p:sp>
@@ -5523,12 +5627,15 @@
         </p:nvSpPr>
         <p:spPr>
           <a:xfrm>
-            <a:off x="4644008" y="4293096"/>
+            <a:off x="4644008" y="4005064"/>
             <a:ext cx="1800200" cy="864096"/>
           </a:xfrm>
           <a:prstGeom prst="ellipse">
             <a:avLst/>
           </a:prstGeom>
+          <a:solidFill>
+            <a:schemeClr val="tx2"/>
+          </a:solidFill>
         </p:spPr>
         <p:style>
           <a:lnRef idx="2">
@@ -5571,12 +5678,15 @@
         </p:nvSpPr>
         <p:spPr>
           <a:xfrm>
-            <a:off x="5868144" y="5445224"/>
+            <a:off x="5868144" y="5157192"/>
             <a:ext cx="1800200" cy="864096"/>
           </a:xfrm>
           <a:prstGeom prst="ellipse">
             <a:avLst/>
           </a:prstGeom>
+          <a:solidFill>
+            <a:schemeClr val="tx2"/>
+          </a:solidFill>
         </p:spPr>
         <p:style>
           <a:lnRef idx="2">
@@ -5615,12 +5725,15 @@
         </p:nvSpPr>
         <p:spPr>
           <a:xfrm>
-            <a:off x="3707904" y="5661248"/>
+            <a:off x="3707904" y="5373216"/>
             <a:ext cx="1152128" cy="936104"/>
           </a:xfrm>
           <a:prstGeom prst="ellipse">
             <a:avLst/>
           </a:prstGeom>
+          <a:solidFill>
+            <a:srgbClr val="FFFF00"/>
+          </a:solidFill>
         </p:spPr>
         <p:style>
           <a:lnRef idx="2">
@@ -5644,10 +5757,18 @@
           <a:p>
             <a:pPr algn="ctr"/>
             <a:r>
-              <a:rPr lang="en-US" altLang="ko-KR" dirty="0" smtClean="0"/>
+              <a:rPr lang="en-US" altLang="ko-KR" dirty="0" smtClean="0">
+                <a:solidFill>
+                  <a:schemeClr val="tx1"/>
+                </a:solidFill>
+              </a:rPr>
               <a:t>Client-side UI</a:t>
             </a:r>
-            <a:endParaRPr lang="ko-KR" altLang="en-US" dirty="0"/>
+            <a:endParaRPr lang="ko-KR" altLang="en-US" dirty="0">
+              <a:solidFill>
+                <a:schemeClr val="tx1"/>
+              </a:solidFill>
+            </a:endParaRPr>
           </a:p>
         </p:txBody>
       </p:sp>
@@ -5659,8 +5780,8 @@
         </p:nvSpPr>
         <p:spPr>
           <a:xfrm>
-            <a:off x="1547664" y="5589240"/>
-            <a:ext cx="1082348" cy="369332"/>
+            <a:off x="1403648" y="4221088"/>
+            <a:ext cx="2149948" cy="646331"/>
           </a:xfrm>
           <a:prstGeom prst="rect">
             <a:avLst/>
@@ -5675,7 +5796,13 @@
           <a:p>
             <a:r>
               <a:rPr lang="en-US" altLang="ko-KR" dirty="0" smtClean="0"/>
-              <a:t>manager</a:t>
+              <a:t>Manager</a:t>
+            </a:r>
+          </a:p>
+          <a:p>
+            <a:r>
+              <a:rPr lang="en-US" altLang="ko-KR" dirty="0" smtClean="0"/>
+              <a:t>(owner of contract)</a:t>
             </a:r>
             <a:endParaRPr lang="ko-KR" altLang="en-US" dirty="0"/>
           </a:p>
@@ -5689,7 +5816,7 @@
         </p:nvSpPr>
         <p:spPr>
           <a:xfrm>
-            <a:off x="1331640" y="6165304"/>
+            <a:off x="1331640" y="5877272"/>
             <a:ext cx="1507144" cy="369332"/>
           </a:xfrm>
           <a:prstGeom prst="rect">
@@ -5718,13 +5845,14 @@
           <p:nvPr/>
         </p:nvSpPr>
         <p:spPr>
-          <a:xfrm>
-            <a:off x="2843808" y="5733256"/>
+          <a:xfrm rot="2891820">
+            <a:off x="3419872" y="4941168"/>
             <a:ext cx="648072" cy="288032"/>
           </a:xfrm>
           <a:prstGeom prst="leftRightArrow">
             <a:avLst/>
           </a:prstGeom>
+          <a:noFill/>
         </p:spPr>
         <p:style>
           <a:lnRef idx="2">
@@ -5759,12 +5887,13 @@
         </p:nvSpPr>
         <p:spPr>
           <a:xfrm>
-            <a:off x="2843808" y="6165304"/>
+            <a:off x="2843808" y="5877272"/>
             <a:ext cx="648072" cy="288032"/>
           </a:xfrm>
           <a:prstGeom prst="leftRightArrow">
             <a:avLst/>
           </a:prstGeom>
+          <a:noFill/>
         </p:spPr>
         <p:style>
           <a:lnRef idx="2">
@@ -5799,12 +5928,13 @@
         </p:nvSpPr>
         <p:spPr>
           <a:xfrm>
-            <a:off x="5076056" y="5877272"/>
+            <a:off x="5076056" y="5589240"/>
             <a:ext cx="648072" cy="288032"/>
           </a:xfrm>
           <a:prstGeom prst="leftRightArrow">
             <a:avLst/>
           </a:prstGeom>
+          <a:noFill/>
         </p:spPr>
         <p:style>
           <a:lnRef idx="2">
@@ -5839,12 +5969,13 @@
         </p:nvSpPr>
         <p:spPr>
           <a:xfrm rot="18811833">
-            <a:off x="4716016" y="5373216"/>
+            <a:off x="4716016" y="5085184"/>
             <a:ext cx="648072" cy="288032"/>
           </a:xfrm>
           <a:prstGeom prst="leftRightArrow">
             <a:avLst/>
           </a:prstGeom>
+          <a:noFill/>
         </p:spPr>
         <p:style>
           <a:lnRef idx="2">
@@ -5879,12 +6010,13 @@
         </p:nvSpPr>
         <p:spPr>
           <a:xfrm rot="3667616">
-            <a:off x="5940152" y="5157192"/>
+            <a:off x="5940152" y="4869160"/>
             <a:ext cx="648072" cy="288032"/>
           </a:xfrm>
           <a:prstGeom prst="leftRightArrow">
             <a:avLst/>
           </a:prstGeom>
+          <a:noFill/>
         </p:spPr>
         <p:style>
           <a:lnRef idx="2">
@@ -6012,8 +6144,8 @@
         </p:nvSpPr>
         <p:spPr>
           <a:xfrm>
-            <a:off x="827584" y="1683965"/>
-            <a:ext cx="8100294" cy="4832092"/>
+            <a:off x="686896" y="1524848"/>
+            <a:ext cx="7917552" cy="4893647"/>
           </a:xfrm>
           <a:prstGeom prst="rect">
             <a:avLst/>
@@ -6026,90 +6158,76 @@
           </a:bodyPr>
           <a:lstStyle/>
           <a:p>
-            <a:pPr marL="514350" indent="-514350">
-              <a:buAutoNum type="arabicPeriod"/>
-            </a:pPr>
-            <a:r>
-              <a:rPr lang="en-US" altLang="ko-KR" sz="2800" dirty="0" smtClean="0">
-                <a:latin typeface="HY견고딕" pitchFamily="18" charset="-127"/>
-                <a:ea typeface="HY견고딕" pitchFamily="18" charset="-127"/>
-              </a:rPr>
-              <a:t>Create private key in UI</a:t>
-            </a:r>
-          </a:p>
-          <a:p>
-            <a:pPr marL="514350" indent="-514350">
-              <a:buAutoNum type="arabicPeriod"/>
-            </a:pPr>
-            <a:r>
-              <a:rPr lang="en-US" altLang="ko-KR" sz="2800" dirty="0" smtClean="0">
-                <a:latin typeface="HY견고딕" pitchFamily="18" charset="-127"/>
-                <a:ea typeface="HY견고딕" pitchFamily="18" charset="-127"/>
-              </a:rPr>
-              <a:t>In </a:t>
-            </a:r>
-            <a:r>
-              <a:rPr lang="en-US" altLang="ko-KR" sz="2800" dirty="0" err="1" smtClean="0">
-                <a:latin typeface="HY견고딕" pitchFamily="18" charset="-127"/>
-                <a:ea typeface="HY견고딕" pitchFamily="18" charset="-127"/>
-              </a:rPr>
-              <a:t>metamask</a:t>
-            </a:r>
-            <a:r>
-              <a:rPr lang="en-US" altLang="ko-KR" sz="2800" dirty="0" smtClean="0">
-                <a:latin typeface="HY견고딕" pitchFamily="18" charset="-127"/>
-                <a:ea typeface="HY견고딕" pitchFamily="18" charset="-127"/>
-              </a:rPr>
-              <a:t> : </a:t>
-            </a:r>
-          </a:p>
-          <a:p>
-            <a:pPr marL="514350" indent="-514350"/>
-            <a:r>
-              <a:rPr lang="en-US" altLang="ko-KR" sz="2800" dirty="0" smtClean="0">
-                <a:latin typeface="HY견고딕" pitchFamily="18" charset="-127"/>
-                <a:ea typeface="HY견고딕" pitchFamily="18" charset="-127"/>
-              </a:rPr>
-              <a:t>     - input private key and unlock it</a:t>
-            </a:r>
-          </a:p>
-          <a:p>
-            <a:r>
-              <a:rPr lang="en-US" altLang="ko-KR" sz="2800" dirty="0" smtClean="0">
-                <a:latin typeface="HY견고딕" pitchFamily="18" charset="-127"/>
-                <a:ea typeface="HY견고딕" pitchFamily="18" charset="-127"/>
-              </a:rPr>
-              <a:t>3. Using remix :</a:t>
-            </a:r>
-          </a:p>
-          <a:p>
-            <a:r>
-              <a:rPr lang="en-US" altLang="ko-KR" sz="2800" dirty="0" smtClean="0">
-                <a:latin typeface="HY견고딕" pitchFamily="18" charset="-127"/>
-                <a:ea typeface="HY견고딕" pitchFamily="18" charset="-127"/>
-              </a:rPr>
-              <a:t>     - do a solidity coding for contract </a:t>
-            </a:r>
-          </a:p>
-          <a:p>
-            <a:r>
-              <a:rPr lang="en-US" altLang="ko-KR" sz="2800" dirty="0" smtClean="0">
+            <a:r>
+              <a:rPr lang="en-US" altLang="ko-KR" sz="2400" dirty="0" smtClean="0">
+                <a:latin typeface="HY견고딕" pitchFamily="18" charset="-127"/>
+                <a:ea typeface="HY견고딕" pitchFamily="18" charset="-127"/>
+              </a:rPr>
+              <a:t>1</a:t>
+            </a:r>
+            <a:r>
+              <a:rPr lang="en-US" altLang="ko-KR" sz="2400" dirty="0" smtClean="0">
+                <a:latin typeface="HY견고딕" pitchFamily="18" charset="-127"/>
+                <a:ea typeface="HY견고딕" pitchFamily="18" charset="-127"/>
+              </a:rPr>
+              <a:t>. </a:t>
+            </a:r>
+            <a:r>
+              <a:rPr lang="en-US" altLang="ko-KR" sz="2400" dirty="0" smtClean="0">
+                <a:latin typeface="HY견고딕" pitchFamily="18" charset="-127"/>
+                <a:ea typeface="HY견고딕" pitchFamily="18" charset="-127"/>
+              </a:rPr>
+              <a:t>Using </a:t>
+            </a:r>
+            <a:r>
+              <a:rPr lang="en-US" altLang="ko-KR" sz="2400" dirty="0" smtClean="0">
+                <a:latin typeface="HY견고딕" pitchFamily="18" charset="-127"/>
+                <a:ea typeface="HY견고딕" pitchFamily="18" charset="-127"/>
+              </a:rPr>
+              <a:t>Remix and </a:t>
+            </a:r>
+            <a:r>
+              <a:rPr lang="en-US" altLang="ko-KR" sz="2400" dirty="0" err="1" smtClean="0">
+                <a:latin typeface="HY견고딕" pitchFamily="18" charset="-127"/>
+                <a:ea typeface="HY견고딕" pitchFamily="18" charset="-127"/>
+              </a:rPr>
+              <a:t>MetaMask</a:t>
+            </a:r>
+            <a:endParaRPr lang="en-US" altLang="ko-KR" sz="2400" dirty="0" smtClean="0">
+              <a:latin typeface="HY견고딕" pitchFamily="18" charset="-127"/>
+              <a:ea typeface="HY견고딕" pitchFamily="18" charset="-127"/>
+            </a:endParaRPr>
+          </a:p>
+          <a:p>
+            <a:r>
+              <a:rPr lang="en-US" altLang="ko-KR" sz="2400" dirty="0" smtClean="0">
+                <a:latin typeface="HY견고딕" pitchFamily="18" charset="-127"/>
+                <a:ea typeface="HY견고딕" pitchFamily="18" charset="-127"/>
+              </a:rPr>
+              <a:t>     - do a solidity </a:t>
+            </a:r>
+            <a:r>
+              <a:rPr lang="en-US" altLang="ko-KR" sz="2400" dirty="0" smtClean="0">
+                <a:latin typeface="HY견고딕" pitchFamily="18" charset="-127"/>
+                <a:ea typeface="HY견고딕" pitchFamily="18" charset="-127"/>
+              </a:rPr>
+              <a:t>contract coding </a:t>
+            </a:r>
+            <a:endParaRPr lang="en-US" altLang="ko-KR" sz="2400" dirty="0" smtClean="0">
+              <a:latin typeface="HY견고딕" pitchFamily="18" charset="-127"/>
+              <a:ea typeface="HY견고딕" pitchFamily="18" charset="-127"/>
+            </a:endParaRPr>
+          </a:p>
+          <a:p>
+            <a:r>
+              <a:rPr lang="en-US" altLang="ko-KR" sz="2400" dirty="0" smtClean="0">
                 <a:latin typeface="HY견고딕" pitchFamily="18" charset="-127"/>
                 <a:ea typeface="HY견고딕" pitchFamily="18" charset="-127"/>
               </a:rPr>
               <a:t>     - compile, run and deploy with </a:t>
             </a:r>
-          </a:p>
-          <a:p>
-            <a:r>
-              <a:rPr lang="en-US" altLang="ko-KR" sz="2800" dirty="0" smtClean="0">
-                <a:latin typeface="HY견고딕" pitchFamily="18" charset="-127"/>
-                <a:ea typeface="HY견고딕" pitchFamily="18" charset="-127"/>
-              </a:rPr>
-              <a:t>        </a:t>
-            </a:r>
-            <a:r>
-              <a:rPr lang="en-US" altLang="ko-KR" sz="2800" smtClean="0">
+            <a:r>
+              <a:rPr lang="en-US" altLang="ko-KR" sz="2400" dirty="0" smtClean="0">
                 <a:latin typeface="HY견고딕" pitchFamily="18" charset="-127"/>
                 <a:ea typeface="HY견고딕" pitchFamily="18" charset="-127"/>
               </a:rPr>
@@ -6118,46 +6236,165 @@
           </a:p>
           <a:p>
             <a:r>
-              <a:rPr lang="en-US" altLang="ko-KR" sz="2800" smtClean="0">
-                <a:latin typeface="HY견고딕" pitchFamily="18" charset="-127"/>
-                <a:ea typeface="HY견고딕" pitchFamily="18" charset="-127"/>
-              </a:rPr>
-              <a:t>4</a:t>
-            </a:r>
-            <a:r>
-              <a:rPr lang="en-US" altLang="ko-KR" sz="2800" dirty="0" smtClean="0">
-                <a:latin typeface="HY견고딕" pitchFamily="18" charset="-127"/>
-                <a:ea typeface="HY견고딕" pitchFamily="18" charset="-127"/>
-              </a:rPr>
-              <a:t>. in client-side UI :</a:t>
-            </a:r>
-          </a:p>
-          <a:p>
-            <a:r>
-              <a:rPr lang="en-US" altLang="ko-KR" sz="2800" dirty="0" smtClean="0">
-                <a:latin typeface="HY견고딕" pitchFamily="18" charset="-127"/>
-                <a:ea typeface="HY견고딕" pitchFamily="18" charset="-127"/>
-              </a:rPr>
-              <a:t>     - with owner address, setup a agenda</a:t>
-            </a:r>
-          </a:p>
-          <a:p>
-            <a:r>
-              <a:rPr lang="en-US" altLang="ko-KR" sz="2800" dirty="0" smtClean="0">
-                <a:latin typeface="HY견고딕" pitchFamily="18" charset="-127"/>
-                <a:ea typeface="HY견고딕" pitchFamily="18" charset="-127"/>
-              </a:rPr>
-              <a:t>     - with others’ address do votes</a:t>
-            </a:r>
-          </a:p>
-          <a:p>
-            <a:r>
-              <a:rPr lang="en-US" altLang="ko-KR" sz="2800" dirty="0" smtClean="0">
-                <a:latin typeface="HY견고딕" pitchFamily="18" charset="-127"/>
-                <a:ea typeface="HY견고딕" pitchFamily="18" charset="-127"/>
-              </a:rPr>
-              <a:t>     - read the result of voting</a:t>
-            </a:r>
+              <a:rPr lang="en-US" altLang="ko-KR" sz="2400" dirty="0" smtClean="0">
+                <a:latin typeface="HY견고딕" pitchFamily="18" charset="-127"/>
+                <a:ea typeface="HY견고딕" pitchFamily="18" charset="-127"/>
+              </a:rPr>
+              <a:t>      (initial value : no. of stocks and price)</a:t>
+            </a:r>
+            <a:endParaRPr lang="en-US" altLang="ko-KR" sz="2400" dirty="0" smtClean="0">
+              <a:latin typeface="HY견고딕" pitchFamily="18" charset="-127"/>
+              <a:ea typeface="HY견고딕" pitchFamily="18" charset="-127"/>
+            </a:endParaRPr>
+          </a:p>
+          <a:p>
+            <a:r>
+              <a:rPr lang="en-US" altLang="ko-KR" sz="2400" dirty="0" smtClean="0">
+                <a:latin typeface="HY견고딕" pitchFamily="18" charset="-127"/>
+                <a:ea typeface="HY견고딕" pitchFamily="18" charset="-127"/>
+              </a:rPr>
+              <a:t> </a:t>
+            </a:r>
+            <a:r>
+              <a:rPr lang="en-US" altLang="ko-KR" sz="2400" dirty="0" smtClean="0">
+                <a:latin typeface="HY견고딕" pitchFamily="18" charset="-127"/>
+                <a:ea typeface="HY견고딕" pitchFamily="18" charset="-127"/>
+              </a:rPr>
+              <a:t>    - keep contract address &amp; ABI, owner key</a:t>
+            </a:r>
+            <a:endParaRPr lang="en-US" altLang="ko-KR" sz="2400" dirty="0" smtClean="0">
+              <a:latin typeface="HY견고딕" pitchFamily="18" charset="-127"/>
+              <a:ea typeface="HY견고딕" pitchFamily="18" charset="-127"/>
+            </a:endParaRPr>
+          </a:p>
+          <a:p>
+            <a:r>
+              <a:rPr lang="en-US" altLang="ko-KR" sz="2400" dirty="0" smtClean="0">
+                <a:latin typeface="HY견고딕" pitchFamily="18" charset="-127"/>
+                <a:ea typeface="HY견고딕" pitchFamily="18" charset="-127"/>
+              </a:rPr>
+              <a:t>2</a:t>
+            </a:r>
+            <a:r>
+              <a:rPr lang="en-US" altLang="ko-KR" sz="2400" dirty="0" smtClean="0">
+                <a:latin typeface="HY견고딕" pitchFamily="18" charset="-127"/>
+                <a:ea typeface="HY견고딕" pitchFamily="18" charset="-127"/>
+              </a:rPr>
+              <a:t>. Hard code in UI JavaScript </a:t>
+            </a:r>
+          </a:p>
+          <a:p>
+            <a:r>
+              <a:rPr lang="en-US" altLang="ko-KR" sz="2400" dirty="0" smtClean="0">
+                <a:latin typeface="HY견고딕" pitchFamily="18" charset="-127"/>
+                <a:ea typeface="HY견고딕" pitchFamily="18" charset="-127"/>
+              </a:rPr>
+              <a:t> </a:t>
+            </a:r>
+            <a:r>
+              <a:rPr lang="en-US" altLang="ko-KR" sz="2400" dirty="0" smtClean="0">
+                <a:latin typeface="HY견고딕" pitchFamily="18" charset="-127"/>
+                <a:ea typeface="HY견고딕" pitchFamily="18" charset="-127"/>
+              </a:rPr>
+              <a:t>     =&gt; </a:t>
+            </a:r>
+            <a:r>
+              <a:rPr lang="en-US" altLang="ko-KR" sz="2400" dirty="0" smtClean="0">
+                <a:latin typeface="HY견고딕" pitchFamily="18" charset="-127"/>
+                <a:ea typeface="HY견고딕" pitchFamily="18" charset="-127"/>
+              </a:rPr>
+              <a:t>contract address, ABI, </a:t>
+            </a:r>
+          </a:p>
+          <a:p>
+            <a:r>
+              <a:rPr lang="en-US" altLang="ko-KR" sz="2400" dirty="0" smtClean="0">
+                <a:latin typeface="HY견고딕" pitchFamily="18" charset="-127"/>
+                <a:ea typeface="HY견고딕" pitchFamily="18" charset="-127"/>
+              </a:rPr>
+              <a:t> </a:t>
+            </a:r>
+            <a:r>
+              <a:rPr lang="en-US" altLang="ko-KR" sz="2400" dirty="0" smtClean="0">
+                <a:latin typeface="HY견고딕" pitchFamily="18" charset="-127"/>
+                <a:ea typeface="HY견고딕" pitchFamily="18" charset="-127"/>
+              </a:rPr>
+              <a:t>     =&gt; </a:t>
+            </a:r>
+            <a:r>
+              <a:rPr lang="en-US" altLang="ko-KR" sz="2400" dirty="0" smtClean="0">
+                <a:latin typeface="HY견고딕" pitchFamily="18" charset="-127"/>
+                <a:ea typeface="HY견고딕" pitchFamily="18" charset="-127"/>
+              </a:rPr>
+              <a:t>owner private key</a:t>
+            </a:r>
+          </a:p>
+          <a:p>
+            <a:r>
+              <a:rPr lang="en-US" altLang="ko-KR" sz="2400" dirty="0" smtClean="0">
+                <a:latin typeface="HY견고딕" pitchFamily="18" charset="-127"/>
+                <a:ea typeface="HY견고딕" pitchFamily="18" charset="-127"/>
+              </a:rPr>
+              <a:t> </a:t>
+            </a:r>
+            <a:r>
+              <a:rPr lang="en-US" altLang="ko-KR" sz="2400" dirty="0" smtClean="0">
+                <a:latin typeface="HY견고딕" pitchFamily="18" charset="-127"/>
+                <a:ea typeface="HY견고딕" pitchFamily="18" charset="-127"/>
+              </a:rPr>
+              <a:t>     =&gt; IPFS address</a:t>
+            </a:r>
+            <a:endParaRPr lang="en-US" altLang="ko-KR" sz="2400" dirty="0" smtClean="0">
+              <a:latin typeface="HY견고딕" pitchFamily="18" charset="-127"/>
+              <a:ea typeface="HY견고딕" pitchFamily="18" charset="-127"/>
+            </a:endParaRPr>
+          </a:p>
+          <a:p>
+            <a:r>
+              <a:rPr lang="en-US" altLang="ko-KR" sz="2400" dirty="0" smtClean="0">
+                <a:latin typeface="HY견고딕" pitchFamily="18" charset="-127"/>
+                <a:ea typeface="HY견고딕" pitchFamily="18" charset="-127"/>
+              </a:rPr>
+              <a:t>3. Run web and IPFS server</a:t>
+            </a:r>
+          </a:p>
+          <a:p>
+            <a:r>
+              <a:rPr lang="en-US" altLang="ko-KR" sz="2400" dirty="0" smtClean="0">
+                <a:latin typeface="HY견고딕" pitchFamily="18" charset="-127"/>
+                <a:ea typeface="HY견고딕" pitchFamily="18" charset="-127"/>
+              </a:rPr>
+              <a:t>4. In browser localhost:8081 open</a:t>
+            </a:r>
+          </a:p>
+          <a:p>
+            <a:r>
+              <a:rPr lang="en-US" altLang="ko-KR" sz="2400" dirty="0" smtClean="0">
+                <a:latin typeface="HY견고딕" pitchFamily="18" charset="-127"/>
+                <a:ea typeface="HY견고딕" pitchFamily="18" charset="-127"/>
+              </a:rPr>
+              <a:t>5. Locate at index.html for UI</a:t>
+            </a:r>
+          </a:p>
+          <a:p>
+            <a:r>
+              <a:rPr lang="en-US" altLang="ko-KR" sz="2400" dirty="0" smtClean="0">
+                <a:latin typeface="HY견고딕" pitchFamily="18" charset="-127"/>
+                <a:ea typeface="HY견고딕" pitchFamily="18" charset="-127"/>
+              </a:rPr>
+              <a:t> </a:t>
+            </a:r>
+            <a:r>
+              <a:rPr lang="en-US" altLang="ko-KR" sz="2400" dirty="0" smtClean="0">
+                <a:latin typeface="HY견고딕" pitchFamily="18" charset="-127"/>
+                <a:ea typeface="HY견고딕" pitchFamily="18" charset="-127"/>
+              </a:rPr>
+              <a:t>       </a:t>
+            </a:r>
+            <a:endParaRPr lang="en-US" altLang="ko-KR" sz="2400" dirty="0" smtClean="0">
+              <a:latin typeface="HY견고딕" pitchFamily="18" charset="-127"/>
+              <a:ea typeface="HY견고딕" pitchFamily="18" charset="-127"/>
+            </a:endParaRPr>
           </a:p>
         </p:txBody>
       </p:sp>
@@ -6314,8 +6551,8 @@
         </p:nvSpPr>
         <p:spPr>
           <a:xfrm>
-            <a:off x="1979712" y="404664"/>
-            <a:ext cx="5339923" cy="646331"/>
+            <a:off x="1907704" y="404664"/>
+            <a:ext cx="5493812" cy="646331"/>
           </a:xfrm>
           <a:prstGeom prst="rect">
             <a:avLst/>
@@ -6334,8 +6571,21 @@
                 <a:ea typeface="HY견고딕" pitchFamily="18" charset="-127"/>
                 <a:cs typeface="Arial Unicode MS" pitchFamily="50" charset="-127"/>
               </a:rPr>
-              <a:t>IPFS working locally</a:t>
-            </a:r>
+              <a:t>Web server and </a:t>
+            </a:r>
+            <a:r>
+              <a:rPr lang="en-US" altLang="ko-KR" sz="3600" dirty="0" smtClean="0">
+                <a:latin typeface="HY견고딕" pitchFamily="18" charset="-127"/>
+                <a:ea typeface="HY견고딕" pitchFamily="18" charset="-127"/>
+                <a:cs typeface="Arial Unicode MS" pitchFamily="50" charset="-127"/>
+              </a:rPr>
+              <a:t>IPFS </a:t>
+            </a:r>
+            <a:endParaRPr lang="en-US" altLang="ko-KR" sz="3600" dirty="0" smtClean="0">
+              <a:latin typeface="HY견고딕" pitchFamily="18" charset="-127"/>
+              <a:ea typeface="HY견고딕" pitchFamily="18" charset="-127"/>
+              <a:cs typeface="Arial Unicode MS" pitchFamily="50" charset="-127"/>
+            </a:endParaRPr>
           </a:p>
         </p:txBody>
       </p:sp>
@@ -7206,14 +7456,14 @@
       </p:sp>
       <p:sp>
         <p:nvSpPr>
-          <p:cNvPr id="4" name="TextBox 3"/>
+          <p:cNvPr id="3" name="TextBox 2"/>
           <p:cNvSpPr txBox="1"/>
           <p:nvPr/>
         </p:nvSpPr>
         <p:spPr>
           <a:xfrm>
-            <a:off x="2267744" y="548680"/>
-            <a:ext cx="4647426" cy="646331"/>
+            <a:off x="2195736" y="548680"/>
+            <a:ext cx="5051383" cy="646331"/>
           </a:xfrm>
           <a:prstGeom prst="rect">
             <a:avLst/>
@@ -7232,8 +7482,298 @@
                 <a:ea typeface="HY견고딕" pitchFamily="18" charset="-127"/>
                 <a:cs typeface="Arial Unicode MS" pitchFamily="50" charset="-127"/>
               </a:rPr>
-              <a:t> To be considered</a:t>
-            </a:r>
+              <a:t>Testing Procedures</a:t>
+            </a:r>
+            <a:endParaRPr lang="ko-KR" altLang="en-US" sz="3600" dirty="0">
+              <a:latin typeface="HY견고딕" pitchFamily="18" charset="-127"/>
+              <a:ea typeface="HY견고딕" pitchFamily="18" charset="-127"/>
+            </a:endParaRPr>
+          </a:p>
+        </p:txBody>
+      </p:sp>
+      <p:sp>
+        <p:nvSpPr>
+          <p:cNvPr id="4" name="TextBox 3"/>
+          <p:cNvSpPr txBox="1"/>
+          <p:nvPr/>
+        </p:nvSpPr>
+        <p:spPr>
+          <a:xfrm>
+            <a:off x="611560" y="1524848"/>
+            <a:ext cx="8225329" cy="4154984"/>
+          </a:xfrm>
+          <a:prstGeom prst="rect">
+            <a:avLst/>
+          </a:prstGeom>
+          <a:noFill/>
+        </p:spPr>
+        <p:txBody>
+          <a:bodyPr wrap="none" rtlCol="0">
+            <a:spAutoFit/>
+          </a:bodyPr>
+          <a:lstStyle/>
+          <a:p>
+            <a:pPr marL="514350" indent="-514350"/>
+            <a:r>
+              <a:rPr lang="en-US" altLang="ko-KR" sz="2400" dirty="0" smtClean="0">
+                <a:latin typeface="HY견고딕" pitchFamily="18" charset="-127"/>
+                <a:ea typeface="HY견고딕" pitchFamily="18" charset="-127"/>
+              </a:rPr>
+              <a:t>1. Create or prepare 5-10 private keys</a:t>
+            </a:r>
+            <a:endParaRPr lang="en-US" altLang="ko-KR" sz="2400" dirty="0" smtClean="0">
+              <a:latin typeface="HY견고딕" pitchFamily="18" charset="-127"/>
+              <a:ea typeface="HY견고딕" pitchFamily="18" charset="-127"/>
+            </a:endParaRPr>
+          </a:p>
+          <a:p>
+            <a:r>
+              <a:rPr lang="en-US" altLang="ko-KR" sz="2400" dirty="0" smtClean="0">
+                <a:latin typeface="HY견고딕" pitchFamily="18" charset="-127"/>
+                <a:ea typeface="HY견고딕" pitchFamily="18" charset="-127"/>
+              </a:rPr>
+              <a:t>2. In UI menu, owner distribute stocks to others</a:t>
+            </a:r>
+          </a:p>
+          <a:p>
+            <a:r>
+              <a:rPr lang="en-US" altLang="ko-KR" sz="2400" dirty="0" smtClean="0">
+                <a:latin typeface="HY견고딕" pitchFamily="18" charset="-127"/>
+                <a:ea typeface="HY견고딕" pitchFamily="18" charset="-127"/>
+              </a:rPr>
+              <a:t>3. Owner create an agenda with time limitation </a:t>
+            </a:r>
+          </a:p>
+          <a:p>
+            <a:r>
+              <a:rPr lang="en-US" altLang="ko-KR" sz="2400" dirty="0" smtClean="0">
+                <a:latin typeface="HY견고딕" pitchFamily="18" charset="-127"/>
+                <a:ea typeface="HY견고딕" pitchFamily="18" charset="-127"/>
+              </a:rPr>
+              <a:t>4. Changing private key in UI, we </a:t>
+            </a:r>
+            <a:r>
+              <a:rPr lang="en-US" altLang="ko-KR" sz="2400" dirty="0" smtClean="0">
+                <a:latin typeface="HY견고딕" pitchFamily="18" charset="-127"/>
+                <a:ea typeface="HY견고딕" pitchFamily="18" charset="-127"/>
+              </a:rPr>
+              <a:t>can change</a:t>
+            </a:r>
+          </a:p>
+          <a:p>
+            <a:r>
+              <a:rPr lang="en-US" altLang="ko-KR" sz="2400" dirty="0" smtClean="0">
+                <a:latin typeface="HY견고딕" pitchFamily="18" charset="-127"/>
+                <a:ea typeface="HY견고딕" pitchFamily="18" charset="-127"/>
+              </a:rPr>
+              <a:t> </a:t>
+            </a:r>
+            <a:r>
+              <a:rPr lang="en-US" altLang="ko-KR" sz="2400" dirty="0" smtClean="0">
+                <a:latin typeface="HY견고딕" pitchFamily="18" charset="-127"/>
+                <a:ea typeface="HY견고딕" pitchFamily="18" charset="-127"/>
+              </a:rPr>
+              <a:t>   message sender</a:t>
+            </a:r>
+          </a:p>
+          <a:p>
+            <a:r>
+              <a:rPr lang="en-US" altLang="ko-KR" sz="2400" dirty="0" smtClean="0">
+                <a:latin typeface="HY견고딕" pitchFamily="18" charset="-127"/>
+                <a:ea typeface="HY견고딕" pitchFamily="18" charset="-127"/>
+              </a:rPr>
+              <a:t>5. Shareholders can commit their right to others</a:t>
+            </a:r>
+          </a:p>
+          <a:p>
+            <a:r>
+              <a:rPr lang="en-US" altLang="ko-KR" sz="2400" dirty="0" smtClean="0">
+                <a:latin typeface="HY견고딕" pitchFamily="18" charset="-127"/>
+                <a:ea typeface="HY견고딕" pitchFamily="18" charset="-127"/>
+              </a:rPr>
+              <a:t> </a:t>
+            </a:r>
+            <a:r>
+              <a:rPr lang="en-US" altLang="ko-KR" sz="2400" dirty="0" smtClean="0">
+                <a:latin typeface="HY견고딕" pitchFamily="18" charset="-127"/>
+                <a:ea typeface="HY견고딕" pitchFamily="18" charset="-127"/>
+              </a:rPr>
+              <a:t>   within the period</a:t>
+            </a:r>
+            <a:endParaRPr lang="en-US" altLang="ko-KR" sz="2400" dirty="0" smtClean="0">
+              <a:latin typeface="HY견고딕" pitchFamily="18" charset="-127"/>
+              <a:ea typeface="HY견고딕" pitchFamily="18" charset="-127"/>
+            </a:endParaRPr>
+          </a:p>
+          <a:p>
+            <a:r>
+              <a:rPr lang="en-US" altLang="ko-KR" sz="2400" dirty="0" smtClean="0">
+                <a:latin typeface="HY견고딕" pitchFamily="18" charset="-127"/>
+                <a:ea typeface="HY견고딕" pitchFamily="18" charset="-127"/>
+              </a:rPr>
+              <a:t>6</a:t>
+            </a:r>
+            <a:r>
+              <a:rPr lang="en-US" altLang="ko-KR" sz="2400" dirty="0" smtClean="0">
+                <a:latin typeface="HY견고딕" pitchFamily="18" charset="-127"/>
+                <a:ea typeface="HY견고딕" pitchFamily="18" charset="-127"/>
+              </a:rPr>
+              <a:t>. Within deadline, after reading agenda, </a:t>
+            </a:r>
+          </a:p>
+          <a:p>
+            <a:r>
+              <a:rPr lang="en-US" altLang="ko-KR" sz="2400" dirty="0" smtClean="0">
+                <a:latin typeface="HY견고딕" pitchFamily="18" charset="-127"/>
+                <a:ea typeface="HY견고딕" pitchFamily="18" charset="-127"/>
+              </a:rPr>
+              <a:t> </a:t>
+            </a:r>
+            <a:r>
+              <a:rPr lang="en-US" altLang="ko-KR" sz="2400" dirty="0" smtClean="0">
+                <a:latin typeface="HY견고딕" pitchFamily="18" charset="-127"/>
+                <a:ea typeface="HY견고딕" pitchFamily="18" charset="-127"/>
+              </a:rPr>
+              <a:t>   shareholder</a:t>
+            </a:r>
+            <a:r>
+              <a:rPr lang="en-US" altLang="ko-KR" sz="2400" dirty="0" smtClean="0">
+                <a:latin typeface="HY견고딕" pitchFamily="18" charset="-127"/>
+                <a:ea typeface="HY견고딕" pitchFamily="18" charset="-127"/>
+              </a:rPr>
+              <a:t> can represent their opinion </a:t>
+            </a:r>
+          </a:p>
+          <a:p>
+            <a:r>
+              <a:rPr lang="en-US" altLang="ko-KR" sz="2400" dirty="0" smtClean="0">
+                <a:latin typeface="HY견고딕" pitchFamily="18" charset="-127"/>
+                <a:ea typeface="HY견고딕" pitchFamily="18" charset="-127"/>
+              </a:rPr>
+              <a:t>7</a:t>
+            </a:r>
+            <a:r>
+              <a:rPr lang="en-US" altLang="ko-KR" sz="2400" dirty="0" smtClean="0">
+                <a:latin typeface="HY견고딕" pitchFamily="18" charset="-127"/>
+                <a:ea typeface="HY견고딕" pitchFamily="18" charset="-127"/>
+              </a:rPr>
+              <a:t>. All shareholders can watch the voting result</a:t>
+            </a:r>
+            <a:endParaRPr lang="en-US" altLang="ko-KR" sz="2400" dirty="0" smtClean="0">
+              <a:latin typeface="HY견고딕" pitchFamily="18" charset="-127"/>
+              <a:ea typeface="HY견고딕" pitchFamily="18" charset="-127"/>
+            </a:endParaRPr>
+          </a:p>
+          <a:p>
+            <a:r>
+              <a:rPr lang="en-US" altLang="ko-KR" sz="2400" dirty="0" smtClean="0">
+                <a:latin typeface="HY견고딕" pitchFamily="18" charset="-127"/>
+                <a:ea typeface="HY견고딕" pitchFamily="18" charset="-127"/>
+              </a:rPr>
+              <a:t>     </a:t>
+            </a:r>
+          </a:p>
+        </p:txBody>
+      </p:sp>
+    </p:spTree>
+  </p:cSld>
+  <p:clrMapOvr>
+    <a:masterClrMapping/>
+  </p:clrMapOvr>
+  <p:timing>
+    <p:tnLst>
+      <p:par>
+        <p:cTn id="1" dur="indefinite" restart="never" nodeType="tmRoot"/>
+      </p:par>
+    </p:tnLst>
+  </p:timing>
+</p:sld>
+</file>
+
+<file path=ppt/slides/slide8.xml><?xml version="1.0" encoding="utf-8"?>
+<p:sld xmlns:a="http://schemas.openxmlformats.org/drawingml/2006/main" xmlns:r="http://schemas.openxmlformats.org/officeDocument/2006/relationships" xmlns:p="http://schemas.openxmlformats.org/presentationml/2006/main">
+  <p:cSld>
+    <p:spTree>
+      <p:nvGrpSpPr>
+        <p:cNvPr id="1" name=""/>
+        <p:cNvGrpSpPr/>
+        <p:nvPr/>
+      </p:nvGrpSpPr>
+      <p:grpSpPr>
+        <a:xfrm>
+          <a:off x="0" y="0"/>
+          <a:ext cx="0" cy="0"/>
+          <a:chOff x="0" y="0"/>
+          <a:chExt cx="0" cy="0"/>
+        </a:xfrm>
+      </p:grpSpPr>
+      <p:sp>
+        <p:nvSpPr>
+          <p:cNvPr id="2" name="슬라이드 번호 개체 틀 1"/>
+          <p:cNvSpPr>
+            <a:spLocks noGrp="1"/>
+          </p:cNvSpPr>
+          <p:nvPr>
+            <p:ph type="sldNum" sz="quarter" idx="12"/>
+          </p:nvPr>
+        </p:nvSpPr>
+        <p:spPr/>
+        <p:txBody>
+          <a:bodyPr/>
+          <a:lstStyle/>
+          <a:p>
+            <a:fld id="{D344B7A0-D6AD-4AE0-9151-A2613BECEB4D}" type="slidenum">
+              <a:rPr lang="ko-KR" altLang="en-US" smtClean="0"/>
+              <a:pPr/>
+              <a:t>8</a:t>
+            </a:fld>
+            <a:endParaRPr lang="ko-KR" altLang="en-US"/>
+          </a:p>
+        </p:txBody>
+      </p:sp>
+      <p:sp>
+        <p:nvSpPr>
+          <p:cNvPr id="4" name="TextBox 3"/>
+          <p:cNvSpPr txBox="1"/>
+          <p:nvPr/>
+        </p:nvSpPr>
+        <p:spPr>
+          <a:xfrm>
+            <a:off x="2771800" y="692696"/>
+            <a:ext cx="3127779" cy="646331"/>
+          </a:xfrm>
+          <a:prstGeom prst="rect">
+            <a:avLst/>
+          </a:prstGeom>
+          <a:noFill/>
+        </p:spPr>
+        <p:txBody>
+          <a:bodyPr wrap="none" rtlCol="0">
+            <a:spAutoFit/>
+          </a:bodyPr>
+          <a:lstStyle/>
+          <a:p>
+            <a:r>
+              <a:rPr lang="en-US" altLang="ko-KR" sz="3600" dirty="0" smtClean="0">
+                <a:latin typeface="HY견고딕" pitchFamily="18" charset="-127"/>
+                <a:ea typeface="HY견고딕" pitchFamily="18" charset="-127"/>
+                <a:cs typeface="Arial Unicode MS" pitchFamily="50" charset="-127"/>
+              </a:rPr>
+              <a:t> </a:t>
+            </a:r>
+            <a:r>
+              <a:rPr lang="en-US" altLang="ko-KR" sz="3600" dirty="0" smtClean="0">
+                <a:latin typeface="HY견고딕" pitchFamily="18" charset="-127"/>
+                <a:ea typeface="HY견고딕" pitchFamily="18" charset="-127"/>
+                <a:cs typeface="Arial Unicode MS" pitchFamily="50" charset="-127"/>
+              </a:rPr>
+              <a:t>Discussion</a:t>
+            </a:r>
+            <a:endParaRPr lang="en-US" altLang="ko-KR" sz="3600" dirty="0" smtClean="0">
+              <a:latin typeface="HY견고딕" pitchFamily="18" charset="-127"/>
+              <a:ea typeface="HY견고딕" pitchFamily="18" charset="-127"/>
+              <a:cs typeface="Arial Unicode MS" pitchFamily="50" charset="-127"/>
+            </a:endParaRPr>
           </a:p>
         </p:txBody>
       </p:sp>

--- a/AgendaHandling.pptx
+++ b/AgendaHandling.pptx
@@ -200,7 +200,7 @@
             <a:fld id="{BC042F3D-67A9-4A06-AB76-88B78AEE7614}" type="datetimeFigureOut">
               <a:rPr lang="ko-KR" altLang="en-US" smtClean="0"/>
               <a:pPr/>
-              <a:t>2018-05-31</a:t>
+              <a:t>2018-06-01</a:t>
             </a:fld>
             <a:endParaRPr lang="ko-KR" altLang="en-US"/>
           </a:p>
@@ -701,7 +701,7 @@
             <a:fld id="{0E6BF1DB-36F5-42C2-84E4-2FC1DF180E97}" type="datetime1">
               <a:rPr lang="ko-KR" altLang="en-US" smtClean="0"/>
               <a:pPr/>
-              <a:t>2018-05-31</a:t>
+              <a:t>2018-06-01</a:t>
             </a:fld>
             <a:endParaRPr lang="ko-KR" altLang="en-US"/>
           </a:p>
@@ -882,7 +882,7 @@
             <a:fld id="{9CA80D34-C8C4-4245-A7E8-15529563DFD0}" type="datetime1">
               <a:rPr lang="ko-KR" altLang="en-US" smtClean="0"/>
               <a:pPr/>
-              <a:t>2018-05-31</a:t>
+              <a:t>2018-06-01</a:t>
             </a:fld>
             <a:endParaRPr lang="ko-KR" altLang="en-US"/>
           </a:p>
@@ -1184,7 +1184,7 @@
             <a:fld id="{FD91AD6B-3623-4D9A-AD8C-4D0B37D4272A}" type="datetime1">
               <a:rPr lang="ko-KR" altLang="en-US" smtClean="0"/>
               <a:pPr/>
-              <a:t>2018-05-31</a:t>
+              <a:t>2018-06-01</a:t>
             </a:fld>
             <a:endParaRPr lang="ko-KR" altLang="en-US"/>
           </a:p>
@@ -1395,7 +1395,7 @@
             <a:fld id="{81C171C5-4DEA-4E71-BCEC-20BBB9E74678}" type="datetime1">
               <a:rPr lang="ko-KR" altLang="en-US" smtClean="0"/>
               <a:pPr/>
-              <a:t>2018-05-31</a:t>
+              <a:t>2018-06-01</a:t>
             </a:fld>
             <a:endParaRPr lang="ko-KR" altLang="en-US"/>
           </a:p>
@@ -1822,7 +1822,7 @@
             <a:fld id="{C99337B2-0A5C-4DDD-9A4E-70E7A096C7C1}" type="datetime1">
               <a:rPr lang="ko-KR" altLang="en-US" smtClean="0"/>
               <a:pPr/>
-              <a:t>2018-05-31</a:t>
+              <a:t>2018-06-01</a:t>
             </a:fld>
             <a:endParaRPr lang="ko-KR" altLang="en-US"/>
           </a:p>
@@ -2159,7 +2159,7 @@
             <a:fld id="{6D15E167-5191-4E28-8888-8A42760BF427}" type="datetime1">
               <a:rPr lang="ko-KR" altLang="en-US" smtClean="0"/>
               <a:pPr/>
-              <a:t>2018-05-31</a:t>
+              <a:t>2018-06-01</a:t>
             </a:fld>
             <a:endParaRPr lang="ko-KR" altLang="en-US"/>
           </a:p>
@@ -2278,7 +2278,7 @@
             <a:fld id="{0C0DFE9E-75D7-4521-8DEE-A4DCC29FD659}" type="datetime1">
               <a:rPr lang="ko-KR" altLang="en-US" smtClean="0"/>
               <a:pPr/>
-              <a:t>2018-05-31</a:t>
+              <a:t>2018-06-01</a:t>
             </a:fld>
             <a:endParaRPr lang="ko-KR" altLang="en-US"/>
           </a:p>
@@ -2990,7 +2990,7 @@
             <a:fld id="{1D3A159B-BB05-4FD5-9CEC-6D1BF3BD95B5}" type="datetime1">
               <a:rPr lang="ko-KR" altLang="en-US" smtClean="0"/>
               <a:pPr/>
-              <a:t>2018-05-31</a:t>
+              <a:t>2018-06-01</a:t>
             </a:fld>
             <a:endParaRPr lang="ko-KR" altLang="en-US"/>
           </a:p>
@@ -3082,7 +3082,7 @@
             <a:fld id="{7000FCB9-3FB2-4873-B3E4-7EB5F5D8E62E}" type="datetime1">
               <a:rPr lang="ko-KR" altLang="en-US" smtClean="0"/>
               <a:pPr/>
-              <a:t>2018-05-31</a:t>
+              <a:t>2018-06-01</a:t>
             </a:fld>
             <a:endParaRPr lang="ko-KR" altLang="en-US"/>
           </a:p>
@@ -3370,7 +3370,7 @@
             <a:fld id="{7B2E714A-7F8E-4A09-A461-9FB727898A94}" type="datetime1">
               <a:rPr lang="ko-KR" altLang="en-US" smtClean="0"/>
               <a:pPr/>
-              <a:t>2018-05-31</a:t>
+              <a:t>2018-06-01</a:t>
             </a:fld>
             <a:endParaRPr lang="ko-KR" altLang="en-US"/>
           </a:p>
@@ -3755,7 +3755,7 @@
             <a:fld id="{77A1CCDF-51F8-46D1-A7DA-1FCBC63330D8}" type="datetime1">
               <a:rPr lang="ko-KR" altLang="en-US" smtClean="0"/>
               <a:pPr/>
-              <a:t>2018-05-31</a:t>
+              <a:t>2018-06-01</a:t>
             </a:fld>
             <a:endParaRPr lang="ko-KR" altLang="en-US"/>
           </a:p>
@@ -4161,7 +4161,7 @@
             <a:fld id="{52CE0E24-887D-40EE-B70E-EBC28727AD0E}" type="datetime1">
               <a:rPr lang="ko-KR" altLang="en-US" smtClean="0"/>
               <a:pPr/>
-              <a:t>2018-05-31</a:t>
+              <a:t>2018-06-01</a:t>
             </a:fld>
             <a:endParaRPr lang="ko-KR" altLang="en-US"/>
           </a:p>
@@ -4661,12 +4661,28 @@
               <a:t> </a:t>
             </a:r>
             <a:r>
+              <a:rPr lang="en-US" altLang="ko-KR" sz="4000" dirty="0" smtClean="0">
+                <a:latin typeface="Arial Unicode MS" pitchFamily="50" charset="-127"/>
+                <a:ea typeface="Arial Unicode MS" pitchFamily="50" charset="-127"/>
+                <a:cs typeface="Arial Unicode MS" pitchFamily="50" charset="-127"/>
+              </a:rPr>
+              <a:t>A </a:t>
+            </a:r>
+            <a:r>
               <a:rPr lang="en-US" altLang="ko-KR" sz="4000" dirty="0" err="1" smtClean="0">
                 <a:latin typeface="Arial Unicode MS" pitchFamily="50" charset="-127"/>
                 <a:ea typeface="Arial Unicode MS" pitchFamily="50" charset="-127"/>
                 <a:cs typeface="Arial Unicode MS" pitchFamily="50" charset="-127"/>
               </a:rPr>
-              <a:t>dApp</a:t>
+              <a:t>dA</a:t>
+            </a:r>
+            <a:r>
+              <a:rPr lang="en-US" altLang="ko-KR" sz="4000" dirty="0" err="1" smtClean="0">
+                <a:latin typeface="Arial Unicode MS" pitchFamily="50" charset="-127"/>
+                <a:ea typeface="Arial Unicode MS" pitchFamily="50" charset="-127"/>
+                <a:cs typeface="Arial Unicode MS" pitchFamily="50" charset="-127"/>
+              </a:rPr>
+              <a:t>p</a:t>
             </a:r>
             <a:r>
               <a:rPr lang="en-US" altLang="ko-KR" sz="4000" dirty="0" smtClean="0">
@@ -4674,7 +4690,7 @@
                 <a:ea typeface="Arial Unicode MS" pitchFamily="50" charset="-127"/>
                 <a:cs typeface="Arial Unicode MS" pitchFamily="50" charset="-127"/>
               </a:rPr>
-              <a:t> : Handling the agenda in a shareholders</a:t>
+              <a:t> </a:t>
             </a:r>
             <a:r>
               <a:rPr lang="en-US" altLang="ko-KR" sz="4000" dirty="0" smtClean="0">
@@ -4682,7 +4698,23 @@
                 <a:ea typeface="Arial Unicode MS" pitchFamily="50" charset="-127"/>
                 <a:cs typeface="Arial Unicode MS" pitchFamily="50" charset="-127"/>
               </a:rPr>
-              <a:t>’ meeting </a:t>
+              <a:t>: </a:t>
+            </a:r>
+            <a:r>
+              <a:rPr lang="en-US" altLang="ko-KR" sz="4000" dirty="0" smtClean="0">
+                <a:latin typeface="Arial Unicode MS" pitchFamily="50" charset="-127"/>
+                <a:ea typeface="Arial Unicode MS" pitchFamily="50" charset="-127"/>
+                <a:cs typeface="Arial Unicode MS" pitchFamily="50" charset="-127"/>
+              </a:rPr>
+              <a:t>stock</a:t>
+            </a:r>
+            <a:r>
+              <a:rPr lang="en-US" altLang="ko-KR" sz="4000" dirty="0" smtClean="0">
+                <a:latin typeface="Arial Unicode MS" pitchFamily="50" charset="-127"/>
+                <a:ea typeface="Arial Unicode MS" pitchFamily="50" charset="-127"/>
+                <a:cs typeface="Arial Unicode MS" pitchFamily="50" charset="-127"/>
+              </a:rPr>
+              <a:t>holder management system </a:t>
             </a:r>
             <a:endParaRPr lang="ko-KR" altLang="en-US" sz="4000" dirty="0">
               <a:latin typeface="Arial Unicode MS" pitchFamily="50" charset="-127"/>
@@ -4875,11 +4907,6 @@
               </a:rPr>
               <a:t>Components</a:t>
             </a:r>
-            <a:endParaRPr lang="en-US" altLang="ko-KR" sz="2400" dirty="0" smtClean="0">
-              <a:latin typeface="HY견고딕" pitchFamily="18" charset="-127"/>
-              <a:ea typeface="HY견고딕" pitchFamily="18" charset="-127"/>
-              <a:cs typeface="Arial Unicode MS" pitchFamily="50" charset="-127"/>
-            </a:endParaRPr>
           </a:p>
           <a:p>
             <a:pPr marL="400050" indent="-400050">
@@ -5162,8 +5189,8 @@
         </p:nvSpPr>
         <p:spPr>
           <a:xfrm>
-            <a:off x="827584" y="1620083"/>
-            <a:ext cx="6840334" cy="3785652"/>
+            <a:off x="611560" y="1412776"/>
+            <a:ext cx="8430513" cy="4524315"/>
           </a:xfrm>
           <a:prstGeom prst="rect">
             <a:avLst/>
@@ -5181,49 +5208,24 @@
                 <a:latin typeface="HY견고딕" pitchFamily="18" charset="-127"/>
                 <a:ea typeface="HY견고딕" pitchFamily="18" charset="-127"/>
               </a:rPr>
-              <a:t>Using :</a:t>
-            </a:r>
-          </a:p>
-          <a:p>
-            <a:r>
-              <a:rPr lang="en-US" altLang="ko-KR" sz="2400" dirty="0" smtClean="0">
-                <a:latin typeface="HY견고딕" pitchFamily="18" charset="-127"/>
-                <a:ea typeface="HY견고딕" pitchFamily="18" charset="-127"/>
-              </a:rPr>
-              <a:t>  - solidity, JavaScript and web tech.</a:t>
-            </a:r>
-          </a:p>
-          <a:p>
-            <a:r>
-              <a:rPr lang="en-US" altLang="ko-KR" sz="2400" dirty="0" smtClean="0">
-                <a:latin typeface="HY견고딕" pitchFamily="18" charset="-127"/>
-                <a:ea typeface="HY견고딕" pitchFamily="18" charset="-127"/>
-              </a:rPr>
-              <a:t>  - smart contract</a:t>
-            </a:r>
-          </a:p>
-          <a:p>
-            <a:r>
-              <a:rPr lang="en-US" altLang="ko-KR" sz="2400" dirty="0" smtClean="0">
-                <a:latin typeface="HY견고딕" pitchFamily="18" charset="-127"/>
-                <a:ea typeface="HY견고딕" pitchFamily="18" charset="-127"/>
-              </a:rPr>
-              <a:t>  - </a:t>
+              <a:t>Target : </a:t>
             </a:r>
             <a:r>
               <a:rPr lang="en-US" altLang="ko-KR" sz="2400" dirty="0" err="1" smtClean="0">
                 <a:latin typeface="HY견고딕" pitchFamily="18" charset="-127"/>
                 <a:ea typeface="HY견고딕" pitchFamily="18" charset="-127"/>
               </a:rPr>
-              <a:t>e</a:t>
-            </a:r>
-            <a:r>
-              <a:rPr lang="en-US" altLang="ko-KR" sz="2400" dirty="0" err="1" smtClean="0">
-                <a:latin typeface="HY견고딕" pitchFamily="18" charset="-127"/>
-                <a:ea typeface="HY견고딕" pitchFamily="18" charset="-127"/>
-              </a:rPr>
-              <a:t>thereum</a:t>
-            </a:r>
+              <a:t>dApp</a:t>
+            </a:r>
+            <a:r>
+              <a:rPr lang="en-US" altLang="ko-KR" sz="2400" dirty="0" smtClean="0">
+                <a:latin typeface="HY견고딕" pitchFamily="18" charset="-127"/>
+                <a:ea typeface="HY견고딕" pitchFamily="18" charset="-127"/>
+              </a:rPr>
+              <a:t> for stock/stockholder management</a:t>
+            </a:r>
+          </a:p>
+          <a:p>
             <a:r>
               <a:rPr lang="en-US" altLang="ko-KR" sz="2400" dirty="0" smtClean="0">
                 <a:latin typeface="HY견고딕" pitchFamily="18" charset="-127"/>
@@ -5236,10 +5238,15 @@
                 <a:latin typeface="HY견고딕" pitchFamily="18" charset="-127"/>
                 <a:ea typeface="HY견고딕" pitchFamily="18" charset="-127"/>
               </a:rPr>
-              <a:t>networks</a:t>
-            </a:r>
-          </a:p>
-          <a:p>
+              <a:t>          that is </a:t>
+            </a:r>
+            <a:r>
+              <a:rPr lang="en-US" altLang="ko-KR" sz="2400" dirty="0" smtClean="0">
+                <a:latin typeface="HY견고딕" pitchFamily="18" charset="-127"/>
+                <a:ea typeface="HY견고딕" pitchFamily="18" charset="-127"/>
+              </a:rPr>
+              <a:t>immutable and decentralized</a:t>
+            </a:r>
             <a:endParaRPr lang="en-US" altLang="ko-KR" sz="2400" dirty="0" smtClean="0">
               <a:latin typeface="HY견고딕" pitchFamily="18" charset="-127"/>
               <a:ea typeface="HY견고딕" pitchFamily="18" charset="-127"/>
@@ -5251,6 +5258,67 @@
                 <a:latin typeface="HY견고딕" pitchFamily="18" charset="-127"/>
                 <a:ea typeface="HY견고딕" pitchFamily="18" charset="-127"/>
               </a:rPr>
+              <a:t>Using </a:t>
+            </a:r>
+            <a:r>
+              <a:rPr lang="en-US" altLang="ko-KR" sz="2400" dirty="0" smtClean="0">
+                <a:latin typeface="HY견고딕" pitchFamily="18" charset="-127"/>
+                <a:ea typeface="HY견고딕" pitchFamily="18" charset="-127"/>
+              </a:rPr>
+              <a:t>:</a:t>
+            </a:r>
+          </a:p>
+          <a:p>
+            <a:r>
+              <a:rPr lang="en-US" altLang="ko-KR" sz="2400" dirty="0" smtClean="0">
+                <a:latin typeface="HY견고딕" pitchFamily="18" charset="-127"/>
+                <a:ea typeface="HY견고딕" pitchFamily="18" charset="-127"/>
+              </a:rPr>
+              <a:t>  - solidity, JavaScript and web tech.</a:t>
+            </a:r>
+          </a:p>
+          <a:p>
+            <a:r>
+              <a:rPr lang="en-US" altLang="ko-KR" sz="2400" dirty="0" smtClean="0">
+                <a:latin typeface="HY견고딕" pitchFamily="18" charset="-127"/>
+                <a:ea typeface="HY견고딕" pitchFamily="18" charset="-127"/>
+              </a:rPr>
+              <a:t>  - smart </a:t>
+            </a:r>
+            <a:r>
+              <a:rPr lang="en-US" altLang="ko-KR" sz="2400" dirty="0" smtClean="0">
+                <a:latin typeface="HY견고딕" pitchFamily="18" charset="-127"/>
+                <a:ea typeface="HY견고딕" pitchFamily="18" charset="-127"/>
+              </a:rPr>
+              <a:t>contract on </a:t>
+            </a:r>
+            <a:r>
+              <a:rPr lang="en-US" altLang="ko-KR" sz="2400" dirty="0" err="1" smtClean="0">
+                <a:latin typeface="HY견고딕" pitchFamily="18" charset="-127"/>
+                <a:ea typeface="HY견고딕" pitchFamily="18" charset="-127"/>
+              </a:rPr>
+              <a:t>ethereum</a:t>
+            </a:r>
+            <a:r>
+              <a:rPr lang="en-US" altLang="ko-KR" sz="2400" dirty="0" smtClean="0">
+                <a:latin typeface="HY견고딕" pitchFamily="18" charset="-127"/>
+                <a:ea typeface="HY견고딕" pitchFamily="18" charset="-127"/>
+              </a:rPr>
+              <a:t> networks</a:t>
+            </a:r>
+          </a:p>
+          <a:p>
+            <a:endParaRPr lang="en-US" altLang="ko-KR" sz="2400" dirty="0" smtClean="0">
+              <a:latin typeface="HY견고딕" pitchFamily="18" charset="-127"/>
+              <a:ea typeface="HY견고딕" pitchFamily="18" charset="-127"/>
+            </a:endParaRPr>
+          </a:p>
+          <a:p>
+            <a:r>
+              <a:rPr lang="en-US" altLang="ko-KR" sz="2400" dirty="0" smtClean="0">
+                <a:latin typeface="HY견고딕" pitchFamily="18" charset="-127"/>
+                <a:ea typeface="HY견고딕" pitchFamily="18" charset="-127"/>
+              </a:rPr>
               <a:t>Functions :</a:t>
             </a:r>
           </a:p>
@@ -5269,26 +5337,116 @@
                 <a:latin typeface="HY견고딕" pitchFamily="18" charset="-127"/>
                 <a:ea typeface="HY견고딕" pitchFamily="18" charset="-127"/>
               </a:rPr>
-              <a:t>  - decides an agenda by voting in a</a:t>
-            </a:r>
-          </a:p>
-          <a:p>
-            <a:r>
-              <a:rPr lang="en-US" altLang="ko-KR" sz="2400" dirty="0" smtClean="0">
-                <a:latin typeface="HY견고딕" pitchFamily="18" charset="-127"/>
-                <a:ea typeface="HY견고딕" pitchFamily="18" charset="-127"/>
-              </a:rPr>
-              <a:t>	shareholders' meeting</a:t>
-            </a:r>
-          </a:p>
-          <a:p>
-            <a:r>
-              <a:rPr lang="en-US" altLang="ko-KR" sz="2400" dirty="0" smtClean="0">
-                <a:latin typeface="HY견고딕" pitchFamily="18" charset="-127"/>
-                <a:ea typeface="HY견고딕" pitchFamily="18" charset="-127"/>
-              </a:rPr>
-              <a:t>  - maintains the minutes on the agenda</a:t>
-            </a:r>
+              <a:t>  - </a:t>
+            </a:r>
+            <a:r>
+              <a:rPr lang="en-US" altLang="ko-KR" sz="2400" dirty="0" smtClean="0">
+                <a:latin typeface="HY견고딕" pitchFamily="18" charset="-127"/>
+                <a:ea typeface="HY견고딕" pitchFamily="18" charset="-127"/>
+              </a:rPr>
+              <a:t>make some decisions </a:t>
+            </a:r>
+            <a:r>
+              <a:rPr lang="en-US" altLang="ko-KR" sz="2400" dirty="0" smtClean="0">
+                <a:latin typeface="HY견고딕" pitchFamily="18" charset="-127"/>
+                <a:ea typeface="HY견고딕" pitchFamily="18" charset="-127"/>
+              </a:rPr>
+              <a:t>by </a:t>
+            </a:r>
+            <a:r>
+              <a:rPr lang="en-US" altLang="ko-KR" sz="2400" dirty="0" smtClean="0">
+                <a:latin typeface="HY견고딕" pitchFamily="18" charset="-127"/>
+                <a:ea typeface="HY견고딕" pitchFamily="18" charset="-127"/>
+              </a:rPr>
+              <a:t>stockholders' voting </a:t>
+            </a:r>
+          </a:p>
+          <a:p>
+            <a:r>
+              <a:rPr lang="en-US" altLang="ko-KR" sz="2400" dirty="0" smtClean="0">
+                <a:latin typeface="HY견고딕" pitchFamily="18" charset="-127"/>
+                <a:ea typeface="HY견고딕" pitchFamily="18" charset="-127"/>
+              </a:rPr>
+              <a:t> </a:t>
+            </a:r>
+            <a:r>
+              <a:rPr lang="en-US" altLang="ko-KR" sz="2400" dirty="0" smtClean="0">
+                <a:latin typeface="HY견고딕" pitchFamily="18" charset="-127"/>
+                <a:ea typeface="HY견고딕" pitchFamily="18" charset="-127"/>
+              </a:rPr>
+              <a:t>    using</a:t>
+            </a:r>
+            <a:r>
+              <a:rPr lang="en-US" altLang="ko-KR" sz="2400" dirty="0" smtClean="0">
+                <a:latin typeface="HY견고딕" pitchFamily="18" charset="-127"/>
+                <a:ea typeface="HY견고딕" pitchFamily="18" charset="-127"/>
+              </a:rPr>
+              <a:t> a smart contract on block chain</a:t>
+            </a:r>
+            <a:r>
+              <a:rPr lang="en-US" altLang="ko-KR" sz="2400" dirty="0" smtClean="0">
+                <a:latin typeface="HY견고딕" pitchFamily="18" charset="-127"/>
+                <a:ea typeface="HY견고딕" pitchFamily="18" charset="-127"/>
+              </a:rPr>
+              <a:t>	</a:t>
+            </a:r>
+          </a:p>
+          <a:p>
+            <a:r>
+              <a:rPr lang="en-US" altLang="ko-KR" sz="2400" dirty="0" smtClean="0">
+                <a:latin typeface="HY견고딕" pitchFamily="18" charset="-127"/>
+                <a:ea typeface="HY견고딕" pitchFamily="18" charset="-127"/>
+              </a:rPr>
+              <a:t>  - </a:t>
+            </a:r>
+            <a:r>
+              <a:rPr lang="en-US" altLang="ko-KR" sz="2400" dirty="0" smtClean="0">
+                <a:latin typeface="HY견고딕" pitchFamily="18" charset="-127"/>
+                <a:ea typeface="HY견고딕" pitchFamily="18" charset="-127"/>
+              </a:rPr>
+              <a:t>stores</a:t>
+            </a:r>
+            <a:r>
+              <a:rPr lang="en-US" altLang="ko-KR" sz="2400" dirty="0" smtClean="0">
+                <a:latin typeface="HY견고딕" pitchFamily="18" charset="-127"/>
+                <a:ea typeface="HY견고딕" pitchFamily="18" charset="-127"/>
+              </a:rPr>
+              <a:t> </a:t>
+            </a:r>
+            <a:r>
+              <a:rPr lang="en-US" altLang="ko-KR" sz="2400" dirty="0" smtClean="0">
+                <a:latin typeface="HY견고딕" pitchFamily="18" charset="-127"/>
+                <a:ea typeface="HY견고딕" pitchFamily="18" charset="-127"/>
+              </a:rPr>
+              <a:t>the minutes on the </a:t>
+            </a:r>
+            <a:r>
+              <a:rPr lang="en-US" altLang="ko-KR" sz="2400" dirty="0" smtClean="0">
+                <a:latin typeface="HY견고딕" pitchFamily="18" charset="-127"/>
+                <a:ea typeface="HY견고딕" pitchFamily="18" charset="-127"/>
+              </a:rPr>
+              <a:t>important</a:t>
+            </a:r>
+          </a:p>
+          <a:p>
+            <a:r>
+              <a:rPr lang="en-US" altLang="ko-KR" sz="2400" dirty="0" smtClean="0">
+                <a:latin typeface="HY견고딕" pitchFamily="18" charset="-127"/>
+                <a:ea typeface="HY견고딕" pitchFamily="18" charset="-127"/>
+              </a:rPr>
+              <a:t> </a:t>
+            </a:r>
+            <a:r>
+              <a:rPr lang="en-US" altLang="ko-KR" sz="2400" dirty="0" smtClean="0">
+                <a:latin typeface="HY견고딕" pitchFamily="18" charset="-127"/>
+                <a:ea typeface="HY견고딕" pitchFamily="18" charset="-127"/>
+              </a:rPr>
+              <a:t>    decisions in the decentralized data base</a:t>
+            </a:r>
+            <a:endParaRPr lang="en-US" altLang="ko-KR" sz="2400" dirty="0" smtClean="0">
+              <a:latin typeface="HY견고딕" pitchFamily="18" charset="-127"/>
+              <a:ea typeface="HY견고딕" pitchFamily="18" charset="-127"/>
+            </a:endParaRPr>
           </a:p>
         </p:txBody>
       </p:sp>
@@ -5378,11 +5536,6 @@
               </a:rPr>
               <a:t>Components</a:t>
             </a:r>
-            <a:endParaRPr lang="en-US" altLang="ko-KR" sz="3600" dirty="0" smtClean="0">
-              <a:latin typeface="HY견고딕" pitchFamily="18" charset="-127"/>
-              <a:ea typeface="HY견고딕" pitchFamily="18" charset="-127"/>
-              <a:cs typeface="Arial Unicode MS" pitchFamily="50" charset="-127"/>
-            </a:endParaRPr>
           </a:p>
         </p:txBody>
       </p:sp>
@@ -5413,89 +5566,43 @@
                 <a:latin typeface="HY견고딕" pitchFamily="18" charset="-127"/>
                 <a:ea typeface="HY견고딕" pitchFamily="18" charset="-127"/>
               </a:rPr>
-              <a:t>  </a:t>
-            </a:r>
-            <a:r>
-              <a:rPr lang="en-US" altLang="ko-KR" sz="2400" dirty="0" smtClean="0">
-                <a:latin typeface="HY견고딕" pitchFamily="18" charset="-127"/>
-                <a:ea typeface="HY견고딕" pitchFamily="18" charset="-127"/>
-              </a:rPr>
-              <a:t>Two contracts : </a:t>
-            </a:r>
-          </a:p>
-          <a:p>
-            <a:r>
-              <a:rPr lang="en-US" altLang="ko-KR" sz="2400" dirty="0" smtClean="0">
-                <a:latin typeface="HY견고딕" pitchFamily="18" charset="-127"/>
-                <a:ea typeface="HY견고딕" pitchFamily="18" charset="-127"/>
-              </a:rPr>
-              <a:t>     - </a:t>
-            </a:r>
-            <a:r>
-              <a:rPr lang="en-US" altLang="ko-KR" sz="2400" dirty="0" smtClean="0">
-                <a:latin typeface="HY견고딕" pitchFamily="18" charset="-127"/>
-                <a:ea typeface="HY견고딕" pitchFamily="18" charset="-127"/>
-              </a:rPr>
-              <a:t>CompanyShares.sol =&gt; manage stocks</a:t>
-            </a:r>
-            <a:endParaRPr lang="en-US" altLang="ko-KR" sz="2400" dirty="0" smtClean="0">
-              <a:latin typeface="HY견고딕" pitchFamily="18" charset="-127"/>
-              <a:ea typeface="HY견고딕" pitchFamily="18" charset="-127"/>
-            </a:endParaRPr>
-          </a:p>
-          <a:p>
-            <a:r>
-              <a:rPr lang="en-US" altLang="ko-KR" sz="2400" dirty="0" smtClean="0">
-                <a:latin typeface="HY견고딕" pitchFamily="18" charset="-127"/>
-                <a:ea typeface="HY견고딕" pitchFamily="18" charset="-127"/>
-              </a:rPr>
-              <a:t>     - VotingOnAgenda.sol </a:t>
-            </a:r>
-            <a:r>
-              <a:rPr lang="en-US" altLang="ko-KR" sz="2400" dirty="0" smtClean="0">
-                <a:latin typeface="HY견고딕" pitchFamily="18" charset="-127"/>
-                <a:ea typeface="HY견고딕" pitchFamily="18" charset="-127"/>
-              </a:rPr>
-              <a:t>=&gt; vote and </a:t>
-            </a:r>
-          </a:p>
-          <a:p>
-            <a:r>
-              <a:rPr lang="en-US" altLang="ko-KR" sz="2400" dirty="0" smtClean="0">
-                <a:latin typeface="HY견고딕" pitchFamily="18" charset="-127"/>
-                <a:ea typeface="HY견고딕" pitchFamily="18" charset="-127"/>
-              </a:rPr>
-              <a:t>	</a:t>
-            </a:r>
-            <a:r>
-              <a:rPr lang="en-US" altLang="ko-KR" sz="2400" dirty="0" smtClean="0">
-                <a:latin typeface="HY견고딕" pitchFamily="18" charset="-127"/>
-                <a:ea typeface="HY견고딕" pitchFamily="18" charset="-127"/>
-              </a:rPr>
-              <a:t>				</a:t>
-            </a:r>
-            <a:r>
-              <a:rPr lang="en-US" altLang="ko-KR" sz="2400" dirty="0" smtClean="0">
-                <a:latin typeface="HY견고딕" pitchFamily="18" charset="-127"/>
-                <a:ea typeface="HY견고딕" pitchFamily="18" charset="-127"/>
-              </a:rPr>
-              <a:t>document registry</a:t>
-            </a:r>
-          </a:p>
-          <a:p>
-            <a:r>
-              <a:rPr lang="en-US" altLang="ko-KR" sz="2400" dirty="0" smtClean="0">
-                <a:latin typeface="HY견고딕" pitchFamily="18" charset="-127"/>
-                <a:ea typeface="HY견고딕" pitchFamily="18" charset="-127"/>
-              </a:rPr>
-              <a:t>  </a:t>
-            </a:r>
-            <a:r>
-              <a:rPr lang="en-US" altLang="ko-KR" sz="2400" dirty="0" smtClean="0">
-                <a:latin typeface="HY견고딕" pitchFamily="18" charset="-127"/>
-                <a:ea typeface="HY견고딕" pitchFamily="18" charset="-127"/>
-              </a:rPr>
-              <a:t>Client-side UI :</a:t>
+              <a:t>  Two contracts : </a:t>
+            </a:r>
+          </a:p>
+          <a:p>
+            <a:r>
+              <a:rPr lang="en-US" altLang="ko-KR" sz="2400" dirty="0" smtClean="0">
+                <a:latin typeface="HY견고딕" pitchFamily="18" charset="-127"/>
+                <a:ea typeface="HY견고딕" pitchFamily="18" charset="-127"/>
+              </a:rPr>
+              <a:t>     - CompanyShares.sol =&gt; manage stocks</a:t>
+            </a:r>
+          </a:p>
+          <a:p>
+            <a:r>
+              <a:rPr lang="en-US" altLang="ko-KR" sz="2400" dirty="0" smtClean="0">
+                <a:latin typeface="HY견고딕" pitchFamily="18" charset="-127"/>
+                <a:ea typeface="HY견고딕" pitchFamily="18" charset="-127"/>
+              </a:rPr>
+              <a:t>     - VotingOnAgenda.sol =&gt; vote and </a:t>
+            </a:r>
+          </a:p>
+          <a:p>
+            <a:r>
+              <a:rPr lang="en-US" altLang="ko-KR" sz="2400" dirty="0" smtClean="0">
+                <a:latin typeface="HY견고딕" pitchFamily="18" charset="-127"/>
+                <a:ea typeface="HY견고딕" pitchFamily="18" charset="-127"/>
+              </a:rPr>
+              <a:t>					document registry</a:t>
+            </a:r>
+          </a:p>
+          <a:p>
+            <a:r>
+              <a:rPr lang="en-US" altLang="ko-KR" sz="2400" dirty="0" smtClean="0">
+                <a:latin typeface="HY견고딕" pitchFamily="18" charset="-127"/>
+                <a:ea typeface="HY견고딕" pitchFamily="18" charset="-127"/>
+              </a:rPr>
+              <a:t>  Client-side UI :</a:t>
             </a:r>
           </a:p>
           <a:p>
@@ -5817,7 +5924,7 @@
         <p:spPr>
           <a:xfrm>
             <a:off x="1331640" y="5877272"/>
-            <a:ext cx="1507144" cy="369332"/>
+            <a:ext cx="1481496" cy="369332"/>
           </a:xfrm>
           <a:prstGeom prst="rect">
             <a:avLst/>
@@ -5832,7 +5939,11 @@
           <a:p>
             <a:r>
               <a:rPr lang="en-US" altLang="ko-KR" dirty="0" smtClean="0"/>
-              <a:t>shareholders</a:t>
+              <a:t>stock</a:t>
+            </a:r>
+            <a:r>
+              <a:rPr lang="en-US" altLang="ko-KR" dirty="0" smtClean="0"/>
+              <a:t>holders</a:t>
             </a:r>
             <a:endParaRPr lang="ko-KR" altLang="en-US" dirty="0"/>
           </a:p>
@@ -6145,7 +6256,7 @@
         <p:spPr>
           <a:xfrm>
             <a:off x="686896" y="1524848"/>
-            <a:ext cx="7917552" cy="4893647"/>
+            <a:ext cx="7917552" cy="4524315"/>
           </a:xfrm>
           <a:prstGeom prst="rect">
             <a:avLst/>
@@ -6163,28 +6274,7 @@
                 <a:latin typeface="HY견고딕" pitchFamily="18" charset="-127"/>
                 <a:ea typeface="HY견고딕" pitchFamily="18" charset="-127"/>
               </a:rPr>
-              <a:t>1</a:t>
-            </a:r>
-            <a:r>
-              <a:rPr lang="en-US" altLang="ko-KR" sz="2400" dirty="0" smtClean="0">
-                <a:latin typeface="HY견고딕" pitchFamily="18" charset="-127"/>
-                <a:ea typeface="HY견고딕" pitchFamily="18" charset="-127"/>
-              </a:rPr>
-              <a:t>. </a:t>
-            </a:r>
-            <a:r>
-              <a:rPr lang="en-US" altLang="ko-KR" sz="2400" dirty="0" smtClean="0">
-                <a:latin typeface="HY견고딕" pitchFamily="18" charset="-127"/>
-                <a:ea typeface="HY견고딕" pitchFamily="18" charset="-127"/>
-              </a:rPr>
-              <a:t>Using </a:t>
-            </a:r>
-            <a:r>
-              <a:rPr lang="en-US" altLang="ko-KR" sz="2400" dirty="0" smtClean="0">
-                <a:latin typeface="HY견고딕" pitchFamily="18" charset="-127"/>
-                <a:ea typeface="HY견고딕" pitchFamily="18" charset="-127"/>
-              </a:rPr>
-              <a:t>Remix and </a:t>
+              <a:t>1. Using Remix and </a:t>
             </a:r>
             <a:r>
               <a:rPr lang="en-US" altLang="ko-KR" sz="2400" dirty="0" err="1" smtClean="0">
@@ -6204,14 +6294,116 @@
                 <a:latin typeface="HY견고딕" pitchFamily="18" charset="-127"/>
                 <a:ea typeface="HY견고딕" pitchFamily="18" charset="-127"/>
               </a:rPr>
-              <a:t>     - do a solidity </a:t>
-            </a:r>
-            <a:r>
-              <a:rPr lang="en-US" altLang="ko-KR" sz="2400" dirty="0" smtClean="0">
-                <a:latin typeface="HY견고딕" pitchFamily="18" charset="-127"/>
-                <a:ea typeface="HY견고딕" pitchFamily="18" charset="-127"/>
-              </a:rPr>
-              <a:t>contract coding </a:t>
+              <a:t>     - do a solidity contract coding </a:t>
+            </a:r>
+          </a:p>
+          <a:p>
+            <a:r>
+              <a:rPr lang="en-US" altLang="ko-KR" sz="2400" dirty="0" smtClean="0">
+                <a:latin typeface="HY견고딕" pitchFamily="18" charset="-127"/>
+                <a:ea typeface="HY견고딕" pitchFamily="18" charset="-127"/>
+              </a:rPr>
+              <a:t>     - compile, run and deploy with initial value</a:t>
+            </a:r>
+          </a:p>
+          <a:p>
+            <a:r>
+              <a:rPr lang="en-US" altLang="ko-KR" sz="2400" dirty="0" smtClean="0">
+                <a:latin typeface="HY견고딕" pitchFamily="18" charset="-127"/>
+                <a:ea typeface="HY견고딕" pitchFamily="18" charset="-127"/>
+              </a:rPr>
+              <a:t>      (initial value : no. of stocks and price)</a:t>
+            </a:r>
+          </a:p>
+          <a:p>
+            <a:r>
+              <a:rPr lang="en-US" altLang="ko-KR" sz="2400" dirty="0" smtClean="0">
+                <a:latin typeface="HY견고딕" pitchFamily="18" charset="-127"/>
+                <a:ea typeface="HY견고딕" pitchFamily="18" charset="-127"/>
+              </a:rPr>
+              <a:t>     - keep contract address &amp; ABI, owner key</a:t>
+            </a:r>
+          </a:p>
+          <a:p>
+            <a:r>
+              <a:rPr lang="en-US" altLang="ko-KR" sz="2400" dirty="0" smtClean="0">
+                <a:latin typeface="HY견고딕" pitchFamily="18" charset="-127"/>
+                <a:ea typeface="HY견고딕" pitchFamily="18" charset="-127"/>
+              </a:rPr>
+              <a:t>2. Hard code in UI JavaScript </a:t>
+            </a:r>
+          </a:p>
+          <a:p>
+            <a:r>
+              <a:rPr lang="en-US" altLang="ko-KR" sz="2400" dirty="0" smtClean="0">
+                <a:latin typeface="HY견고딕" pitchFamily="18" charset="-127"/>
+                <a:ea typeface="HY견고딕" pitchFamily="18" charset="-127"/>
+              </a:rPr>
+              <a:t>      =&gt; contract address, ABI, </a:t>
+            </a:r>
+          </a:p>
+          <a:p>
+            <a:r>
+              <a:rPr lang="en-US" altLang="ko-KR" sz="2400" dirty="0" smtClean="0">
+                <a:latin typeface="HY견고딕" pitchFamily="18" charset="-127"/>
+                <a:ea typeface="HY견고딕" pitchFamily="18" charset="-127"/>
+              </a:rPr>
+              <a:t>      =&gt; owner private key</a:t>
+            </a:r>
+          </a:p>
+          <a:p>
+            <a:r>
+              <a:rPr lang="en-US" altLang="ko-KR" sz="2400" dirty="0" smtClean="0">
+                <a:latin typeface="HY견고딕" pitchFamily="18" charset="-127"/>
+                <a:ea typeface="HY견고딕" pitchFamily="18" charset="-127"/>
+              </a:rPr>
+              <a:t>      =&gt; IPFS address</a:t>
+            </a:r>
+          </a:p>
+          <a:p>
+            <a:r>
+              <a:rPr lang="en-US" altLang="ko-KR" sz="2400" dirty="0" smtClean="0">
+                <a:latin typeface="HY견고딕" pitchFamily="18" charset="-127"/>
+                <a:ea typeface="HY견고딕" pitchFamily="18" charset="-127"/>
+              </a:rPr>
+              <a:t>3. Run web and IPFS server</a:t>
+            </a:r>
+          </a:p>
+          <a:p>
+            <a:r>
+              <a:rPr lang="en-US" altLang="ko-KR" sz="2400" dirty="0" smtClean="0">
+                <a:latin typeface="HY견고딕" pitchFamily="18" charset="-127"/>
+                <a:ea typeface="HY견고딕" pitchFamily="18" charset="-127"/>
+              </a:rPr>
+              <a:t>4. O</a:t>
+            </a:r>
+            <a:r>
+              <a:rPr lang="en-US" altLang="ko-KR" sz="2400" dirty="0" smtClean="0">
+                <a:latin typeface="HY견고딕" pitchFamily="18" charset="-127"/>
+                <a:ea typeface="HY견고딕" pitchFamily="18" charset="-127"/>
+              </a:rPr>
+              <a:t>pen</a:t>
+            </a:r>
+            <a:r>
+              <a:rPr lang="en-US" altLang="ko-KR" sz="2400" dirty="0" smtClean="0">
+                <a:latin typeface="HY견고딕" pitchFamily="18" charset="-127"/>
+                <a:ea typeface="HY견고딕" pitchFamily="18" charset="-127"/>
+              </a:rPr>
+              <a:t> </a:t>
+            </a:r>
+            <a:r>
+              <a:rPr lang="en-US" altLang="ko-KR" sz="2400" dirty="0" smtClean="0">
+                <a:latin typeface="HY견고딕" pitchFamily="18" charset="-127"/>
+                <a:ea typeface="HY견고딕" pitchFamily="18" charset="-127"/>
+              </a:rPr>
+              <a:t>browser </a:t>
+            </a:r>
+            <a:r>
+              <a:rPr lang="en-US" altLang="ko-KR" sz="2400" dirty="0" smtClean="0">
+                <a:latin typeface="HY견고딕" pitchFamily="18" charset="-127"/>
+                <a:ea typeface="HY견고딕" pitchFamily="18" charset="-127"/>
+              </a:rPr>
+              <a:t>@ localhost:8081</a:t>
             </a:r>
             <a:endParaRPr lang="en-US" altLang="ko-KR" sz="2400" dirty="0" smtClean="0">
               <a:latin typeface="HY견고딕" pitchFamily="18" charset="-127"/>
@@ -6224,172 +6416,14 @@
                 <a:latin typeface="HY견고딕" pitchFamily="18" charset="-127"/>
                 <a:ea typeface="HY견고딕" pitchFamily="18" charset="-127"/>
               </a:rPr>
-              <a:t>     - compile, run and deploy with </a:t>
-            </a:r>
-            <a:r>
-              <a:rPr lang="en-US" altLang="ko-KR" sz="2400" dirty="0" smtClean="0">
-                <a:latin typeface="HY견고딕" pitchFamily="18" charset="-127"/>
-                <a:ea typeface="HY견고딕" pitchFamily="18" charset="-127"/>
-              </a:rPr>
-              <a:t>initial value</a:t>
-            </a:r>
-          </a:p>
-          <a:p>
-            <a:r>
-              <a:rPr lang="en-US" altLang="ko-KR" sz="2400" dirty="0" smtClean="0">
-                <a:latin typeface="HY견고딕" pitchFamily="18" charset="-127"/>
-                <a:ea typeface="HY견고딕" pitchFamily="18" charset="-127"/>
-              </a:rPr>
-              <a:t>      (initial value : no. of stocks and price)</a:t>
-            </a:r>
-            <a:endParaRPr lang="en-US" altLang="ko-KR" sz="2400" dirty="0" smtClean="0">
-              <a:latin typeface="HY견고딕" pitchFamily="18" charset="-127"/>
-              <a:ea typeface="HY견고딕" pitchFamily="18" charset="-127"/>
-            </a:endParaRPr>
-          </a:p>
-          <a:p>
-            <a:r>
-              <a:rPr lang="en-US" altLang="ko-KR" sz="2400" dirty="0" smtClean="0">
-                <a:latin typeface="HY견고딕" pitchFamily="18" charset="-127"/>
-                <a:ea typeface="HY견고딕" pitchFamily="18" charset="-127"/>
-              </a:rPr>
-              <a:t> </a:t>
-            </a:r>
-            <a:r>
-              <a:rPr lang="en-US" altLang="ko-KR" sz="2400" dirty="0" smtClean="0">
-                <a:latin typeface="HY견고딕" pitchFamily="18" charset="-127"/>
-                <a:ea typeface="HY견고딕" pitchFamily="18" charset="-127"/>
-              </a:rPr>
-              <a:t>    - keep contract address &amp; ABI, owner key</a:t>
-            </a:r>
-            <a:endParaRPr lang="en-US" altLang="ko-KR" sz="2400" dirty="0" smtClean="0">
-              <a:latin typeface="HY견고딕" pitchFamily="18" charset="-127"/>
-              <a:ea typeface="HY견고딕" pitchFamily="18" charset="-127"/>
-            </a:endParaRPr>
-          </a:p>
-          <a:p>
-            <a:r>
-              <a:rPr lang="en-US" altLang="ko-KR" sz="2400" dirty="0" smtClean="0">
-                <a:latin typeface="HY견고딕" pitchFamily="18" charset="-127"/>
-                <a:ea typeface="HY견고딕" pitchFamily="18" charset="-127"/>
-              </a:rPr>
-              <a:t>2</a:t>
-            </a:r>
-            <a:r>
-              <a:rPr lang="en-US" altLang="ko-KR" sz="2400" dirty="0" smtClean="0">
-                <a:latin typeface="HY견고딕" pitchFamily="18" charset="-127"/>
-                <a:ea typeface="HY견고딕" pitchFamily="18" charset="-127"/>
-              </a:rPr>
-              <a:t>. Hard code in UI JavaScript </a:t>
-            </a:r>
-          </a:p>
-          <a:p>
-            <a:r>
-              <a:rPr lang="en-US" altLang="ko-KR" sz="2400" dirty="0" smtClean="0">
-                <a:latin typeface="HY견고딕" pitchFamily="18" charset="-127"/>
-                <a:ea typeface="HY견고딕" pitchFamily="18" charset="-127"/>
-              </a:rPr>
-              <a:t> </a:t>
-            </a:r>
-            <a:r>
-              <a:rPr lang="en-US" altLang="ko-KR" sz="2400" dirty="0" smtClean="0">
-                <a:latin typeface="HY견고딕" pitchFamily="18" charset="-127"/>
-                <a:ea typeface="HY견고딕" pitchFamily="18" charset="-127"/>
-              </a:rPr>
-              <a:t>     =&gt; </a:t>
-            </a:r>
-            <a:r>
-              <a:rPr lang="en-US" altLang="ko-KR" sz="2400" dirty="0" smtClean="0">
-                <a:latin typeface="HY견고딕" pitchFamily="18" charset="-127"/>
-                <a:ea typeface="HY견고딕" pitchFamily="18" charset="-127"/>
-              </a:rPr>
-              <a:t>contract address, ABI, </a:t>
-            </a:r>
-          </a:p>
-          <a:p>
-            <a:r>
-              <a:rPr lang="en-US" altLang="ko-KR" sz="2400" dirty="0" smtClean="0">
-                <a:latin typeface="HY견고딕" pitchFamily="18" charset="-127"/>
-                <a:ea typeface="HY견고딕" pitchFamily="18" charset="-127"/>
-              </a:rPr>
-              <a:t> </a:t>
-            </a:r>
-            <a:r>
-              <a:rPr lang="en-US" altLang="ko-KR" sz="2400" dirty="0" smtClean="0">
-                <a:latin typeface="HY견고딕" pitchFamily="18" charset="-127"/>
-                <a:ea typeface="HY견고딕" pitchFamily="18" charset="-127"/>
-              </a:rPr>
-              <a:t>     =&gt; </a:t>
-            </a:r>
-            <a:r>
-              <a:rPr lang="en-US" altLang="ko-KR" sz="2400" dirty="0" smtClean="0">
-                <a:latin typeface="HY견고딕" pitchFamily="18" charset="-127"/>
-                <a:ea typeface="HY견고딕" pitchFamily="18" charset="-127"/>
-              </a:rPr>
-              <a:t>owner private key</a:t>
-            </a:r>
-          </a:p>
-          <a:p>
-            <a:r>
-              <a:rPr lang="en-US" altLang="ko-KR" sz="2400" dirty="0" smtClean="0">
-                <a:latin typeface="HY견고딕" pitchFamily="18" charset="-127"/>
-                <a:ea typeface="HY견고딕" pitchFamily="18" charset="-127"/>
-              </a:rPr>
-              <a:t> </a:t>
-            </a:r>
-            <a:r>
-              <a:rPr lang="en-US" altLang="ko-KR" sz="2400" dirty="0" smtClean="0">
-                <a:latin typeface="HY견고딕" pitchFamily="18" charset="-127"/>
-                <a:ea typeface="HY견고딕" pitchFamily="18" charset="-127"/>
-              </a:rPr>
-              <a:t>     =&gt; IPFS address</a:t>
-            </a:r>
-            <a:endParaRPr lang="en-US" altLang="ko-KR" sz="2400" dirty="0" smtClean="0">
-              <a:latin typeface="HY견고딕" pitchFamily="18" charset="-127"/>
-              <a:ea typeface="HY견고딕" pitchFamily="18" charset="-127"/>
-            </a:endParaRPr>
-          </a:p>
-          <a:p>
-            <a:r>
-              <a:rPr lang="en-US" altLang="ko-KR" sz="2400" dirty="0" smtClean="0">
-                <a:latin typeface="HY견고딕" pitchFamily="18" charset="-127"/>
-                <a:ea typeface="HY견고딕" pitchFamily="18" charset="-127"/>
-              </a:rPr>
-              <a:t>3. Run web and IPFS server</a:t>
-            </a:r>
-          </a:p>
-          <a:p>
-            <a:r>
-              <a:rPr lang="en-US" altLang="ko-KR" sz="2400" dirty="0" smtClean="0">
-                <a:latin typeface="HY견고딕" pitchFamily="18" charset="-127"/>
-                <a:ea typeface="HY견고딕" pitchFamily="18" charset="-127"/>
-              </a:rPr>
-              <a:t>4. In browser localhost:8081 open</a:t>
-            </a:r>
-          </a:p>
-          <a:p>
-            <a:r>
-              <a:rPr lang="en-US" altLang="ko-KR" sz="2400" dirty="0" smtClean="0">
-                <a:latin typeface="HY견고딕" pitchFamily="18" charset="-127"/>
-                <a:ea typeface="HY견고딕" pitchFamily="18" charset="-127"/>
-              </a:rPr>
-              <a:t>5. Locate at index.html for UI</a:t>
-            </a:r>
-          </a:p>
-          <a:p>
-            <a:r>
-              <a:rPr lang="en-US" altLang="ko-KR" sz="2400" dirty="0" smtClean="0">
-                <a:latin typeface="HY견고딕" pitchFamily="18" charset="-127"/>
-                <a:ea typeface="HY견고딕" pitchFamily="18" charset="-127"/>
-              </a:rPr>
-              <a:t> </a:t>
-            </a:r>
-            <a:r>
-              <a:rPr lang="en-US" altLang="ko-KR" sz="2400" dirty="0" smtClean="0">
-                <a:latin typeface="HY견고딕" pitchFamily="18" charset="-127"/>
-                <a:ea typeface="HY견고딕" pitchFamily="18" charset="-127"/>
-              </a:rPr>
-              <a:t>       </a:t>
+              <a:t>5. Locate at index.html for </a:t>
+            </a:r>
+            <a:r>
+              <a:rPr lang="en-US" altLang="ko-KR" sz="2400" dirty="0" smtClean="0">
+                <a:latin typeface="HY견고딕" pitchFamily="18" charset="-127"/>
+                <a:ea typeface="HY견고딕" pitchFamily="18" charset="-127"/>
+              </a:rPr>
+              <a:t>UI        </a:t>
             </a:r>
             <a:endParaRPr lang="en-US" altLang="ko-KR" sz="2400" dirty="0" smtClean="0">
               <a:latin typeface="HY견고딕" pitchFamily="18" charset="-127"/>
@@ -6551,8 +6585,8 @@
         </p:nvSpPr>
         <p:spPr>
           <a:xfrm>
-            <a:off x="1907704" y="404664"/>
-            <a:ext cx="5493812" cy="646331"/>
+            <a:off x="2690495" y="140439"/>
+            <a:ext cx="4185761" cy="1200329"/>
           </a:xfrm>
           <a:prstGeom prst="rect">
             <a:avLst/>
@@ -6571,15 +6605,25 @@
                 <a:ea typeface="HY견고딕" pitchFamily="18" charset="-127"/>
                 <a:cs typeface="Arial Unicode MS" pitchFamily="50" charset="-127"/>
               </a:rPr>
-              <a:t>Web server and </a:t>
-            </a:r>
+              <a:t>Environments</a:t>
+            </a:r>
+          </a:p>
+          <a:p>
             <a:r>
               <a:rPr lang="en-US" altLang="ko-KR" sz="3600" dirty="0" smtClean="0">
                 <a:latin typeface="HY견고딕" pitchFamily="18" charset="-127"/>
                 <a:ea typeface="HY견고딕" pitchFamily="18" charset="-127"/>
                 <a:cs typeface="Arial Unicode MS" pitchFamily="50" charset="-127"/>
               </a:rPr>
-              <a:t>IPFS </a:t>
+              <a:t>(</a:t>
+            </a:r>
+            <a:r>
+              <a:rPr lang="en-US" altLang="ko-KR" sz="3600" dirty="0" smtClean="0">
+                <a:latin typeface="HY견고딕" pitchFamily="18" charset="-127"/>
+                <a:ea typeface="HY견고딕" pitchFamily="18" charset="-127"/>
+                <a:cs typeface="Arial Unicode MS" pitchFamily="50" charset="-127"/>
+              </a:rPr>
+              <a:t>Web and IPFS) </a:t>
             </a:r>
             <a:endParaRPr lang="en-US" altLang="ko-KR" sz="3600" dirty="0" smtClean="0">
               <a:latin typeface="HY견고딕" pitchFamily="18" charset="-127"/>
@@ -6597,7 +6641,7 @@
         </p:nvSpPr>
         <p:spPr>
           <a:xfrm>
-            <a:off x="4283968" y="1340768"/>
+            <a:off x="4283968" y="1484784"/>
             <a:ext cx="1800200" cy="1008112"/>
           </a:xfrm>
           <a:prstGeom prst="ellipse">
@@ -6648,8 +6692,8 @@
         </p:nvSpPr>
         <p:spPr>
           <a:xfrm>
-            <a:off x="6156176" y="1484784"/>
-            <a:ext cx="1701107" cy="646331"/>
+            <a:off x="6156176" y="1628800"/>
+            <a:ext cx="1628972" cy="646331"/>
           </a:xfrm>
           <a:prstGeom prst="rect">
             <a:avLst/>
@@ -6664,13 +6708,17 @@
           <a:p>
             <a:r>
               <a:rPr lang="en-US" altLang="ko-KR" dirty="0" smtClean="0"/>
-              <a:t>in working dir:</a:t>
+              <a:t>   index.html</a:t>
             </a:r>
           </a:p>
           <a:p>
             <a:r>
               <a:rPr lang="en-US" altLang="ko-KR" dirty="0" smtClean="0"/>
-              <a:t>   index.html</a:t>
+              <a:t>i</a:t>
+            </a:r>
+            <a:r>
+              <a:rPr lang="en-US" altLang="ko-KR" dirty="0" smtClean="0"/>
+              <a:t>n working dir</a:t>
             </a:r>
             <a:endParaRPr lang="ko-KR" altLang="en-US" dirty="0"/>
           </a:p>
@@ -6684,7 +6732,7 @@
         </p:nvSpPr>
         <p:spPr>
           <a:xfrm>
-            <a:off x="1475656" y="2924944"/>
+            <a:off x="1475656" y="3068960"/>
             <a:ext cx="2304256" cy="1152128"/>
           </a:xfrm>
           <a:prstGeom prst="ellipse">
@@ -6735,7 +6783,7 @@
         </p:nvSpPr>
         <p:spPr>
           <a:xfrm>
-            <a:off x="5796136" y="2924944"/>
+            <a:off x="5796136" y="3068960"/>
             <a:ext cx="1800200" cy="1008112"/>
           </a:xfrm>
           <a:prstGeom prst="ellipse">
@@ -6786,7 +6834,7 @@
         </p:nvSpPr>
         <p:spPr>
           <a:xfrm rot="19737838">
-            <a:off x="3563888" y="2420888"/>
+            <a:off x="3563888" y="2564904"/>
             <a:ext cx="864096" cy="288032"/>
           </a:xfrm>
           <a:prstGeom prst="rightArrow">
@@ -6826,7 +6874,7 @@
         </p:nvSpPr>
         <p:spPr>
           <a:xfrm rot="19876657">
-            <a:off x="5807422" y="2301782"/>
+            <a:off x="5807422" y="2445798"/>
             <a:ext cx="288032" cy="720080"/>
           </a:xfrm>
           <a:prstGeom prst="downArrow">
@@ -6866,7 +6914,7 @@
         </p:nvSpPr>
         <p:spPr>
           <a:xfrm>
-            <a:off x="2411760" y="2060848"/>
+            <a:off x="2411760" y="2204864"/>
             <a:ext cx="1622560" cy="369332"/>
           </a:xfrm>
           <a:prstGeom prst="rect">
@@ -6896,7 +6944,7 @@
         </p:nvSpPr>
         <p:spPr>
           <a:xfrm>
-            <a:off x="6012160" y="2420888"/>
+            <a:off x="6012160" y="2492896"/>
             <a:ext cx="1622560" cy="369332"/>
           </a:xfrm>
           <a:prstGeom prst="rect">
@@ -6926,7 +6974,7 @@
         </p:nvSpPr>
         <p:spPr>
           <a:xfrm rot="8861397">
-            <a:off x="5318207" y="2370110"/>
+            <a:off x="5318207" y="2514126"/>
             <a:ext cx="288032" cy="720080"/>
           </a:xfrm>
           <a:prstGeom prst="downArrow">
@@ -6966,7 +7014,7 @@
         </p:nvSpPr>
         <p:spPr>
           <a:xfrm rot="3561849">
-            <a:off x="4068697" y="2484592"/>
+            <a:off x="4068697" y="2628608"/>
             <a:ext cx="288032" cy="720080"/>
           </a:xfrm>
           <a:prstGeom prst="downArrow">
@@ -7006,7 +7054,7 @@
         </p:nvSpPr>
         <p:spPr>
           <a:xfrm>
-            <a:off x="4139952" y="2924944"/>
+            <a:off x="4139952" y="3068960"/>
             <a:ext cx="1800200" cy="369332"/>
           </a:xfrm>
           <a:prstGeom prst="rect">
@@ -7499,8 +7547,8 @@
         </p:nvSpPr>
         <p:spPr>
           <a:xfrm>
-            <a:off x="611560" y="1524848"/>
-            <a:ext cx="8225329" cy="4154984"/>
+            <a:off x="539552" y="1524848"/>
+            <a:ext cx="8725466" cy="4154984"/>
           </a:xfrm>
           <a:prstGeom prst="rect">
             <a:avLst/>
@@ -7521,6 +7569,77 @@
               </a:rPr>
               <a:t>1. Create or prepare 5-10 private keys</a:t>
             </a:r>
+          </a:p>
+          <a:p>
+            <a:r>
+              <a:rPr lang="en-US" altLang="ko-KR" sz="2400" dirty="0" smtClean="0">
+                <a:latin typeface="HY견고딕" pitchFamily="18" charset="-127"/>
+                <a:ea typeface="HY견고딕" pitchFamily="18" charset="-127"/>
+              </a:rPr>
+              <a:t>2. In UI menu, owner distribute stocks to others</a:t>
+            </a:r>
+          </a:p>
+          <a:p>
+            <a:r>
+              <a:rPr lang="en-US" altLang="ko-KR" sz="2400" dirty="0" smtClean="0">
+                <a:latin typeface="HY견고딕" pitchFamily="18" charset="-127"/>
+                <a:ea typeface="HY견고딕" pitchFamily="18" charset="-127"/>
+              </a:rPr>
+              <a:t>3. Owner create an agenda with time limitation </a:t>
+            </a:r>
+          </a:p>
+          <a:p>
+            <a:r>
+              <a:rPr lang="en-US" altLang="ko-KR" sz="2400" dirty="0" smtClean="0">
+                <a:latin typeface="HY견고딕" pitchFamily="18" charset="-127"/>
+                <a:ea typeface="HY견고딕" pitchFamily="18" charset="-127"/>
+              </a:rPr>
+              <a:t>4. </a:t>
+            </a:r>
+            <a:r>
+              <a:rPr lang="en-US" altLang="ko-KR" sz="2400" dirty="0" smtClean="0">
+                <a:latin typeface="HY견고딕" pitchFamily="18" charset="-127"/>
+                <a:ea typeface="HY견고딕" pitchFamily="18" charset="-127"/>
+              </a:rPr>
+              <a:t>C</a:t>
+            </a:r>
+            <a:r>
+              <a:rPr lang="en-US" altLang="ko-KR" sz="2400" dirty="0" smtClean="0">
+                <a:latin typeface="HY견고딕" pitchFamily="18" charset="-127"/>
+                <a:ea typeface="HY견고딕" pitchFamily="18" charset="-127"/>
+              </a:rPr>
+              <a:t>hange </a:t>
+            </a:r>
+            <a:r>
+              <a:rPr lang="en-US" altLang="ko-KR" sz="2400" dirty="0" smtClean="0">
+                <a:latin typeface="HY견고딕" pitchFamily="18" charset="-127"/>
+                <a:ea typeface="HY견고딕" pitchFamily="18" charset="-127"/>
+              </a:rPr>
+              <a:t>message </a:t>
+            </a:r>
+            <a:r>
+              <a:rPr lang="en-US" altLang="ko-KR" sz="2400" dirty="0" smtClean="0">
+                <a:latin typeface="HY견고딕" pitchFamily="18" charset="-127"/>
+                <a:ea typeface="HY견고딕" pitchFamily="18" charset="-127"/>
+              </a:rPr>
+              <a:t>sender, by changing the </a:t>
+            </a:r>
+          </a:p>
+          <a:p>
+            <a:r>
+              <a:rPr lang="en-US" altLang="ko-KR" sz="2400" dirty="0" smtClean="0">
+                <a:latin typeface="HY견고딕" pitchFamily="18" charset="-127"/>
+                <a:ea typeface="HY견고딕" pitchFamily="18" charset="-127"/>
+              </a:rPr>
+              <a:t> </a:t>
+            </a:r>
+            <a:r>
+              <a:rPr lang="en-US" altLang="ko-KR" sz="2400" dirty="0" smtClean="0">
+                <a:latin typeface="HY견고딕" pitchFamily="18" charset="-127"/>
+                <a:ea typeface="HY견고딕" pitchFamily="18" charset="-127"/>
+              </a:rPr>
+              <a:t>   private key in UI </a:t>
+            </a:r>
             <a:endParaRPr lang="en-US" altLang="ko-KR" sz="2400" dirty="0" smtClean="0">
               <a:latin typeface="HY견고딕" pitchFamily="18" charset="-127"/>
               <a:ea typeface="HY견고딕" pitchFamily="18" charset="-127"/>
@@ -7532,73 +7651,37 @@
                 <a:latin typeface="HY견고딕" pitchFamily="18" charset="-127"/>
                 <a:ea typeface="HY견고딕" pitchFamily="18" charset="-127"/>
               </a:rPr>
-              <a:t>2. In UI menu, owner distribute stocks to others</a:t>
-            </a:r>
-          </a:p>
-          <a:p>
-            <a:r>
-              <a:rPr lang="en-US" altLang="ko-KR" sz="2400" dirty="0" smtClean="0">
-                <a:latin typeface="HY견고딕" pitchFamily="18" charset="-127"/>
-                <a:ea typeface="HY견고딕" pitchFamily="18" charset="-127"/>
-              </a:rPr>
-              <a:t>3. Owner create an agenda with time limitation </a:t>
-            </a:r>
-          </a:p>
-          <a:p>
-            <a:r>
-              <a:rPr lang="en-US" altLang="ko-KR" sz="2400" dirty="0" smtClean="0">
-                <a:latin typeface="HY견고딕" pitchFamily="18" charset="-127"/>
-                <a:ea typeface="HY견고딕" pitchFamily="18" charset="-127"/>
-              </a:rPr>
-              <a:t>4. Changing private key in UI, we </a:t>
-            </a:r>
-            <a:r>
-              <a:rPr lang="en-US" altLang="ko-KR" sz="2400" dirty="0" smtClean="0">
-                <a:latin typeface="HY견고딕" pitchFamily="18" charset="-127"/>
-                <a:ea typeface="HY견고딕" pitchFamily="18" charset="-127"/>
-              </a:rPr>
-              <a:t>can change</a:t>
-            </a:r>
-          </a:p>
-          <a:p>
-            <a:r>
-              <a:rPr lang="en-US" altLang="ko-KR" sz="2400" dirty="0" smtClean="0">
-                <a:latin typeface="HY견고딕" pitchFamily="18" charset="-127"/>
-                <a:ea typeface="HY견고딕" pitchFamily="18" charset="-127"/>
-              </a:rPr>
-              <a:t> </a:t>
-            </a:r>
-            <a:r>
-              <a:rPr lang="en-US" altLang="ko-KR" sz="2400" dirty="0" smtClean="0">
-                <a:latin typeface="HY견고딕" pitchFamily="18" charset="-127"/>
-                <a:ea typeface="HY견고딕" pitchFamily="18" charset="-127"/>
-              </a:rPr>
-              <a:t>   message sender</a:t>
-            </a:r>
-          </a:p>
-          <a:p>
-            <a:r>
-              <a:rPr lang="en-US" altLang="ko-KR" sz="2400" dirty="0" smtClean="0">
-                <a:latin typeface="HY견고딕" pitchFamily="18" charset="-127"/>
-                <a:ea typeface="HY견고딕" pitchFamily="18" charset="-127"/>
-              </a:rPr>
-              <a:t>5. Shareholders can commit their right to others</a:t>
-            </a:r>
-          </a:p>
-          <a:p>
-            <a:r>
-              <a:rPr lang="en-US" altLang="ko-KR" sz="2400" dirty="0" smtClean="0">
-                <a:latin typeface="HY견고딕" pitchFamily="18" charset="-127"/>
-                <a:ea typeface="HY견고딕" pitchFamily="18" charset="-127"/>
-              </a:rPr>
-              <a:t> </a:t>
-            </a:r>
-            <a:r>
-              <a:rPr lang="en-US" altLang="ko-KR" sz="2400" dirty="0" smtClean="0">
-                <a:latin typeface="HY견고딕" pitchFamily="18" charset="-127"/>
-                <a:ea typeface="HY견고딕" pitchFamily="18" charset="-127"/>
-              </a:rPr>
-              <a:t>   within the period</a:t>
+              <a:t>5. Shareholders can commit their </a:t>
+            </a:r>
+            <a:r>
+              <a:rPr lang="en-US" altLang="ko-KR" sz="2400" dirty="0" smtClean="0">
+                <a:latin typeface="HY견고딕" pitchFamily="18" charset="-127"/>
+                <a:ea typeface="HY견고딕" pitchFamily="18" charset="-127"/>
+              </a:rPr>
+              <a:t>rights </a:t>
+            </a:r>
+            <a:r>
+              <a:rPr lang="en-US" altLang="ko-KR" sz="2400" dirty="0" smtClean="0">
+                <a:latin typeface="HY견고딕" pitchFamily="18" charset="-127"/>
+                <a:ea typeface="HY견고딕" pitchFamily="18" charset="-127"/>
+              </a:rPr>
+              <a:t>to others</a:t>
+            </a:r>
+          </a:p>
+          <a:p>
+            <a:r>
+              <a:rPr lang="en-US" altLang="ko-KR" sz="2400" dirty="0" smtClean="0">
+                <a:latin typeface="HY견고딕" pitchFamily="18" charset="-127"/>
+                <a:ea typeface="HY견고딕" pitchFamily="18" charset="-127"/>
+              </a:rPr>
+              <a:t>    within the </a:t>
+            </a:r>
+            <a:r>
+              <a:rPr lang="en-US" altLang="ko-KR" sz="2400" dirty="0" smtClean="0">
+                <a:latin typeface="HY견고딕" pitchFamily="18" charset="-127"/>
+                <a:ea typeface="HY견고딕" pitchFamily="18" charset="-127"/>
+              </a:rPr>
+              <a:t>valid time frame</a:t>
             </a:r>
             <a:endParaRPr lang="en-US" altLang="ko-KR" sz="2400" dirty="0" smtClean="0">
               <a:latin typeface="HY견고딕" pitchFamily="18" charset="-127"/>
@@ -7611,17 +7694,22 @@
                 <a:latin typeface="HY견고딕" pitchFamily="18" charset="-127"/>
                 <a:ea typeface="HY견고딕" pitchFamily="18" charset="-127"/>
               </a:rPr>
-              <a:t>6</a:t>
-            </a:r>
-            <a:r>
-              <a:rPr lang="en-US" altLang="ko-KR" sz="2400" dirty="0" smtClean="0">
-                <a:latin typeface="HY견고딕" pitchFamily="18" charset="-127"/>
-                <a:ea typeface="HY견고딕" pitchFamily="18" charset="-127"/>
-              </a:rPr>
-              <a:t>. Within deadline, after reading agenda, </a:t>
-            </a:r>
-          </a:p>
-          <a:p>
+              <a:t>6. </a:t>
+            </a:r>
+            <a:r>
+              <a:rPr lang="en-US" altLang="ko-KR" sz="2400" dirty="0" smtClean="0">
+                <a:latin typeface="HY견고딕" pitchFamily="18" charset="-127"/>
+                <a:ea typeface="HY견고딕" pitchFamily="18" charset="-127"/>
+              </a:rPr>
+              <a:t>R</a:t>
+            </a:r>
+            <a:r>
+              <a:rPr lang="en-US" altLang="ko-KR" sz="2400" dirty="0" smtClean="0">
+                <a:latin typeface="HY견고딕" pitchFamily="18" charset="-127"/>
+                <a:ea typeface="HY견고딕" pitchFamily="18" charset="-127"/>
+              </a:rPr>
+              <a:t>eading the agenda</a:t>
+            </a:r>
             <a:r>
               <a:rPr lang="en-US" altLang="ko-KR" sz="2400" dirty="0" smtClean="0">
                 <a:latin typeface="HY견고딕" pitchFamily="18" charset="-127"/>
@@ -7634,30 +7722,44 @@
                 <a:latin typeface="HY견고딕" pitchFamily="18" charset="-127"/>
                 <a:ea typeface="HY견고딕" pitchFamily="18" charset="-127"/>
               </a:rPr>
-              <a:t>   shareholder</a:t>
-            </a:r>
-            <a:r>
-              <a:rPr lang="en-US" altLang="ko-KR" sz="2400" dirty="0" smtClean="0">
-                <a:latin typeface="HY견고딕" pitchFamily="18" charset="-127"/>
-                <a:ea typeface="HY견고딕" pitchFamily="18" charset="-127"/>
-              </a:rPr>
-              <a:t> can represent their opinion </a:t>
-            </a:r>
-          </a:p>
-          <a:p>
-            <a:r>
-              <a:rPr lang="en-US" altLang="ko-KR" sz="2400" dirty="0" smtClean="0">
-                <a:latin typeface="HY견고딕" pitchFamily="18" charset="-127"/>
-                <a:ea typeface="HY견고딕" pitchFamily="18" charset="-127"/>
-              </a:rPr>
-              <a:t>7</a:t>
-            </a:r>
-            <a:r>
-              <a:rPr lang="en-US" altLang="ko-KR" sz="2400" dirty="0" smtClean="0">
-                <a:latin typeface="HY견고딕" pitchFamily="18" charset="-127"/>
-                <a:ea typeface="HY견고딕" pitchFamily="18" charset="-127"/>
-              </a:rPr>
-              <a:t>. All shareholders can watch the voting result</a:t>
+              <a:t>suggested, shareholders </a:t>
+            </a:r>
+          </a:p>
+          <a:p>
+            <a:r>
+              <a:rPr lang="en-US" altLang="ko-KR" sz="2400" dirty="0" smtClean="0">
+                <a:latin typeface="HY견고딕" pitchFamily="18" charset="-127"/>
+                <a:ea typeface="HY견고딕" pitchFamily="18" charset="-127"/>
+              </a:rPr>
+              <a:t> </a:t>
+            </a:r>
+            <a:r>
+              <a:rPr lang="en-US" altLang="ko-KR" sz="2400" dirty="0" smtClean="0">
+                <a:latin typeface="HY견고딕" pitchFamily="18" charset="-127"/>
+                <a:ea typeface="HY견고딕" pitchFamily="18" charset="-127"/>
+              </a:rPr>
+              <a:t>   </a:t>
+            </a:r>
+            <a:r>
+              <a:rPr lang="en-US" altLang="ko-KR" sz="2400" dirty="0" smtClean="0">
+                <a:latin typeface="HY견고딕" pitchFamily="18" charset="-127"/>
+                <a:ea typeface="HY견고딕" pitchFamily="18" charset="-127"/>
+              </a:rPr>
+              <a:t>can represent</a:t>
+            </a:r>
+            <a:r>
+              <a:rPr lang="en-US" altLang="ko-KR" sz="2400" dirty="0" smtClean="0">
+                <a:latin typeface="HY견고딕" pitchFamily="18" charset="-127"/>
+                <a:ea typeface="HY견고딕" pitchFamily="18" charset="-127"/>
+              </a:rPr>
+              <a:t> </a:t>
+            </a:r>
+            <a:r>
+              <a:rPr lang="en-US" altLang="ko-KR" sz="2400" dirty="0" smtClean="0">
+                <a:latin typeface="HY견고딕" pitchFamily="18" charset="-127"/>
+                <a:ea typeface="HY견고딕" pitchFamily="18" charset="-127"/>
+              </a:rPr>
+              <a:t>their opinion only before deadline </a:t>
             </a:r>
             <a:endParaRPr lang="en-US" altLang="ko-KR" sz="2400" dirty="0" smtClean="0">
               <a:latin typeface="HY견고딕" pitchFamily="18" charset="-127"/>
@@ -7670,8 +7772,56 @@
                 <a:latin typeface="HY견고딕" pitchFamily="18" charset="-127"/>
                 <a:ea typeface="HY견고딕" pitchFamily="18" charset="-127"/>
               </a:rPr>
-              <a:t>     </a:t>
-            </a:r>
+              <a:t>7. All </a:t>
+            </a:r>
+            <a:r>
+              <a:rPr lang="en-US" altLang="ko-KR" sz="2400" dirty="0" smtClean="0">
+                <a:latin typeface="HY견고딕" pitchFamily="18" charset="-127"/>
+                <a:ea typeface="HY견고딕" pitchFamily="18" charset="-127"/>
+              </a:rPr>
+              <a:t>stockholders can participate and monitor </a:t>
+            </a:r>
+          </a:p>
+          <a:p>
+            <a:r>
+              <a:rPr lang="en-US" altLang="ko-KR" sz="2400" dirty="0" smtClean="0">
+                <a:latin typeface="HY견고딕" pitchFamily="18" charset="-127"/>
+                <a:ea typeface="HY견고딕" pitchFamily="18" charset="-127"/>
+              </a:rPr>
+              <a:t> </a:t>
+            </a:r>
+            <a:r>
+              <a:rPr lang="en-US" altLang="ko-KR" sz="2400" dirty="0" smtClean="0">
+                <a:latin typeface="HY견고딕" pitchFamily="18" charset="-127"/>
+                <a:ea typeface="HY견고딕" pitchFamily="18" charset="-127"/>
+              </a:rPr>
+              <a:t>   </a:t>
+            </a:r>
+            <a:r>
+              <a:rPr lang="en-US" altLang="ko-KR" sz="2400" dirty="0" smtClean="0">
+                <a:latin typeface="HY견고딕" pitchFamily="18" charset="-127"/>
+                <a:ea typeface="HY견고딕" pitchFamily="18" charset="-127"/>
+              </a:rPr>
+              <a:t>the </a:t>
+            </a:r>
+            <a:r>
+              <a:rPr lang="en-US" altLang="ko-KR" sz="2400" dirty="0" smtClean="0">
+                <a:latin typeface="HY견고딕" pitchFamily="18" charset="-127"/>
+                <a:ea typeface="HY견고딕" pitchFamily="18" charset="-127"/>
+              </a:rPr>
+              <a:t>voting </a:t>
+            </a:r>
+            <a:r>
+              <a:rPr lang="en-US" altLang="ko-KR" sz="2400" dirty="0" smtClean="0">
+                <a:latin typeface="HY견고딕" pitchFamily="18" charset="-127"/>
+                <a:ea typeface="HY견고딕" pitchFamily="18" charset="-127"/>
+              </a:rPr>
+              <a:t>procedures     </a:t>
+            </a:r>
+            <a:endParaRPr lang="en-US" altLang="ko-KR" sz="2400" dirty="0" smtClean="0">
+              <a:latin typeface="HY견고딕" pitchFamily="18" charset="-127"/>
+              <a:ea typeface="HY견고딕" pitchFamily="18" charset="-127"/>
+            </a:endParaRPr>
           </a:p>
         </p:txBody>
       </p:sp>
@@ -7759,20 +7909,113 @@
                 <a:ea typeface="HY견고딕" pitchFamily="18" charset="-127"/>
                 <a:cs typeface="Arial Unicode MS" pitchFamily="50" charset="-127"/>
               </a:rPr>
+              <a:t> Discussion</a:t>
+            </a:r>
+          </a:p>
+        </p:txBody>
+      </p:sp>
+      <p:sp>
+        <p:nvSpPr>
+          <p:cNvPr id="5" name="TextBox 4"/>
+          <p:cNvSpPr txBox="1"/>
+          <p:nvPr/>
+        </p:nvSpPr>
+        <p:spPr>
+          <a:xfrm>
+            <a:off x="611560" y="1524848"/>
+            <a:ext cx="3576620" cy="1569660"/>
+          </a:xfrm>
+          <a:prstGeom prst="rect">
+            <a:avLst/>
+          </a:prstGeom>
+          <a:noFill/>
+        </p:spPr>
+        <p:txBody>
+          <a:bodyPr wrap="none" rtlCol="0">
+            <a:spAutoFit/>
+          </a:bodyPr>
+          <a:lstStyle/>
+          <a:p>
+            <a:pPr marL="514350" indent="-514350">
+              <a:buAutoNum type="arabicPeriod"/>
+            </a:pPr>
+            <a:r>
+              <a:rPr lang="en-US" altLang="ko-KR" sz="2400" dirty="0" smtClean="0">
+                <a:latin typeface="HY견고딕" pitchFamily="18" charset="-127"/>
+                <a:ea typeface="HY견고딕" pitchFamily="18" charset="-127"/>
+              </a:rPr>
+              <a:t>To be considered</a:t>
+            </a:r>
+          </a:p>
+          <a:p>
+            <a:pPr marL="514350" indent="-514350"/>
+            <a:r>
+              <a:rPr lang="en-US" altLang="ko-KR" sz="2400" dirty="0" smtClean="0">
+                <a:latin typeface="HY견고딕" pitchFamily="18" charset="-127"/>
+                <a:ea typeface="HY견고딕" pitchFamily="18" charset="-127"/>
+              </a:rPr>
               <a:t> </a:t>
             </a:r>
             <a:r>
-              <a:rPr lang="en-US" altLang="ko-KR" sz="3600" dirty="0" smtClean="0">
-                <a:latin typeface="HY견고딕" pitchFamily="18" charset="-127"/>
-                <a:ea typeface="HY견고딕" pitchFamily="18" charset="-127"/>
-                <a:cs typeface="Arial Unicode MS" pitchFamily="50" charset="-127"/>
-              </a:rPr>
-              <a:t>Discussion</a:t>
-            </a:r>
-            <a:endParaRPr lang="en-US" altLang="ko-KR" sz="3600" dirty="0" smtClean="0">
+              <a:rPr lang="en-US" altLang="ko-KR" sz="2400" dirty="0" smtClean="0">
+                <a:latin typeface="HY견고딕" pitchFamily="18" charset="-127"/>
+                <a:ea typeface="HY견고딕" pitchFamily="18" charset="-127"/>
+              </a:rPr>
+              <a:t> - </a:t>
+            </a:r>
+            <a:r>
+              <a:rPr lang="en-US" altLang="ko-KR" sz="2400" dirty="0" smtClean="0">
+                <a:latin typeface="HY견고딕" pitchFamily="18" charset="-127"/>
+                <a:ea typeface="HY견고딕" pitchFamily="18" charset="-127"/>
+              </a:rPr>
+              <a:t>Unit test</a:t>
+            </a:r>
+            <a:endParaRPr lang="en-US" altLang="ko-KR" sz="2400" dirty="0" smtClean="0">
               <a:latin typeface="HY견고딕" pitchFamily="18" charset="-127"/>
               <a:ea typeface="HY견고딕" pitchFamily="18" charset="-127"/>
-              <a:cs typeface="Arial Unicode MS" pitchFamily="50" charset="-127"/>
+            </a:endParaRPr>
+          </a:p>
+          <a:p>
+            <a:r>
+              <a:rPr lang="en-US" altLang="ko-KR" sz="2400" dirty="0" smtClean="0">
+                <a:latin typeface="HY견고딕" pitchFamily="18" charset="-127"/>
+                <a:ea typeface="HY견고딕" pitchFamily="18" charset="-127"/>
+              </a:rPr>
+              <a:t> </a:t>
+            </a:r>
+            <a:r>
+              <a:rPr lang="en-US" altLang="ko-KR" sz="2400" dirty="0" smtClean="0">
+                <a:latin typeface="HY견고딕" pitchFamily="18" charset="-127"/>
+                <a:ea typeface="HY견고딕" pitchFamily="18" charset="-127"/>
+              </a:rPr>
+              <a:t> - </a:t>
+            </a:r>
+            <a:r>
+              <a:rPr lang="en-US" altLang="ko-KR" sz="2400" dirty="0" smtClean="0">
+                <a:latin typeface="HY견고딕" pitchFamily="18" charset="-127"/>
+                <a:ea typeface="HY견고딕" pitchFamily="18" charset="-127"/>
+              </a:rPr>
+              <a:t>Using oracle</a:t>
+            </a:r>
+          </a:p>
+          <a:p>
+            <a:r>
+              <a:rPr lang="en-US" altLang="ko-KR" sz="2400" dirty="0" smtClean="0">
+                <a:latin typeface="HY견고딕" pitchFamily="18" charset="-127"/>
+                <a:ea typeface="HY견고딕" pitchFamily="18" charset="-127"/>
+              </a:rPr>
+              <a:t> </a:t>
+            </a:r>
+            <a:r>
+              <a:rPr lang="en-US" altLang="ko-KR" sz="2400" dirty="0" smtClean="0">
+                <a:latin typeface="HY견고딕" pitchFamily="18" charset="-127"/>
+                <a:ea typeface="HY견고딕" pitchFamily="18" charset="-127"/>
+              </a:rPr>
+              <a:t> - Others</a:t>
+            </a:r>
+            <a:endParaRPr lang="en-US" altLang="ko-KR" sz="2400" dirty="0" smtClean="0">
+              <a:latin typeface="HY견고딕" pitchFamily="18" charset="-127"/>
+              <a:ea typeface="HY견고딕" pitchFamily="18" charset="-127"/>
             </a:endParaRPr>
           </a:p>
         </p:txBody>

--- a/AgendaHandling.pptx
+++ b/AgendaHandling.pptx
@@ -5,7 +5,7 @@
     <p:sldMasterId id="2147483660" r:id="rId1"/>
   </p:sldMasterIdLst>
   <p:notesMasterIdLst>
-    <p:notesMasterId r:id="rId10"/>
+    <p:notesMasterId r:id="rId9"/>
   </p:notesMasterIdLst>
   <p:sldIdLst>
     <p:sldId id="256" r:id="rId2"/>
@@ -15,7 +15,6 @@
     <p:sldId id="279" r:id="rId6"/>
     <p:sldId id="285" r:id="rId7"/>
     <p:sldId id="286" r:id="rId8"/>
-    <p:sldId id="281" r:id="rId9"/>
   </p:sldIdLst>
   <p:sldSz cx="9144000" cy="6858000" type="screen4x3"/>
   <p:notesSz cx="6858000" cy="9144000"/>
@@ -200,7 +199,7 @@
             <a:fld id="{BC042F3D-67A9-4A06-AB76-88B78AEE7614}" type="datetimeFigureOut">
               <a:rPr lang="ko-KR" altLang="en-US" smtClean="0"/>
               <a:pPr/>
-              <a:t>2018-06-01</a:t>
+              <a:t>2018-07-01</a:t>
             </a:fld>
             <a:endParaRPr lang="ko-KR" altLang="en-US"/>
           </a:p>
@@ -701,7 +700,7 @@
             <a:fld id="{0E6BF1DB-36F5-42C2-84E4-2FC1DF180E97}" type="datetime1">
               <a:rPr lang="ko-KR" altLang="en-US" smtClean="0"/>
               <a:pPr/>
-              <a:t>2018-06-01</a:t>
+              <a:t>2018-07-01</a:t>
             </a:fld>
             <a:endParaRPr lang="ko-KR" altLang="en-US"/>
           </a:p>
@@ -882,7 +881,7 @@
             <a:fld id="{9CA80D34-C8C4-4245-A7E8-15529563DFD0}" type="datetime1">
               <a:rPr lang="ko-KR" altLang="en-US" smtClean="0"/>
               <a:pPr/>
-              <a:t>2018-06-01</a:t>
+              <a:t>2018-07-01</a:t>
             </a:fld>
             <a:endParaRPr lang="ko-KR" altLang="en-US"/>
           </a:p>
@@ -1184,7 +1183,7 @@
             <a:fld id="{FD91AD6B-3623-4D9A-AD8C-4D0B37D4272A}" type="datetime1">
               <a:rPr lang="ko-KR" altLang="en-US" smtClean="0"/>
               <a:pPr/>
-              <a:t>2018-06-01</a:t>
+              <a:t>2018-07-01</a:t>
             </a:fld>
             <a:endParaRPr lang="ko-KR" altLang="en-US"/>
           </a:p>
@@ -1395,7 +1394,7 @@
             <a:fld id="{81C171C5-4DEA-4E71-BCEC-20BBB9E74678}" type="datetime1">
               <a:rPr lang="ko-KR" altLang="en-US" smtClean="0"/>
               <a:pPr/>
-              <a:t>2018-06-01</a:t>
+              <a:t>2018-07-01</a:t>
             </a:fld>
             <a:endParaRPr lang="ko-KR" altLang="en-US"/>
           </a:p>
@@ -1822,7 +1821,7 @@
             <a:fld id="{C99337B2-0A5C-4DDD-9A4E-70E7A096C7C1}" type="datetime1">
               <a:rPr lang="ko-KR" altLang="en-US" smtClean="0"/>
               <a:pPr/>
-              <a:t>2018-06-01</a:t>
+              <a:t>2018-07-01</a:t>
             </a:fld>
             <a:endParaRPr lang="ko-KR" altLang="en-US"/>
           </a:p>
@@ -2159,7 +2158,7 @@
             <a:fld id="{6D15E167-5191-4E28-8888-8A42760BF427}" type="datetime1">
               <a:rPr lang="ko-KR" altLang="en-US" smtClean="0"/>
               <a:pPr/>
-              <a:t>2018-06-01</a:t>
+              <a:t>2018-07-01</a:t>
             </a:fld>
             <a:endParaRPr lang="ko-KR" altLang="en-US"/>
           </a:p>
@@ -2278,7 +2277,7 @@
             <a:fld id="{0C0DFE9E-75D7-4521-8DEE-A4DCC29FD659}" type="datetime1">
               <a:rPr lang="ko-KR" altLang="en-US" smtClean="0"/>
               <a:pPr/>
-              <a:t>2018-06-01</a:t>
+              <a:t>2018-07-01</a:t>
             </a:fld>
             <a:endParaRPr lang="ko-KR" altLang="en-US"/>
           </a:p>
@@ -2990,7 +2989,7 @@
             <a:fld id="{1D3A159B-BB05-4FD5-9CEC-6D1BF3BD95B5}" type="datetime1">
               <a:rPr lang="ko-KR" altLang="en-US" smtClean="0"/>
               <a:pPr/>
-              <a:t>2018-06-01</a:t>
+              <a:t>2018-07-01</a:t>
             </a:fld>
             <a:endParaRPr lang="ko-KR" altLang="en-US"/>
           </a:p>
@@ -3082,7 +3081,7 @@
             <a:fld id="{7000FCB9-3FB2-4873-B3E4-7EB5F5D8E62E}" type="datetime1">
               <a:rPr lang="ko-KR" altLang="en-US" smtClean="0"/>
               <a:pPr/>
-              <a:t>2018-06-01</a:t>
+              <a:t>2018-07-01</a:t>
             </a:fld>
             <a:endParaRPr lang="ko-KR" altLang="en-US"/>
           </a:p>
@@ -3370,7 +3369,7 @@
             <a:fld id="{7B2E714A-7F8E-4A09-A461-9FB727898A94}" type="datetime1">
               <a:rPr lang="ko-KR" altLang="en-US" smtClean="0"/>
               <a:pPr/>
-              <a:t>2018-06-01</a:t>
+              <a:t>2018-07-01</a:t>
             </a:fld>
             <a:endParaRPr lang="ko-KR" altLang="en-US"/>
           </a:p>
@@ -3755,7 +3754,7 @@
             <a:fld id="{77A1CCDF-51F8-46D1-A7DA-1FCBC63330D8}" type="datetime1">
               <a:rPr lang="ko-KR" altLang="en-US" smtClean="0"/>
               <a:pPr/>
-              <a:t>2018-06-01</a:t>
+              <a:t>2018-07-01</a:t>
             </a:fld>
             <a:endParaRPr lang="ko-KR" altLang="en-US"/>
           </a:p>
@@ -4161,7 +4160,7 @@
             <a:fld id="{52CE0E24-887D-40EE-B70E-EBC28727AD0E}" type="datetime1">
               <a:rPr lang="ko-KR" altLang="en-US" smtClean="0"/>
               <a:pPr/>
-              <a:t>2018-06-01</a:t>
+              <a:t>2018-07-01</a:t>
             </a:fld>
             <a:endParaRPr lang="ko-KR" altLang="en-US"/>
           </a:p>
@@ -4658,7 +4657,15 @@
                 <a:ea typeface="Arial Unicode MS" pitchFamily="50" charset="-127"/>
                 <a:cs typeface="Arial Unicode MS" pitchFamily="50" charset="-127"/>
               </a:rPr>
-              <a:t> </a:t>
+              <a:t> A </a:t>
+            </a:r>
+            <a:r>
+              <a:rPr lang="en-US" altLang="ko-KR" sz="4000" smtClean="0">
+                <a:latin typeface="Arial Unicode MS" pitchFamily="50" charset="-127"/>
+                <a:ea typeface="Arial Unicode MS" pitchFamily="50" charset="-127"/>
+                <a:cs typeface="Arial Unicode MS" pitchFamily="50" charset="-127"/>
+              </a:rPr>
+              <a:t>DApp</a:t>
             </a:r>
             <a:r>
               <a:rPr lang="en-US" altLang="ko-KR" sz="4000" dirty="0" smtClean="0">
@@ -4666,55 +4673,7 @@
                 <a:ea typeface="Arial Unicode MS" pitchFamily="50" charset="-127"/>
                 <a:cs typeface="Arial Unicode MS" pitchFamily="50" charset="-127"/>
               </a:rPr>
-              <a:t>A </a:t>
-            </a:r>
-            <a:r>
-              <a:rPr lang="en-US" altLang="ko-KR" sz="4000" dirty="0" err="1" smtClean="0">
-                <a:latin typeface="Arial Unicode MS" pitchFamily="50" charset="-127"/>
-                <a:ea typeface="Arial Unicode MS" pitchFamily="50" charset="-127"/>
-                <a:cs typeface="Arial Unicode MS" pitchFamily="50" charset="-127"/>
-              </a:rPr>
-              <a:t>dA</a:t>
-            </a:r>
-            <a:r>
-              <a:rPr lang="en-US" altLang="ko-KR" sz="4000" dirty="0" err="1" smtClean="0">
-                <a:latin typeface="Arial Unicode MS" pitchFamily="50" charset="-127"/>
-                <a:ea typeface="Arial Unicode MS" pitchFamily="50" charset="-127"/>
-                <a:cs typeface="Arial Unicode MS" pitchFamily="50" charset="-127"/>
-              </a:rPr>
-              <a:t>p</a:t>
-            </a:r>
-            <a:r>
-              <a:rPr lang="en-US" altLang="ko-KR" sz="4000" dirty="0" smtClean="0">
-                <a:latin typeface="Arial Unicode MS" pitchFamily="50" charset="-127"/>
-                <a:ea typeface="Arial Unicode MS" pitchFamily="50" charset="-127"/>
-                <a:cs typeface="Arial Unicode MS" pitchFamily="50" charset="-127"/>
-              </a:rPr>
-              <a:t> </a:t>
-            </a:r>
-            <a:r>
-              <a:rPr lang="en-US" altLang="ko-KR" sz="4000" dirty="0" smtClean="0">
-                <a:latin typeface="Arial Unicode MS" pitchFamily="50" charset="-127"/>
-                <a:ea typeface="Arial Unicode MS" pitchFamily="50" charset="-127"/>
-                <a:cs typeface="Arial Unicode MS" pitchFamily="50" charset="-127"/>
-              </a:rPr>
-              <a:t>: </a:t>
-            </a:r>
-            <a:r>
-              <a:rPr lang="en-US" altLang="ko-KR" sz="4000" dirty="0" smtClean="0">
-                <a:latin typeface="Arial Unicode MS" pitchFamily="50" charset="-127"/>
-                <a:ea typeface="Arial Unicode MS" pitchFamily="50" charset="-127"/>
-                <a:cs typeface="Arial Unicode MS" pitchFamily="50" charset="-127"/>
-              </a:rPr>
-              <a:t>stock</a:t>
-            </a:r>
-            <a:r>
-              <a:rPr lang="en-US" altLang="ko-KR" sz="4000" dirty="0" smtClean="0">
-                <a:latin typeface="Arial Unicode MS" pitchFamily="50" charset="-127"/>
-                <a:ea typeface="Arial Unicode MS" pitchFamily="50" charset="-127"/>
-                <a:cs typeface="Arial Unicode MS" pitchFamily="50" charset="-127"/>
-              </a:rPr>
-              <a:t>holder management system </a:t>
+              <a:t> : stockholder management system </a:t>
             </a:r>
             <a:endParaRPr lang="ko-KR" altLang="en-US" sz="4000" dirty="0">
               <a:latin typeface="Arial Unicode MS" pitchFamily="50" charset="-127"/>
@@ -4850,7 +4809,7 @@
         <p:spPr>
           <a:xfrm>
             <a:off x="2549939" y="1628800"/>
-            <a:ext cx="4102405" cy="3785652"/>
+            <a:ext cx="3993401" cy="3046988"/>
           </a:xfrm>
           <a:prstGeom prst="rect">
             <a:avLst/>
@@ -4954,35 +4913,6 @@
                 <a:cs typeface="Arial Unicode MS" pitchFamily="50" charset="-127"/>
               </a:rPr>
               <a:t>Environments</a:t>
-            </a:r>
-            <a:r>
-              <a:rPr lang="ko-KR" altLang="en-US" sz="2400" dirty="0" smtClean="0">
-                <a:latin typeface="HY견고딕" pitchFamily="18" charset="-127"/>
-                <a:ea typeface="HY견고딕" pitchFamily="18" charset="-127"/>
-                <a:cs typeface="Arial Unicode MS" pitchFamily="50" charset="-127"/>
-              </a:rPr>
-              <a:t> </a:t>
-            </a:r>
-            <a:endParaRPr lang="en-US" altLang="ko-KR" sz="2400" dirty="0" smtClean="0">
-              <a:latin typeface="HY견고딕" pitchFamily="18" charset="-127"/>
-              <a:ea typeface="HY견고딕" pitchFamily="18" charset="-127"/>
-              <a:cs typeface="Arial Unicode MS" pitchFamily="50" charset="-127"/>
-            </a:endParaRPr>
-          </a:p>
-          <a:p>
-            <a:pPr marL="400050" indent="-400050">
-              <a:lnSpc>
-                <a:spcPct val="200000"/>
-              </a:lnSpc>
-              <a:buAutoNum type="romanUcPeriod"/>
-            </a:pPr>
-            <a:r>
-              <a:rPr lang="en-US" altLang="ko-KR" sz="2400" smtClean="0">
-                <a:latin typeface="HY견고딕" pitchFamily="18" charset="-127"/>
-                <a:ea typeface="HY견고딕" pitchFamily="18" charset="-127"/>
-                <a:cs typeface="Arial Unicode MS" pitchFamily="50" charset="-127"/>
-              </a:rPr>
-              <a:t>Discussion</a:t>
             </a:r>
             <a:endParaRPr lang="en-US" altLang="ko-KR" sz="2400" dirty="0" smtClean="0">
               <a:latin typeface="HY견고딕" pitchFamily="18" charset="-127"/>
@@ -5231,22 +5161,51 @@
                 <a:latin typeface="HY견고딕" pitchFamily="18" charset="-127"/>
                 <a:ea typeface="HY견고딕" pitchFamily="18" charset="-127"/>
               </a:rPr>
-              <a:t> </a:t>
-            </a:r>
+              <a:t>           that is immutable and decentralized</a:t>
+            </a:r>
+          </a:p>
+          <a:p>
             <a:r>
               <a:rPr lang="en-US" altLang="ko-KR" sz="2400" dirty="0" smtClean="0">
                 <a:latin typeface="HY견고딕" pitchFamily="18" charset="-127"/>
                 <a:ea typeface="HY견고딕" pitchFamily="18" charset="-127"/>
               </a:rPr>
-              <a:t>          that is </a:t>
-            </a:r>
+              <a:t>Using :</a:t>
+            </a:r>
+          </a:p>
+          <a:p>
             <a:r>
               <a:rPr lang="en-US" altLang="ko-KR" sz="2400" dirty="0" smtClean="0">
                 <a:latin typeface="HY견고딕" pitchFamily="18" charset="-127"/>
                 <a:ea typeface="HY견고딕" pitchFamily="18" charset="-127"/>
               </a:rPr>
-              <a:t>immutable and decentralized</a:t>
-            </a:r>
+              <a:t>  - solidity, JavaScript and web tech.</a:t>
+            </a:r>
+          </a:p>
+          <a:p>
+            <a:r>
+              <a:rPr lang="en-US" altLang="ko-KR" sz="2400" dirty="0" smtClean="0">
+                <a:latin typeface="HY견고딕" pitchFamily="18" charset="-127"/>
+                <a:ea typeface="HY견고딕" pitchFamily="18" charset="-127"/>
+              </a:rPr>
+              <a:t>  - smart contract on </a:t>
+            </a:r>
+            <a:r>
+              <a:rPr lang="en-US" altLang="ko-KR" sz="2400" dirty="0" err="1" smtClean="0">
+                <a:latin typeface="HY견고딕" pitchFamily="18" charset="-127"/>
+                <a:ea typeface="HY견고딕" pitchFamily="18" charset="-127"/>
+              </a:rPr>
+              <a:t>ethereum</a:t>
+            </a:r>
+            <a:r>
+              <a:rPr lang="en-US" altLang="ko-KR" sz="2400" dirty="0" smtClean="0">
+                <a:latin typeface="HY견고딕" pitchFamily="18" charset="-127"/>
+                <a:ea typeface="HY견고딕" pitchFamily="18" charset="-127"/>
+              </a:rPr>
+              <a:t> networks</a:t>
+            </a:r>
+          </a:p>
+          <a:p>
             <a:endParaRPr lang="en-US" altLang="ko-KR" sz="2400" dirty="0" smtClean="0">
               <a:latin typeface="HY견고딕" pitchFamily="18" charset="-127"/>
               <a:ea typeface="HY견고딕" pitchFamily="18" charset="-127"/>
@@ -5258,14 +5217,16 @@
                 <a:latin typeface="HY견고딕" pitchFamily="18" charset="-127"/>
                 <a:ea typeface="HY견고딕" pitchFamily="18" charset="-127"/>
               </a:rPr>
-              <a:t>Using </a:t>
-            </a:r>
+              <a:t>Functions :</a:t>
+            </a:r>
+          </a:p>
+          <a:p>
             <a:r>
               <a:rPr lang="en-US" altLang="ko-KR" sz="2400" dirty="0" smtClean="0">
                 <a:latin typeface="HY견고딕" pitchFamily="18" charset="-127"/>
                 <a:ea typeface="HY견고딕" pitchFamily="18" charset="-127"/>
               </a:rPr>
-              <a:t>:</a:t>
+              <a:t>  - issue, buy, sell, transfer of stocks</a:t>
             </a:r>
           </a:p>
           <a:p>
@@ -5274,7 +5235,7 @@
                 <a:latin typeface="HY견고딕" pitchFamily="18" charset="-127"/>
                 <a:ea typeface="HY견고딕" pitchFamily="18" charset="-127"/>
               </a:rPr>
-              <a:t>  - solidity, JavaScript and web tech.</a:t>
+              <a:t>  - make some decisions by stockholders' voting </a:t>
             </a:r>
           </a:p>
           <a:p>
@@ -5283,170 +5244,26 @@
                 <a:latin typeface="HY견고딕" pitchFamily="18" charset="-127"/>
                 <a:ea typeface="HY견고딕" pitchFamily="18" charset="-127"/>
               </a:rPr>
-              <a:t>  - smart </a:t>
-            </a:r>
+              <a:t>     using a smart contract on block chain	</a:t>
+            </a:r>
+          </a:p>
+          <a:p>
             <a:r>
               <a:rPr lang="en-US" altLang="ko-KR" sz="2400" dirty="0" smtClean="0">
                 <a:latin typeface="HY견고딕" pitchFamily="18" charset="-127"/>
                 <a:ea typeface="HY견고딕" pitchFamily="18" charset="-127"/>
               </a:rPr>
-              <a:t>contract on </a:t>
-            </a:r>
-            <a:r>
-              <a:rPr lang="en-US" altLang="ko-KR" sz="2400" dirty="0" err="1" smtClean="0">
-                <a:latin typeface="HY견고딕" pitchFamily="18" charset="-127"/>
-                <a:ea typeface="HY견고딕" pitchFamily="18" charset="-127"/>
-              </a:rPr>
-              <a:t>ethereum</a:t>
-            </a:r>
+              <a:t>  - stores the minutes on the important</a:t>
+            </a:r>
+          </a:p>
+          <a:p>
             <a:r>
               <a:rPr lang="en-US" altLang="ko-KR" sz="2400" dirty="0" smtClean="0">
                 <a:latin typeface="HY견고딕" pitchFamily="18" charset="-127"/>
                 <a:ea typeface="HY견고딕" pitchFamily="18" charset="-127"/>
               </a:rPr>
-              <a:t> networks</a:t>
-            </a:r>
-          </a:p>
-          <a:p>
-            <a:endParaRPr lang="en-US" altLang="ko-KR" sz="2400" dirty="0" smtClean="0">
-              <a:latin typeface="HY견고딕" pitchFamily="18" charset="-127"/>
-              <a:ea typeface="HY견고딕" pitchFamily="18" charset="-127"/>
-            </a:endParaRPr>
-          </a:p>
-          <a:p>
-            <a:r>
-              <a:rPr lang="en-US" altLang="ko-KR" sz="2400" dirty="0" smtClean="0">
-                <a:latin typeface="HY견고딕" pitchFamily="18" charset="-127"/>
-                <a:ea typeface="HY견고딕" pitchFamily="18" charset="-127"/>
-              </a:rPr>
-              <a:t>Functions :</a:t>
-            </a:r>
-          </a:p>
-          <a:p>
-            <a:r>
-              <a:rPr lang="en-US" altLang="ko-KR" sz="2400" dirty="0" smtClean="0">
-                <a:latin typeface="HY견고딕" pitchFamily="18" charset="-127"/>
-                <a:ea typeface="HY견고딕" pitchFamily="18" charset="-127"/>
-              </a:rPr>
-              <a:t>  - issue, buy, sell, transfer of stocks</a:t>
-            </a:r>
-          </a:p>
-          <a:p>
-            <a:r>
-              <a:rPr lang="en-US" altLang="ko-KR" sz="2400" dirty="0" smtClean="0">
-                <a:latin typeface="HY견고딕" pitchFamily="18" charset="-127"/>
-                <a:ea typeface="HY견고딕" pitchFamily="18" charset="-127"/>
-              </a:rPr>
-              <a:t>  - </a:t>
-            </a:r>
-            <a:r>
-              <a:rPr lang="en-US" altLang="ko-KR" sz="2400" dirty="0" smtClean="0">
-                <a:latin typeface="HY견고딕" pitchFamily="18" charset="-127"/>
-                <a:ea typeface="HY견고딕" pitchFamily="18" charset="-127"/>
-              </a:rPr>
-              <a:t>make some decisions </a:t>
-            </a:r>
-            <a:r>
-              <a:rPr lang="en-US" altLang="ko-KR" sz="2400" dirty="0" smtClean="0">
-                <a:latin typeface="HY견고딕" pitchFamily="18" charset="-127"/>
-                <a:ea typeface="HY견고딕" pitchFamily="18" charset="-127"/>
-              </a:rPr>
-              <a:t>by </a:t>
-            </a:r>
-            <a:r>
-              <a:rPr lang="en-US" altLang="ko-KR" sz="2400" dirty="0" smtClean="0">
-                <a:latin typeface="HY견고딕" pitchFamily="18" charset="-127"/>
-                <a:ea typeface="HY견고딕" pitchFamily="18" charset="-127"/>
-              </a:rPr>
-              <a:t>stockholders' voting </a:t>
-            </a:r>
-          </a:p>
-          <a:p>
-            <a:r>
-              <a:rPr lang="en-US" altLang="ko-KR" sz="2400" dirty="0" smtClean="0">
-                <a:latin typeface="HY견고딕" pitchFamily="18" charset="-127"/>
-                <a:ea typeface="HY견고딕" pitchFamily="18" charset="-127"/>
-              </a:rPr>
-              <a:t> </a:t>
-            </a:r>
-            <a:r>
-              <a:rPr lang="en-US" altLang="ko-KR" sz="2400" dirty="0" smtClean="0">
-                <a:latin typeface="HY견고딕" pitchFamily="18" charset="-127"/>
-                <a:ea typeface="HY견고딕" pitchFamily="18" charset="-127"/>
-              </a:rPr>
-              <a:t>    using</a:t>
-            </a:r>
-            <a:r>
-              <a:rPr lang="en-US" altLang="ko-KR" sz="2400" dirty="0" smtClean="0">
-                <a:latin typeface="HY견고딕" pitchFamily="18" charset="-127"/>
-                <a:ea typeface="HY견고딕" pitchFamily="18" charset="-127"/>
-              </a:rPr>
-              <a:t> a smart contract on block chain</a:t>
-            </a:r>
-            <a:r>
-              <a:rPr lang="en-US" altLang="ko-KR" sz="2400" dirty="0" smtClean="0">
-                <a:latin typeface="HY견고딕" pitchFamily="18" charset="-127"/>
-                <a:ea typeface="HY견고딕" pitchFamily="18" charset="-127"/>
-              </a:rPr>
-              <a:t>	</a:t>
-            </a:r>
-          </a:p>
-          <a:p>
-            <a:r>
-              <a:rPr lang="en-US" altLang="ko-KR" sz="2400" dirty="0" smtClean="0">
-                <a:latin typeface="HY견고딕" pitchFamily="18" charset="-127"/>
-                <a:ea typeface="HY견고딕" pitchFamily="18" charset="-127"/>
-              </a:rPr>
-              <a:t>  - </a:t>
-            </a:r>
-            <a:r>
-              <a:rPr lang="en-US" altLang="ko-KR" sz="2400" dirty="0" smtClean="0">
-                <a:latin typeface="HY견고딕" pitchFamily="18" charset="-127"/>
-                <a:ea typeface="HY견고딕" pitchFamily="18" charset="-127"/>
-              </a:rPr>
-              <a:t>stores</a:t>
-            </a:r>
-            <a:r>
-              <a:rPr lang="en-US" altLang="ko-KR" sz="2400" dirty="0" smtClean="0">
-                <a:latin typeface="HY견고딕" pitchFamily="18" charset="-127"/>
-                <a:ea typeface="HY견고딕" pitchFamily="18" charset="-127"/>
-              </a:rPr>
-              <a:t> </a:t>
-            </a:r>
-            <a:r>
-              <a:rPr lang="en-US" altLang="ko-KR" sz="2400" dirty="0" smtClean="0">
-                <a:latin typeface="HY견고딕" pitchFamily="18" charset="-127"/>
-                <a:ea typeface="HY견고딕" pitchFamily="18" charset="-127"/>
-              </a:rPr>
-              <a:t>the minutes on the </a:t>
-            </a:r>
-            <a:r>
-              <a:rPr lang="en-US" altLang="ko-KR" sz="2400" dirty="0" smtClean="0">
-                <a:latin typeface="HY견고딕" pitchFamily="18" charset="-127"/>
-                <a:ea typeface="HY견고딕" pitchFamily="18" charset="-127"/>
-              </a:rPr>
-              <a:t>important</a:t>
-            </a:r>
-          </a:p>
-          <a:p>
-            <a:r>
-              <a:rPr lang="en-US" altLang="ko-KR" sz="2400" dirty="0" smtClean="0">
-                <a:latin typeface="HY견고딕" pitchFamily="18" charset="-127"/>
-                <a:ea typeface="HY견고딕" pitchFamily="18" charset="-127"/>
-              </a:rPr>
-              <a:t> </a:t>
-            </a:r>
-            <a:r>
-              <a:rPr lang="en-US" altLang="ko-KR" sz="2400" dirty="0" smtClean="0">
-                <a:latin typeface="HY견고딕" pitchFamily="18" charset="-127"/>
-                <a:ea typeface="HY견고딕" pitchFamily="18" charset="-127"/>
-              </a:rPr>
-              <a:t>    decisions in the decentralized data base</a:t>
-            </a:r>
-            <a:endParaRPr lang="en-US" altLang="ko-KR" sz="2400" dirty="0" smtClean="0">
-              <a:latin typeface="HY견고딕" pitchFamily="18" charset="-127"/>
-              <a:ea typeface="HY견고딕" pitchFamily="18" charset="-127"/>
-            </a:endParaRPr>
+              <a:t>     decisions in the decentralized data base</a:t>
+            </a:r>
           </a:p>
         </p:txBody>
       </p:sp>
@@ -5939,11 +5756,7 @@
           <a:p>
             <a:r>
               <a:rPr lang="en-US" altLang="ko-KR" dirty="0" smtClean="0"/>
-              <a:t>stock</a:t>
-            </a:r>
-            <a:r>
-              <a:rPr lang="en-US" altLang="ko-KR" dirty="0" smtClean="0"/>
-              <a:t>holders</a:t>
+              <a:t>stockholders</a:t>
             </a:r>
             <a:endParaRPr lang="ko-KR" altLang="en-US" dirty="0"/>
           </a:p>
@@ -6375,60 +6188,17 @@
                 <a:latin typeface="HY견고딕" pitchFamily="18" charset="-127"/>
                 <a:ea typeface="HY견고딕" pitchFamily="18" charset="-127"/>
               </a:rPr>
-              <a:t>4. O</a:t>
-            </a:r>
+              <a:t>4. Open browser @ localhost:8081</a:t>
+            </a:r>
+          </a:p>
+          <a:p>
             <a:r>
               <a:rPr lang="en-US" altLang="ko-KR" sz="2400" dirty="0" smtClean="0">
                 <a:latin typeface="HY견고딕" pitchFamily="18" charset="-127"/>
                 <a:ea typeface="HY견고딕" pitchFamily="18" charset="-127"/>
               </a:rPr>
-              <a:t>pen</a:t>
-            </a:r>
-            <a:r>
-              <a:rPr lang="en-US" altLang="ko-KR" sz="2400" dirty="0" smtClean="0">
-                <a:latin typeface="HY견고딕" pitchFamily="18" charset="-127"/>
-                <a:ea typeface="HY견고딕" pitchFamily="18" charset="-127"/>
-              </a:rPr>
-              <a:t> </a:t>
-            </a:r>
-            <a:r>
-              <a:rPr lang="en-US" altLang="ko-KR" sz="2400" dirty="0" smtClean="0">
-                <a:latin typeface="HY견고딕" pitchFamily="18" charset="-127"/>
-                <a:ea typeface="HY견고딕" pitchFamily="18" charset="-127"/>
-              </a:rPr>
-              <a:t>browser </a:t>
-            </a:r>
-            <a:r>
-              <a:rPr lang="en-US" altLang="ko-KR" sz="2400" dirty="0" smtClean="0">
-                <a:latin typeface="HY견고딕" pitchFamily="18" charset="-127"/>
-                <a:ea typeface="HY견고딕" pitchFamily="18" charset="-127"/>
-              </a:rPr>
-              <a:t>@ localhost:8081</a:t>
-            </a:r>
-            <a:endParaRPr lang="en-US" altLang="ko-KR" sz="2400" dirty="0" smtClean="0">
-              <a:latin typeface="HY견고딕" pitchFamily="18" charset="-127"/>
-              <a:ea typeface="HY견고딕" pitchFamily="18" charset="-127"/>
-            </a:endParaRPr>
-          </a:p>
-          <a:p>
-            <a:r>
-              <a:rPr lang="en-US" altLang="ko-KR" sz="2400" dirty="0" smtClean="0">
-                <a:latin typeface="HY견고딕" pitchFamily="18" charset="-127"/>
-                <a:ea typeface="HY견고딕" pitchFamily="18" charset="-127"/>
-              </a:rPr>
-              <a:t>5. Locate at index.html for </a:t>
-            </a:r>
-            <a:r>
-              <a:rPr lang="en-US" altLang="ko-KR" sz="2400" dirty="0" smtClean="0">
-                <a:latin typeface="HY견고딕" pitchFamily="18" charset="-127"/>
-                <a:ea typeface="HY견고딕" pitchFamily="18" charset="-127"/>
-              </a:rPr>
-              <a:t>UI        </a:t>
-            </a:r>
-            <a:endParaRPr lang="en-US" altLang="ko-KR" sz="2400" dirty="0" smtClean="0">
-              <a:latin typeface="HY견고딕" pitchFamily="18" charset="-127"/>
-              <a:ea typeface="HY견고딕" pitchFamily="18" charset="-127"/>
-            </a:endParaRPr>
+              <a:t>5. Locate at index.html for UI        </a:t>
+            </a:r>
           </a:p>
         </p:txBody>
       </p:sp>
@@ -6615,21 +6385,8 @@
                 <a:ea typeface="HY견고딕" pitchFamily="18" charset="-127"/>
                 <a:cs typeface="Arial Unicode MS" pitchFamily="50" charset="-127"/>
               </a:rPr>
-              <a:t>(</a:t>
-            </a:r>
-            <a:r>
-              <a:rPr lang="en-US" altLang="ko-KR" sz="3600" dirty="0" smtClean="0">
-                <a:latin typeface="HY견고딕" pitchFamily="18" charset="-127"/>
-                <a:ea typeface="HY견고딕" pitchFamily="18" charset="-127"/>
-                <a:cs typeface="Arial Unicode MS" pitchFamily="50" charset="-127"/>
-              </a:rPr>
-              <a:t>Web and IPFS) </a:t>
-            </a:r>
-            <a:endParaRPr lang="en-US" altLang="ko-KR" sz="3600" dirty="0" smtClean="0">
-              <a:latin typeface="HY견고딕" pitchFamily="18" charset="-127"/>
-              <a:ea typeface="HY견고딕" pitchFamily="18" charset="-127"/>
-              <a:cs typeface="Arial Unicode MS" pitchFamily="50" charset="-127"/>
-            </a:endParaRPr>
+              <a:t>(Web and IPFS) </a:t>
+            </a:r>
           </a:p>
         </p:txBody>
       </p:sp>
@@ -6641,8 +6398,8 @@
         </p:nvSpPr>
         <p:spPr>
           <a:xfrm>
-            <a:off x="4283968" y="1484784"/>
-            <a:ext cx="1800200" cy="1008112"/>
+            <a:off x="3851920" y="1412776"/>
+            <a:ext cx="1872208" cy="864096"/>
           </a:xfrm>
           <a:prstGeom prst="ellipse">
             <a:avLst/>
@@ -6678,49 +6435,13 @@
             <a:pPr algn="ctr"/>
             <a:r>
               <a:rPr lang="en-US" altLang="ko-KR" sz="1600" dirty="0" smtClean="0"/>
-              <a:t>Listen:8081</a:t>
+              <a:t>l</a:t>
+            </a:r>
+            <a:r>
+              <a:rPr lang="en-US" altLang="ko-KR" sz="1600" dirty="0" smtClean="0"/>
+              <a:t>isten:8081</a:t>
             </a:r>
             <a:endParaRPr lang="ko-KR" altLang="en-US" sz="1600" dirty="0"/>
-          </a:p>
-        </p:txBody>
-      </p:sp>
-      <p:sp>
-        <p:nvSpPr>
-          <p:cNvPr id="6" name="TextBox 5"/>
-          <p:cNvSpPr txBox="1"/>
-          <p:nvPr/>
-        </p:nvSpPr>
-        <p:spPr>
-          <a:xfrm>
-            <a:off x="6156176" y="1628800"/>
-            <a:ext cx="1628972" cy="646331"/>
-          </a:xfrm>
-          <a:prstGeom prst="rect">
-            <a:avLst/>
-          </a:prstGeom>
-          <a:noFill/>
-        </p:spPr>
-        <p:txBody>
-          <a:bodyPr wrap="none" rtlCol="0">
-            <a:spAutoFit/>
-          </a:bodyPr>
-          <a:lstStyle/>
-          <a:p>
-            <a:r>
-              <a:rPr lang="en-US" altLang="ko-KR" dirty="0" smtClean="0"/>
-              <a:t>   index.html</a:t>
-            </a:r>
-          </a:p>
-          <a:p>
-            <a:r>
-              <a:rPr lang="en-US" altLang="ko-KR" dirty="0" smtClean="0"/>
-              <a:t>i</a:t>
-            </a:r>
-            <a:r>
-              <a:rPr lang="en-US" altLang="ko-KR" dirty="0" smtClean="0"/>
-              <a:t>n working dir</a:t>
-            </a:r>
-            <a:endParaRPr lang="ko-KR" altLang="en-US" dirty="0"/>
           </a:p>
         </p:txBody>
       </p:sp>
@@ -6732,8 +6453,8 @@
         </p:nvSpPr>
         <p:spPr>
           <a:xfrm>
-            <a:off x="1475656" y="3068960"/>
-            <a:ext cx="2304256" cy="1152128"/>
+            <a:off x="1187624" y="2708920"/>
+            <a:ext cx="2448272" cy="1008112"/>
           </a:xfrm>
           <a:prstGeom prst="ellipse">
             <a:avLst/>
@@ -6769,7 +6490,15 @@
             <a:pPr algn="ctr"/>
             <a:r>
               <a:rPr lang="en-US" altLang="ko-KR" sz="1600" dirty="0" smtClean="0"/>
-              <a:t>Read index.html from:8081</a:t>
+              <a:t>Read index.html </a:t>
+            </a:r>
+            <a:r>
+              <a:rPr lang="en-US" altLang="ko-KR" sz="1600" dirty="0" smtClean="0"/>
+              <a:t>write</a:t>
+            </a:r>
+            <a:r>
+              <a:rPr lang="en-US" altLang="ko-KR" sz="1600" dirty="0" smtClean="0"/>
+              <a:t>:8081,5001</a:t>
             </a:r>
             <a:endParaRPr lang="ko-KR" altLang="en-US" sz="1600" dirty="0"/>
           </a:p>
@@ -6783,8 +6512,8 @@
         </p:nvSpPr>
         <p:spPr>
           <a:xfrm>
-            <a:off x="5796136" y="3068960"/>
-            <a:ext cx="1800200" cy="1008112"/>
+            <a:off x="5364088" y="2852936"/>
+            <a:ext cx="2520280" cy="792088"/>
           </a:xfrm>
           <a:prstGeom prst="ellipse">
             <a:avLst/>
@@ -6820,7 +6549,11 @@
             <a:pPr algn="ctr"/>
             <a:r>
               <a:rPr lang="en-US" altLang="ko-KR" sz="1600" dirty="0" smtClean="0"/>
-              <a:t>:8081</a:t>
+              <a:t>listen:</a:t>
+            </a:r>
+            <a:r>
+              <a:rPr lang="en-US" altLang="ko-KR" sz="1600" dirty="0" smtClean="0"/>
+              <a:t>5001,8080</a:t>
             </a:r>
             <a:endParaRPr lang="ko-KR" altLang="en-US" sz="1600" dirty="0"/>
           </a:p>
@@ -6828,13 +6561,502 @@
       </p:sp>
       <p:sp>
         <p:nvSpPr>
-          <p:cNvPr id="9" name="오른쪽 화살표 8"/>
+          <p:cNvPr id="11" name="TextBox 10"/>
+          <p:cNvSpPr txBox="1"/>
+          <p:nvPr/>
+        </p:nvSpPr>
+        <p:spPr>
+          <a:xfrm>
+            <a:off x="3779912" y="2852936"/>
+            <a:ext cx="1462260" cy="338554"/>
+          </a:xfrm>
+          <a:prstGeom prst="rect">
+            <a:avLst/>
+          </a:prstGeom>
+          <a:noFill/>
+        </p:spPr>
+        <p:txBody>
+          <a:bodyPr wrap="none" rtlCol="0">
+            <a:spAutoFit/>
+          </a:bodyPr>
+          <a:lstStyle/>
+          <a:p>
+            <a:r>
+              <a:rPr lang="en-US" altLang="ko-KR" sz="1600" dirty="0" smtClean="0"/>
+              <a:t>Put document</a:t>
+            </a:r>
+            <a:endParaRPr lang="ko-KR" altLang="en-US" sz="1600" dirty="0"/>
+          </a:p>
+        </p:txBody>
+      </p:sp>
+      <p:sp>
+        <p:nvSpPr>
+          <p:cNvPr id="15" name="TextBox 14"/>
+          <p:cNvSpPr txBox="1"/>
+          <p:nvPr/>
+        </p:nvSpPr>
+        <p:spPr>
+          <a:xfrm>
+            <a:off x="3779912" y="3645024"/>
+            <a:ext cx="1800200" cy="338554"/>
+          </a:xfrm>
+          <a:prstGeom prst="rect">
+            <a:avLst/>
+          </a:prstGeom>
+          <a:noFill/>
+        </p:spPr>
+        <p:txBody>
+          <a:bodyPr wrap="square" rtlCol="0">
+            <a:spAutoFit/>
+          </a:bodyPr>
+          <a:lstStyle/>
+          <a:p>
+            <a:r>
+              <a:rPr lang="en-US" altLang="ko-KR" sz="1600" dirty="0" smtClean="0"/>
+              <a:t>Return hash</a:t>
+            </a:r>
+            <a:endParaRPr lang="ko-KR" altLang="en-US" sz="1600" dirty="0"/>
+          </a:p>
+        </p:txBody>
+      </p:sp>
+      <p:sp>
+        <p:nvSpPr>
+          <p:cNvPr id="16" name="TextBox 15"/>
+          <p:cNvSpPr txBox="1"/>
+          <p:nvPr/>
+        </p:nvSpPr>
+        <p:spPr>
+          <a:xfrm>
+            <a:off x="467544" y="4149080"/>
+            <a:ext cx="8302273" cy="1169551"/>
+          </a:xfrm>
+          <a:prstGeom prst="rect">
+            <a:avLst/>
+          </a:prstGeom>
+          <a:solidFill>
+            <a:schemeClr val="tx1"/>
+          </a:solidFill>
+        </p:spPr>
+        <p:txBody>
+          <a:bodyPr wrap="none" rtlCol="0">
+            <a:spAutoFit/>
+          </a:bodyPr>
+          <a:lstStyle/>
+          <a:p>
+            <a:r>
+              <a:rPr lang="en-US" altLang="ko-KR" sz="1400" dirty="0" smtClean="0">
+                <a:solidFill>
+                  <a:schemeClr val="bg1"/>
+                </a:solidFill>
+              </a:rPr>
+              <a:t>$ </a:t>
+            </a:r>
+            <a:r>
+              <a:rPr lang="en-US" altLang="ko-KR" sz="1400" dirty="0" err="1" smtClean="0">
+                <a:solidFill>
+                  <a:schemeClr val="bg1"/>
+                </a:solidFill>
+              </a:rPr>
+              <a:t>ipfs</a:t>
+            </a:r>
+            <a:r>
+              <a:rPr lang="en-US" altLang="ko-KR" sz="1400" dirty="0" smtClean="0">
+                <a:solidFill>
+                  <a:schemeClr val="bg1"/>
+                </a:solidFill>
+              </a:rPr>
+              <a:t> init</a:t>
+            </a:r>
+          </a:p>
+          <a:p>
+            <a:r>
+              <a:rPr lang="en-US" altLang="ko-KR" sz="1400" dirty="0" smtClean="0">
+                <a:solidFill>
+                  <a:schemeClr val="bg1"/>
+                </a:solidFill>
+              </a:rPr>
+              <a:t>$ </a:t>
+            </a:r>
+            <a:r>
+              <a:rPr lang="en-US" altLang="ko-KR" sz="1400" dirty="0" err="1" smtClean="0">
+                <a:solidFill>
+                  <a:schemeClr val="bg1"/>
+                </a:solidFill>
+              </a:rPr>
+              <a:t>ipfs</a:t>
+            </a:r>
+            <a:r>
+              <a:rPr lang="en-US" altLang="ko-KR" sz="1400" dirty="0" smtClean="0">
+                <a:solidFill>
+                  <a:schemeClr val="bg1"/>
+                </a:solidFill>
+              </a:rPr>
+              <a:t> </a:t>
+            </a:r>
+            <a:r>
+              <a:rPr lang="en-US" altLang="ko-KR" sz="1400" dirty="0" err="1" smtClean="0">
+                <a:solidFill>
+                  <a:schemeClr val="bg1"/>
+                </a:solidFill>
+              </a:rPr>
+              <a:t>config</a:t>
+            </a:r>
+            <a:r>
+              <a:rPr lang="en-US" altLang="ko-KR" sz="1400" dirty="0" smtClean="0">
+                <a:solidFill>
+                  <a:schemeClr val="bg1"/>
+                </a:solidFill>
+              </a:rPr>
+              <a:t> --</a:t>
+            </a:r>
+            <a:r>
+              <a:rPr lang="en-US" altLang="ko-KR" sz="1400" dirty="0" err="1" smtClean="0">
+                <a:solidFill>
+                  <a:schemeClr val="bg1"/>
+                </a:solidFill>
+              </a:rPr>
+              <a:t>json</a:t>
+            </a:r>
+            <a:r>
+              <a:rPr lang="en-US" altLang="ko-KR" sz="1400" dirty="0" smtClean="0">
+                <a:solidFill>
+                  <a:schemeClr val="bg1"/>
+                </a:solidFill>
+              </a:rPr>
+              <a:t> </a:t>
+            </a:r>
+            <a:r>
+              <a:rPr lang="en-US" altLang="ko-KR" sz="1400" dirty="0" err="1" smtClean="0">
+                <a:solidFill>
+                  <a:schemeClr val="bg1"/>
+                </a:solidFill>
+              </a:rPr>
+              <a:t>API.HTTPHeaders.Access</a:t>
+            </a:r>
+            <a:r>
+              <a:rPr lang="en-US" altLang="ko-KR" sz="1400" dirty="0" smtClean="0">
+                <a:solidFill>
+                  <a:schemeClr val="bg1"/>
+                </a:solidFill>
+              </a:rPr>
+              <a:t>-Control-Allow-Origin </a:t>
+            </a:r>
+            <a:r>
+              <a:rPr lang="en-US" altLang="ko-KR" sz="1400" dirty="0" smtClean="0">
+                <a:solidFill>
+                  <a:schemeClr val="bg1"/>
+                </a:solidFill>
+              </a:rPr>
+              <a:t>"[\“</a:t>
+            </a:r>
+            <a:r>
+              <a:rPr lang="en-US" altLang="ko-KR" sz="1400" dirty="0" smtClean="0">
+                <a:solidFill>
+                  <a:schemeClr val="bg1"/>
+                </a:solidFill>
+              </a:rPr>
+              <a:t>*</a:t>
+            </a:r>
+            <a:r>
+              <a:rPr lang="en-US" altLang="ko-KR" sz="1400" dirty="0" smtClean="0">
+                <a:solidFill>
+                  <a:schemeClr val="bg1"/>
+                </a:solidFill>
+              </a:rPr>
+              <a:t>\"]"</a:t>
+            </a:r>
+            <a:endParaRPr lang="en-US" altLang="ko-KR" sz="1400" dirty="0" smtClean="0">
+              <a:solidFill>
+                <a:schemeClr val="bg1"/>
+              </a:solidFill>
+            </a:endParaRPr>
+          </a:p>
+          <a:p>
+            <a:r>
+              <a:rPr lang="en-US" altLang="ko-KR" sz="1400" dirty="0" smtClean="0">
+                <a:solidFill>
+                  <a:schemeClr val="bg1"/>
+                </a:solidFill>
+              </a:rPr>
+              <a:t>$ </a:t>
+            </a:r>
+            <a:r>
+              <a:rPr lang="en-US" altLang="ko-KR" sz="1400" dirty="0" err="1" smtClean="0">
+                <a:solidFill>
+                  <a:schemeClr val="bg1"/>
+                </a:solidFill>
+              </a:rPr>
+              <a:t>ipfs</a:t>
+            </a:r>
+            <a:r>
+              <a:rPr lang="en-US" altLang="ko-KR" sz="1400" dirty="0" smtClean="0">
+                <a:solidFill>
+                  <a:schemeClr val="bg1"/>
+                </a:solidFill>
+              </a:rPr>
+              <a:t> </a:t>
+            </a:r>
+            <a:r>
+              <a:rPr lang="en-US" altLang="ko-KR" sz="1400" dirty="0" err="1" smtClean="0">
+                <a:solidFill>
+                  <a:schemeClr val="bg1"/>
+                </a:solidFill>
+              </a:rPr>
+              <a:t>config</a:t>
+            </a:r>
+            <a:r>
+              <a:rPr lang="en-US" altLang="ko-KR" sz="1400" dirty="0" smtClean="0">
+                <a:solidFill>
+                  <a:schemeClr val="bg1"/>
+                </a:solidFill>
+              </a:rPr>
+              <a:t> --</a:t>
+            </a:r>
+            <a:r>
+              <a:rPr lang="en-US" altLang="ko-KR" sz="1400" dirty="0" err="1" smtClean="0">
+                <a:solidFill>
+                  <a:schemeClr val="bg1"/>
+                </a:solidFill>
+              </a:rPr>
+              <a:t>json</a:t>
+            </a:r>
+            <a:r>
+              <a:rPr lang="en-US" altLang="ko-KR" sz="1400" dirty="0" smtClean="0">
+                <a:solidFill>
+                  <a:schemeClr val="bg1"/>
+                </a:solidFill>
+              </a:rPr>
+              <a:t> </a:t>
+            </a:r>
+            <a:r>
+              <a:rPr lang="en-US" altLang="ko-KR" sz="1400" dirty="0" err="1" smtClean="0">
+                <a:solidFill>
+                  <a:schemeClr val="bg1"/>
+                </a:solidFill>
+              </a:rPr>
+              <a:t>API.HTTPHeaders.Access</a:t>
+            </a:r>
+            <a:r>
+              <a:rPr lang="en-US" altLang="ko-KR" sz="1400" dirty="0" smtClean="0">
+                <a:solidFill>
+                  <a:schemeClr val="bg1"/>
+                </a:solidFill>
+              </a:rPr>
+              <a:t>-Control-Allow-Credentials "[\"true\"]"</a:t>
+            </a:r>
+          </a:p>
+          <a:p>
+            <a:r>
+              <a:rPr lang="en-US" altLang="ko-KR" sz="1400" dirty="0" smtClean="0">
+                <a:solidFill>
+                  <a:schemeClr val="bg1"/>
+                </a:solidFill>
+              </a:rPr>
+              <a:t>$ </a:t>
+            </a:r>
+            <a:r>
+              <a:rPr lang="en-US" altLang="ko-KR" sz="1400" dirty="0" err="1" smtClean="0">
+                <a:solidFill>
+                  <a:schemeClr val="bg1"/>
+                </a:solidFill>
+              </a:rPr>
+              <a:t>ipfs</a:t>
+            </a:r>
+            <a:r>
+              <a:rPr lang="en-US" altLang="ko-KR" sz="1400" dirty="0" smtClean="0">
+                <a:solidFill>
+                  <a:schemeClr val="bg1"/>
+                </a:solidFill>
+              </a:rPr>
+              <a:t> </a:t>
+            </a:r>
+            <a:r>
+              <a:rPr lang="en-US" altLang="ko-KR" sz="1400" dirty="0" err="1" smtClean="0">
+                <a:solidFill>
+                  <a:schemeClr val="bg1"/>
+                </a:solidFill>
+              </a:rPr>
+              <a:t>config</a:t>
+            </a:r>
+            <a:r>
+              <a:rPr lang="en-US" altLang="ko-KR" sz="1400" dirty="0" smtClean="0">
+                <a:solidFill>
+                  <a:schemeClr val="bg1"/>
+                </a:solidFill>
+              </a:rPr>
+              <a:t> --</a:t>
+            </a:r>
+            <a:r>
+              <a:rPr lang="en-US" altLang="ko-KR" sz="1400" dirty="0" err="1" smtClean="0">
+                <a:solidFill>
+                  <a:schemeClr val="bg1"/>
+                </a:solidFill>
+              </a:rPr>
+              <a:t>json</a:t>
+            </a:r>
+            <a:r>
+              <a:rPr lang="en-US" altLang="ko-KR" sz="1400" dirty="0" smtClean="0">
+                <a:solidFill>
+                  <a:schemeClr val="bg1"/>
+                </a:solidFill>
+              </a:rPr>
+              <a:t> </a:t>
+            </a:r>
+            <a:r>
+              <a:rPr lang="en-US" altLang="ko-KR" sz="1400" dirty="0" err="1" smtClean="0">
+                <a:solidFill>
+                  <a:schemeClr val="bg1"/>
+                </a:solidFill>
+              </a:rPr>
+              <a:t>API.HTTPHeaders.Access</a:t>
+            </a:r>
+            <a:r>
+              <a:rPr lang="en-US" altLang="ko-KR" sz="1400" dirty="0" smtClean="0">
+                <a:solidFill>
+                  <a:schemeClr val="bg1"/>
+                </a:solidFill>
+              </a:rPr>
+              <a:t>-Control-Allow-Methods "[\"PUT\", \"POST\", \"GET\"]"</a:t>
+            </a:r>
+          </a:p>
+          <a:p>
+            <a:r>
+              <a:rPr lang="en-US" altLang="ko-KR" sz="1400" dirty="0" smtClean="0">
+                <a:solidFill>
+                  <a:schemeClr val="bg1"/>
+                </a:solidFill>
+              </a:rPr>
+              <a:t>$ </a:t>
+            </a:r>
+            <a:r>
+              <a:rPr lang="en-US" altLang="ko-KR" sz="1400" dirty="0" err="1" smtClean="0">
+                <a:solidFill>
+                  <a:schemeClr val="bg1"/>
+                </a:solidFill>
+              </a:rPr>
+              <a:t>ipfs</a:t>
+            </a:r>
+            <a:r>
+              <a:rPr lang="en-US" altLang="ko-KR" sz="1400" dirty="0" smtClean="0">
+                <a:solidFill>
+                  <a:schemeClr val="bg1"/>
+                </a:solidFill>
+              </a:rPr>
+              <a:t> daemon</a:t>
+            </a:r>
+            <a:endParaRPr lang="ko-KR" altLang="en-US" sz="1400" dirty="0">
+              <a:solidFill>
+                <a:schemeClr val="bg1"/>
+              </a:solidFill>
+            </a:endParaRPr>
+          </a:p>
+        </p:txBody>
+      </p:sp>
+      <p:sp>
+        <p:nvSpPr>
+          <p:cNvPr id="17" name="TextBox 16"/>
+          <p:cNvSpPr txBox="1"/>
+          <p:nvPr/>
+        </p:nvSpPr>
+        <p:spPr>
+          <a:xfrm>
+            <a:off x="467544" y="5714092"/>
+            <a:ext cx="8280920" cy="523220"/>
+          </a:xfrm>
+          <a:prstGeom prst="rect">
+            <a:avLst/>
+          </a:prstGeom>
+          <a:solidFill>
+            <a:schemeClr val="tx1"/>
+          </a:solidFill>
+        </p:spPr>
+        <p:txBody>
+          <a:bodyPr wrap="square" rtlCol="0">
+            <a:spAutoFit/>
+          </a:bodyPr>
+          <a:lstStyle/>
+          <a:p>
+            <a:r>
+              <a:rPr lang="en-US" altLang="ko-KR" sz="1400" dirty="0" smtClean="0">
+                <a:solidFill>
+                  <a:schemeClr val="bg1"/>
+                </a:solidFill>
+              </a:rPr>
+              <a:t>$ </a:t>
+            </a:r>
+            <a:r>
+              <a:rPr lang="en-US" altLang="ko-KR" sz="1400" dirty="0" err="1" smtClean="0">
+                <a:solidFill>
+                  <a:schemeClr val="bg1"/>
+                </a:solidFill>
+              </a:rPr>
+              <a:t>cd</a:t>
+            </a:r>
+            <a:r>
+              <a:rPr lang="en-US" altLang="ko-KR" sz="1400" dirty="0" smtClean="0">
+                <a:solidFill>
+                  <a:schemeClr val="bg1"/>
+                </a:solidFill>
+              </a:rPr>
+              <a:t>  [working dir]</a:t>
+            </a:r>
+          </a:p>
+          <a:p>
+            <a:r>
+              <a:rPr lang="en-US" altLang="ko-KR" sz="1400" dirty="0" smtClean="0">
+                <a:solidFill>
+                  <a:schemeClr val="bg1"/>
+                </a:solidFill>
+              </a:rPr>
+              <a:t>$ http-server</a:t>
+            </a:r>
+            <a:endParaRPr lang="ko-KR" altLang="en-US" sz="1400" dirty="0">
+              <a:solidFill>
+                <a:schemeClr val="bg1"/>
+              </a:solidFill>
+            </a:endParaRPr>
+          </a:p>
+        </p:txBody>
+      </p:sp>
+      <p:sp>
+        <p:nvSpPr>
+          <p:cNvPr id="18" name="TextBox 17"/>
+          <p:cNvSpPr txBox="1"/>
+          <p:nvPr/>
+        </p:nvSpPr>
+        <p:spPr>
+          <a:xfrm>
+            <a:off x="395536" y="5411316"/>
+            <a:ext cx="1978427" cy="307777"/>
+          </a:xfrm>
+          <a:prstGeom prst="rect">
+            <a:avLst/>
+          </a:prstGeom>
+          <a:noFill/>
+        </p:spPr>
+        <p:txBody>
+          <a:bodyPr wrap="none" rtlCol="0">
+            <a:spAutoFit/>
+          </a:bodyPr>
+          <a:lstStyle/>
+          <a:p>
+            <a:r>
+              <a:rPr lang="en-US" altLang="ko-KR" sz="1400" dirty="0" smtClean="0"/>
+              <a:t>[option : may require] </a:t>
+            </a:r>
+            <a:endParaRPr lang="ko-KR" altLang="en-US" sz="1400" dirty="0"/>
+          </a:p>
+        </p:txBody>
+      </p:sp>
+      <p:sp>
+        <p:nvSpPr>
+          <p:cNvPr id="19" name="오른쪽 화살표 18"/>
           <p:cNvSpPr/>
           <p:nvPr/>
         </p:nvSpPr>
         <p:spPr>
-          <a:xfrm rot="19737838">
-            <a:off x="3563888" y="2564904"/>
+          <a:xfrm>
+            <a:off x="4067944" y="3127081"/>
             <a:ext cx="864096" cy="288032"/>
           </a:xfrm>
           <a:prstGeom prst="rightArrow">
@@ -6868,14 +7090,14 @@
       </p:sp>
       <p:sp>
         <p:nvSpPr>
-          <p:cNvPr id="10" name="아래쪽 화살표 9"/>
+          <p:cNvPr id="20" name="아래쪽 화살표 19"/>
           <p:cNvSpPr/>
           <p:nvPr/>
         </p:nvSpPr>
         <p:spPr>
-          <a:xfrm rot="19876657">
-            <a:off x="5807422" y="2445798"/>
-            <a:ext cx="288032" cy="720080"/>
+          <a:xfrm rot="5400000">
+            <a:off x="4350608" y="3146336"/>
+            <a:ext cx="288032" cy="853360"/>
           </a:xfrm>
           <a:prstGeom prst="downArrow">
             <a:avLst/>
@@ -6908,78 +7130,27 @@
       </p:sp>
       <p:sp>
         <p:nvSpPr>
-          <p:cNvPr id="11" name="TextBox 10"/>
-          <p:cNvSpPr txBox="1"/>
+          <p:cNvPr id="21" name="왼쪽/오른쪽 화살표 20"/>
+          <p:cNvSpPr/>
           <p:nvPr/>
         </p:nvSpPr>
         <p:spPr>
-          <a:xfrm>
-            <a:off x="2411760" y="2204864"/>
-            <a:ext cx="1622560" cy="369332"/>
-          </a:xfrm>
-          <a:prstGeom prst="rect">
+          <a:xfrm rot="3390397">
+            <a:off x="5188002" y="2423488"/>
+            <a:ext cx="679095" cy="288032"/>
+          </a:xfrm>
+          <a:prstGeom prst="leftRightArrow">
             <a:avLst/>
           </a:prstGeom>
-          <a:noFill/>
-        </p:spPr>
-        <p:txBody>
-          <a:bodyPr wrap="none" rtlCol="0">
-            <a:spAutoFit/>
-          </a:bodyPr>
-          <a:lstStyle/>
-          <a:p>
-            <a:r>
-              <a:rPr lang="en-US" altLang="ko-KR" dirty="0" smtClean="0"/>
-              <a:t>Put document</a:t>
-            </a:r>
-            <a:endParaRPr lang="ko-KR" altLang="en-US" dirty="0"/>
-          </a:p>
-        </p:txBody>
-      </p:sp>
-      <p:sp>
-        <p:nvSpPr>
-          <p:cNvPr id="12" name="TextBox 11"/>
-          <p:cNvSpPr txBox="1"/>
-          <p:nvPr/>
-        </p:nvSpPr>
-        <p:spPr>
-          <a:xfrm>
-            <a:off x="6012160" y="2492896"/>
-            <a:ext cx="1622560" cy="369332"/>
-          </a:xfrm>
-          <a:prstGeom prst="rect">
-            <a:avLst/>
-          </a:prstGeom>
-          <a:noFill/>
-        </p:spPr>
-        <p:txBody>
-          <a:bodyPr wrap="none" rtlCol="0">
-            <a:spAutoFit/>
-          </a:bodyPr>
-          <a:lstStyle/>
-          <a:p>
-            <a:r>
-              <a:rPr lang="en-US" altLang="ko-KR" dirty="0" smtClean="0"/>
-              <a:t>Put document</a:t>
-            </a:r>
-            <a:endParaRPr lang="ko-KR" altLang="en-US" dirty="0"/>
-          </a:p>
-        </p:txBody>
-      </p:sp>
-      <p:sp>
-        <p:nvSpPr>
-          <p:cNvPr id="13" name="아래쪽 화살표 12"/>
-          <p:cNvSpPr/>
-          <p:nvPr/>
-        </p:nvSpPr>
-        <p:spPr>
-          <a:xfrm rot="8861397">
-            <a:off x="5318207" y="2514126"/>
-            <a:ext cx="288032" cy="720080"/>
-          </a:xfrm>
-          <a:prstGeom prst="downArrow">
-            <a:avLst/>
-          </a:prstGeom>
+          <a:solidFill>
+            <a:schemeClr val="accent4">
+              <a:lumMod val="20000"/>
+              <a:lumOff val="80000"/>
+            </a:schemeClr>
+          </a:solidFill>
+          <a:ln>
+            <a:prstDash val="sysDot"/>
+          </a:ln>
         </p:spPr>
         <p:style>
           <a:lnRef idx="2">
@@ -7008,18 +7179,27 @@
       </p:sp>
       <p:sp>
         <p:nvSpPr>
-          <p:cNvPr id="14" name="아래쪽 화살표 13"/>
+          <p:cNvPr id="22" name="왼쪽/오른쪽 화살표 21"/>
           <p:cNvSpPr/>
           <p:nvPr/>
         </p:nvSpPr>
         <p:spPr>
-          <a:xfrm rot="3561849">
-            <a:off x="4068697" y="2628608"/>
-            <a:ext cx="288032" cy="720080"/>
-          </a:xfrm>
-          <a:prstGeom prst="downArrow">
+          <a:xfrm rot="8445854">
+            <a:off x="3459809" y="2351480"/>
+            <a:ext cx="679095" cy="288032"/>
+          </a:xfrm>
+          <a:prstGeom prst="leftRightArrow">
             <a:avLst/>
           </a:prstGeom>
+          <a:solidFill>
+            <a:schemeClr val="accent4">
+              <a:lumMod val="20000"/>
+              <a:lumOff val="80000"/>
+            </a:schemeClr>
+          </a:solidFill>
+          <a:ln>
+            <a:prstDash val="sysDot"/>
+          </a:ln>
         </p:spPr>
         <p:style>
           <a:lnRef idx="2">
@@ -7043,406 +7223,6 @@
           <a:p>
             <a:pPr algn="ctr"/>
             <a:endParaRPr lang="ko-KR" altLang="en-US"/>
-          </a:p>
-        </p:txBody>
-      </p:sp>
-      <p:sp>
-        <p:nvSpPr>
-          <p:cNvPr id="15" name="TextBox 14"/>
-          <p:cNvSpPr txBox="1"/>
-          <p:nvPr/>
-        </p:nvSpPr>
-        <p:spPr>
-          <a:xfrm>
-            <a:off x="4139952" y="3068960"/>
-            <a:ext cx="1800200" cy="369332"/>
-          </a:xfrm>
-          <a:prstGeom prst="rect">
-            <a:avLst/>
-          </a:prstGeom>
-          <a:noFill/>
-        </p:spPr>
-        <p:txBody>
-          <a:bodyPr wrap="square" rtlCol="0">
-            <a:spAutoFit/>
-          </a:bodyPr>
-          <a:lstStyle/>
-          <a:p>
-            <a:r>
-              <a:rPr lang="en-US" altLang="ko-KR" dirty="0" smtClean="0"/>
-              <a:t>Return hash</a:t>
-            </a:r>
-            <a:endParaRPr lang="ko-KR" altLang="en-US" dirty="0"/>
-          </a:p>
-        </p:txBody>
-      </p:sp>
-      <p:sp>
-        <p:nvSpPr>
-          <p:cNvPr id="16" name="TextBox 15"/>
-          <p:cNvSpPr txBox="1"/>
-          <p:nvPr/>
-        </p:nvSpPr>
-        <p:spPr>
-          <a:xfrm>
-            <a:off x="611560" y="4561964"/>
-            <a:ext cx="8302273" cy="1169551"/>
-          </a:xfrm>
-          <a:prstGeom prst="rect">
-            <a:avLst/>
-          </a:prstGeom>
-          <a:solidFill>
-            <a:schemeClr val="tx1"/>
-          </a:solidFill>
-        </p:spPr>
-        <p:txBody>
-          <a:bodyPr wrap="none" rtlCol="0">
-            <a:spAutoFit/>
-          </a:bodyPr>
-          <a:lstStyle/>
-          <a:p>
-            <a:r>
-              <a:rPr lang="en-US" altLang="ko-KR" sz="1400" dirty="0" smtClean="0">
-                <a:solidFill>
-                  <a:schemeClr val="bg1"/>
-                </a:solidFill>
-              </a:rPr>
-              <a:t>$ </a:t>
-            </a:r>
-            <a:r>
-              <a:rPr lang="en-US" altLang="ko-KR" sz="1400" dirty="0" err="1" smtClean="0">
-                <a:solidFill>
-                  <a:schemeClr val="bg1"/>
-                </a:solidFill>
-              </a:rPr>
-              <a:t>ipfs</a:t>
-            </a:r>
-            <a:r>
-              <a:rPr lang="en-US" altLang="ko-KR" sz="1400" dirty="0" smtClean="0">
-                <a:solidFill>
-                  <a:schemeClr val="bg1"/>
-                </a:solidFill>
-              </a:rPr>
-              <a:t> init</a:t>
-            </a:r>
-          </a:p>
-          <a:p>
-            <a:r>
-              <a:rPr lang="en-US" altLang="ko-KR" sz="1400" dirty="0" smtClean="0">
-                <a:solidFill>
-                  <a:schemeClr val="bg1"/>
-                </a:solidFill>
-              </a:rPr>
-              <a:t>$ </a:t>
-            </a:r>
-            <a:r>
-              <a:rPr lang="en-US" altLang="ko-KR" sz="1400" dirty="0" err="1" smtClean="0">
-                <a:solidFill>
-                  <a:schemeClr val="bg1"/>
-                </a:solidFill>
-              </a:rPr>
-              <a:t>ipfs</a:t>
-            </a:r>
-            <a:r>
-              <a:rPr lang="en-US" altLang="ko-KR" sz="1400" dirty="0" smtClean="0">
-                <a:solidFill>
-                  <a:schemeClr val="bg1"/>
-                </a:solidFill>
-              </a:rPr>
-              <a:t> </a:t>
-            </a:r>
-            <a:r>
-              <a:rPr lang="en-US" altLang="ko-KR" sz="1400" dirty="0" err="1" smtClean="0">
-                <a:solidFill>
-                  <a:schemeClr val="bg1"/>
-                </a:solidFill>
-              </a:rPr>
-              <a:t>config</a:t>
-            </a:r>
-            <a:r>
-              <a:rPr lang="en-US" altLang="ko-KR" sz="1400" dirty="0" smtClean="0">
-                <a:solidFill>
-                  <a:schemeClr val="bg1"/>
-                </a:solidFill>
-              </a:rPr>
-              <a:t> --</a:t>
-            </a:r>
-            <a:r>
-              <a:rPr lang="en-US" altLang="ko-KR" sz="1400" dirty="0" err="1" smtClean="0">
-                <a:solidFill>
-                  <a:schemeClr val="bg1"/>
-                </a:solidFill>
-              </a:rPr>
-              <a:t>json</a:t>
-            </a:r>
-            <a:r>
-              <a:rPr lang="en-US" altLang="ko-KR" sz="1400" dirty="0" smtClean="0">
-                <a:solidFill>
-                  <a:schemeClr val="bg1"/>
-                </a:solidFill>
-              </a:rPr>
-              <a:t> </a:t>
-            </a:r>
-            <a:r>
-              <a:rPr lang="en-US" altLang="ko-KR" sz="1400" dirty="0" err="1" smtClean="0">
-                <a:solidFill>
-                  <a:schemeClr val="bg1"/>
-                </a:solidFill>
-              </a:rPr>
-              <a:t>API.HTTPHeaders.Access</a:t>
-            </a:r>
-            <a:r>
-              <a:rPr lang="en-US" altLang="ko-KR" sz="1400" dirty="0" smtClean="0">
-                <a:solidFill>
-                  <a:schemeClr val="bg1"/>
-                </a:solidFill>
-              </a:rPr>
-              <a:t>-Control-Allow-Origin "[\"http://example.com\"]"</a:t>
-            </a:r>
-          </a:p>
-          <a:p>
-            <a:r>
-              <a:rPr lang="en-US" altLang="ko-KR" sz="1400" dirty="0" smtClean="0">
-                <a:solidFill>
-                  <a:schemeClr val="bg1"/>
-                </a:solidFill>
-              </a:rPr>
-              <a:t>$ </a:t>
-            </a:r>
-            <a:r>
-              <a:rPr lang="en-US" altLang="ko-KR" sz="1400" dirty="0" err="1" smtClean="0">
-                <a:solidFill>
-                  <a:schemeClr val="bg1"/>
-                </a:solidFill>
-              </a:rPr>
-              <a:t>ipfs</a:t>
-            </a:r>
-            <a:r>
-              <a:rPr lang="en-US" altLang="ko-KR" sz="1400" dirty="0" smtClean="0">
-                <a:solidFill>
-                  <a:schemeClr val="bg1"/>
-                </a:solidFill>
-              </a:rPr>
-              <a:t> </a:t>
-            </a:r>
-            <a:r>
-              <a:rPr lang="en-US" altLang="ko-KR" sz="1400" dirty="0" err="1" smtClean="0">
-                <a:solidFill>
-                  <a:schemeClr val="bg1"/>
-                </a:solidFill>
-              </a:rPr>
-              <a:t>config</a:t>
-            </a:r>
-            <a:r>
-              <a:rPr lang="en-US" altLang="ko-KR" sz="1400" dirty="0" smtClean="0">
-                <a:solidFill>
-                  <a:schemeClr val="bg1"/>
-                </a:solidFill>
-              </a:rPr>
-              <a:t> --</a:t>
-            </a:r>
-            <a:r>
-              <a:rPr lang="en-US" altLang="ko-KR" sz="1400" dirty="0" err="1" smtClean="0">
-                <a:solidFill>
-                  <a:schemeClr val="bg1"/>
-                </a:solidFill>
-              </a:rPr>
-              <a:t>json</a:t>
-            </a:r>
-            <a:r>
-              <a:rPr lang="en-US" altLang="ko-KR" sz="1400" dirty="0" smtClean="0">
-                <a:solidFill>
-                  <a:schemeClr val="bg1"/>
-                </a:solidFill>
-              </a:rPr>
-              <a:t> </a:t>
-            </a:r>
-            <a:r>
-              <a:rPr lang="en-US" altLang="ko-KR" sz="1400" dirty="0" err="1" smtClean="0">
-                <a:solidFill>
-                  <a:schemeClr val="bg1"/>
-                </a:solidFill>
-              </a:rPr>
-              <a:t>API.HTTPHeaders.Access</a:t>
-            </a:r>
-            <a:r>
-              <a:rPr lang="en-US" altLang="ko-KR" sz="1400" dirty="0" smtClean="0">
-                <a:solidFill>
-                  <a:schemeClr val="bg1"/>
-                </a:solidFill>
-              </a:rPr>
-              <a:t>-Control-Allow-Credentials "[\"true\"]"</a:t>
-            </a:r>
-          </a:p>
-          <a:p>
-            <a:r>
-              <a:rPr lang="en-US" altLang="ko-KR" sz="1400" dirty="0" smtClean="0">
-                <a:solidFill>
-                  <a:schemeClr val="bg1"/>
-                </a:solidFill>
-              </a:rPr>
-              <a:t>$ </a:t>
-            </a:r>
-            <a:r>
-              <a:rPr lang="en-US" altLang="ko-KR" sz="1400" dirty="0" err="1" smtClean="0">
-                <a:solidFill>
-                  <a:schemeClr val="bg1"/>
-                </a:solidFill>
-              </a:rPr>
-              <a:t>ipfs</a:t>
-            </a:r>
-            <a:r>
-              <a:rPr lang="en-US" altLang="ko-KR" sz="1400" dirty="0" smtClean="0">
-                <a:solidFill>
-                  <a:schemeClr val="bg1"/>
-                </a:solidFill>
-              </a:rPr>
-              <a:t> </a:t>
-            </a:r>
-            <a:r>
-              <a:rPr lang="en-US" altLang="ko-KR" sz="1400" dirty="0" err="1" smtClean="0">
-                <a:solidFill>
-                  <a:schemeClr val="bg1"/>
-                </a:solidFill>
-              </a:rPr>
-              <a:t>config</a:t>
-            </a:r>
-            <a:r>
-              <a:rPr lang="en-US" altLang="ko-KR" sz="1400" dirty="0" smtClean="0">
-                <a:solidFill>
-                  <a:schemeClr val="bg1"/>
-                </a:solidFill>
-              </a:rPr>
-              <a:t> --</a:t>
-            </a:r>
-            <a:r>
-              <a:rPr lang="en-US" altLang="ko-KR" sz="1400" dirty="0" err="1" smtClean="0">
-                <a:solidFill>
-                  <a:schemeClr val="bg1"/>
-                </a:solidFill>
-              </a:rPr>
-              <a:t>json</a:t>
-            </a:r>
-            <a:r>
-              <a:rPr lang="en-US" altLang="ko-KR" sz="1400" dirty="0" smtClean="0">
-                <a:solidFill>
-                  <a:schemeClr val="bg1"/>
-                </a:solidFill>
-              </a:rPr>
-              <a:t> </a:t>
-            </a:r>
-            <a:r>
-              <a:rPr lang="en-US" altLang="ko-KR" sz="1400" dirty="0" err="1" smtClean="0">
-                <a:solidFill>
-                  <a:schemeClr val="bg1"/>
-                </a:solidFill>
-              </a:rPr>
-              <a:t>API.HTTPHeaders.Access</a:t>
-            </a:r>
-            <a:r>
-              <a:rPr lang="en-US" altLang="ko-KR" sz="1400" dirty="0" smtClean="0">
-                <a:solidFill>
-                  <a:schemeClr val="bg1"/>
-                </a:solidFill>
-              </a:rPr>
-              <a:t>-Control-Allow-Methods "[\"PUT\", \"POST\", \"GET\"]"</a:t>
-            </a:r>
-          </a:p>
-          <a:p>
-            <a:r>
-              <a:rPr lang="en-US" altLang="ko-KR" sz="1400" dirty="0" smtClean="0">
-                <a:solidFill>
-                  <a:schemeClr val="bg1"/>
-                </a:solidFill>
-              </a:rPr>
-              <a:t>$ </a:t>
-            </a:r>
-            <a:r>
-              <a:rPr lang="en-US" altLang="ko-KR" sz="1400" dirty="0" err="1" smtClean="0">
-                <a:solidFill>
-                  <a:schemeClr val="bg1"/>
-                </a:solidFill>
-              </a:rPr>
-              <a:t>ipfs</a:t>
-            </a:r>
-            <a:r>
-              <a:rPr lang="en-US" altLang="ko-KR" sz="1400" dirty="0" smtClean="0">
-                <a:solidFill>
-                  <a:schemeClr val="bg1"/>
-                </a:solidFill>
-              </a:rPr>
-              <a:t> daemon</a:t>
-            </a:r>
-            <a:endParaRPr lang="ko-KR" altLang="en-US" sz="1400" dirty="0">
-              <a:solidFill>
-                <a:schemeClr val="bg1"/>
-              </a:solidFill>
-            </a:endParaRPr>
-          </a:p>
-        </p:txBody>
-      </p:sp>
-      <p:sp>
-        <p:nvSpPr>
-          <p:cNvPr id="17" name="TextBox 16"/>
-          <p:cNvSpPr txBox="1"/>
-          <p:nvPr/>
-        </p:nvSpPr>
-        <p:spPr>
-          <a:xfrm>
-            <a:off x="611560" y="5786100"/>
-            <a:ext cx="8280920" cy="523220"/>
-          </a:xfrm>
-          <a:prstGeom prst="rect">
-            <a:avLst/>
-          </a:prstGeom>
-          <a:solidFill>
-            <a:schemeClr val="tx1"/>
-          </a:solidFill>
-        </p:spPr>
-        <p:txBody>
-          <a:bodyPr wrap="square" rtlCol="0">
-            <a:spAutoFit/>
-          </a:bodyPr>
-          <a:lstStyle/>
-          <a:p>
-            <a:r>
-              <a:rPr lang="en-US" altLang="ko-KR" sz="1400" dirty="0" smtClean="0">
-                <a:solidFill>
-                  <a:schemeClr val="bg1"/>
-                </a:solidFill>
-              </a:rPr>
-              <a:t>$ </a:t>
-            </a:r>
-            <a:r>
-              <a:rPr lang="en-US" altLang="ko-KR" sz="1400" dirty="0" err="1" smtClean="0">
-                <a:solidFill>
-                  <a:schemeClr val="bg1"/>
-                </a:solidFill>
-              </a:rPr>
-              <a:t>cd</a:t>
-            </a:r>
-            <a:r>
-              <a:rPr lang="en-US" altLang="ko-KR" sz="1400" dirty="0" smtClean="0">
-                <a:solidFill>
-                  <a:schemeClr val="bg1"/>
-                </a:solidFill>
-              </a:rPr>
-              <a:t>  [working dir]</a:t>
-            </a:r>
-          </a:p>
-          <a:p>
-            <a:r>
-              <a:rPr lang="en-US" altLang="ko-KR" sz="1400" dirty="0" smtClean="0">
-                <a:solidFill>
-                  <a:schemeClr val="bg1"/>
-                </a:solidFill>
-              </a:rPr>
-              <a:t>$ http-server</a:t>
-            </a:r>
-            <a:endParaRPr lang="ko-KR" altLang="en-US" sz="1400" dirty="0">
-              <a:solidFill>
-                <a:schemeClr val="bg1"/>
-              </a:solidFill>
-            </a:endParaRPr>
           </a:p>
         </p:txBody>
       </p:sp>
@@ -7594,35 +7374,43 @@
                 <a:latin typeface="HY견고딕" pitchFamily="18" charset="-127"/>
                 <a:ea typeface="HY견고딕" pitchFamily="18" charset="-127"/>
               </a:rPr>
-              <a:t>4. </a:t>
-            </a:r>
+              <a:t>4. Change message sender, by changing the </a:t>
+            </a:r>
+          </a:p>
+          <a:p>
             <a:r>
               <a:rPr lang="en-US" altLang="ko-KR" sz="2400" dirty="0" smtClean="0">
                 <a:latin typeface="HY견고딕" pitchFamily="18" charset="-127"/>
                 <a:ea typeface="HY견고딕" pitchFamily="18" charset="-127"/>
               </a:rPr>
-              <a:t>C</a:t>
-            </a:r>
+              <a:t>    private key in UI </a:t>
+            </a:r>
+          </a:p>
+          <a:p>
             <a:r>
               <a:rPr lang="en-US" altLang="ko-KR" sz="2400" dirty="0" smtClean="0">
                 <a:latin typeface="HY견고딕" pitchFamily="18" charset="-127"/>
                 <a:ea typeface="HY견고딕" pitchFamily="18" charset="-127"/>
               </a:rPr>
-              <a:t>hange </a:t>
-            </a:r>
+              <a:t>5. Shareholders can commit their rights to others</a:t>
+            </a:r>
+          </a:p>
+          <a:p>
             <a:r>
               <a:rPr lang="en-US" altLang="ko-KR" sz="2400" dirty="0" smtClean="0">
                 <a:latin typeface="HY견고딕" pitchFamily="18" charset="-127"/>
                 <a:ea typeface="HY견고딕" pitchFamily="18" charset="-127"/>
               </a:rPr>
-              <a:t>message </a:t>
-            </a:r>
+              <a:t>    within the valid time frame</a:t>
+            </a:r>
+          </a:p>
+          <a:p>
             <a:r>
               <a:rPr lang="en-US" altLang="ko-KR" sz="2400" dirty="0" smtClean="0">
                 <a:latin typeface="HY견고딕" pitchFamily="18" charset="-127"/>
                 <a:ea typeface="HY견고딕" pitchFamily="18" charset="-127"/>
               </a:rPr>
-              <a:t>sender, by changing the </a:t>
+              <a:t>6. Reading the agenda suggested, shareholders </a:t>
             </a:r>
           </a:p>
           <a:p>
@@ -7631,19 +7419,17 @@
                 <a:latin typeface="HY견고딕" pitchFamily="18" charset="-127"/>
                 <a:ea typeface="HY견고딕" pitchFamily="18" charset="-127"/>
               </a:rPr>
-              <a:t> </a:t>
-            </a:r>
+              <a:t>    can represent their opinion only before deadline </a:t>
+            </a:r>
+          </a:p>
+          <a:p>
             <a:r>
               <a:rPr lang="en-US" altLang="ko-KR" sz="2400" dirty="0" smtClean="0">
                 <a:latin typeface="HY견고딕" pitchFamily="18" charset="-127"/>
                 <a:ea typeface="HY견고딕" pitchFamily="18" charset="-127"/>
               </a:rPr>
-              <a:t>   private key in UI </a:t>
-            </a:r>
-            <a:endParaRPr lang="en-US" altLang="ko-KR" sz="2400" dirty="0" smtClean="0">
-              <a:latin typeface="HY견고딕" pitchFamily="18" charset="-127"/>
-              <a:ea typeface="HY견고딕" pitchFamily="18" charset="-127"/>
-            </a:endParaRPr>
+              <a:t>7. All stockholders can participate and monitor </a:t>
+            </a:r>
           </a:p>
           <a:p>
             <a:r>
@@ -7651,372 +7437,8 @@
                 <a:latin typeface="HY견고딕" pitchFamily="18" charset="-127"/>
                 <a:ea typeface="HY견고딕" pitchFamily="18" charset="-127"/>
               </a:rPr>
-              <a:t>5. Shareholders can commit their </a:t>
-            </a:r>
-            <a:r>
-              <a:rPr lang="en-US" altLang="ko-KR" sz="2400" dirty="0" smtClean="0">
-                <a:latin typeface="HY견고딕" pitchFamily="18" charset="-127"/>
-                <a:ea typeface="HY견고딕" pitchFamily="18" charset="-127"/>
-              </a:rPr>
-              <a:t>rights </a:t>
-            </a:r>
-            <a:r>
-              <a:rPr lang="en-US" altLang="ko-KR" sz="2400" dirty="0" smtClean="0">
-                <a:latin typeface="HY견고딕" pitchFamily="18" charset="-127"/>
-                <a:ea typeface="HY견고딕" pitchFamily="18" charset="-127"/>
-              </a:rPr>
-              <a:t>to others</a:t>
-            </a:r>
-          </a:p>
-          <a:p>
-            <a:r>
-              <a:rPr lang="en-US" altLang="ko-KR" sz="2400" dirty="0" smtClean="0">
-                <a:latin typeface="HY견고딕" pitchFamily="18" charset="-127"/>
-                <a:ea typeface="HY견고딕" pitchFamily="18" charset="-127"/>
-              </a:rPr>
-              <a:t>    within the </a:t>
-            </a:r>
-            <a:r>
-              <a:rPr lang="en-US" altLang="ko-KR" sz="2400" dirty="0" smtClean="0">
-                <a:latin typeface="HY견고딕" pitchFamily="18" charset="-127"/>
-                <a:ea typeface="HY견고딕" pitchFamily="18" charset="-127"/>
-              </a:rPr>
-              <a:t>valid time frame</a:t>
-            </a:r>
-            <a:endParaRPr lang="en-US" altLang="ko-KR" sz="2400" dirty="0" smtClean="0">
-              <a:latin typeface="HY견고딕" pitchFamily="18" charset="-127"/>
-              <a:ea typeface="HY견고딕" pitchFamily="18" charset="-127"/>
-            </a:endParaRPr>
-          </a:p>
-          <a:p>
-            <a:r>
-              <a:rPr lang="en-US" altLang="ko-KR" sz="2400" dirty="0" smtClean="0">
-                <a:latin typeface="HY견고딕" pitchFamily="18" charset="-127"/>
-                <a:ea typeface="HY견고딕" pitchFamily="18" charset="-127"/>
-              </a:rPr>
-              <a:t>6. </a:t>
-            </a:r>
-            <a:r>
-              <a:rPr lang="en-US" altLang="ko-KR" sz="2400" dirty="0" smtClean="0">
-                <a:latin typeface="HY견고딕" pitchFamily="18" charset="-127"/>
-                <a:ea typeface="HY견고딕" pitchFamily="18" charset="-127"/>
-              </a:rPr>
-              <a:t>R</a:t>
-            </a:r>
-            <a:r>
-              <a:rPr lang="en-US" altLang="ko-KR" sz="2400" dirty="0" smtClean="0">
-                <a:latin typeface="HY견고딕" pitchFamily="18" charset="-127"/>
-                <a:ea typeface="HY견고딕" pitchFamily="18" charset="-127"/>
-              </a:rPr>
-              <a:t>eading the agenda</a:t>
-            </a:r>
-            <a:r>
-              <a:rPr lang="en-US" altLang="ko-KR" sz="2400" dirty="0" smtClean="0">
-                <a:latin typeface="HY견고딕" pitchFamily="18" charset="-127"/>
-                <a:ea typeface="HY견고딕" pitchFamily="18" charset="-127"/>
-              </a:rPr>
-              <a:t> </a:t>
-            </a:r>
-            <a:r>
-              <a:rPr lang="en-US" altLang="ko-KR" sz="2400" dirty="0" smtClean="0">
-                <a:latin typeface="HY견고딕" pitchFamily="18" charset="-127"/>
-                <a:ea typeface="HY견고딕" pitchFamily="18" charset="-127"/>
-              </a:rPr>
-              <a:t>suggested, shareholders </a:t>
-            </a:r>
-          </a:p>
-          <a:p>
-            <a:r>
-              <a:rPr lang="en-US" altLang="ko-KR" sz="2400" dirty="0" smtClean="0">
-                <a:latin typeface="HY견고딕" pitchFamily="18" charset="-127"/>
-                <a:ea typeface="HY견고딕" pitchFamily="18" charset="-127"/>
-              </a:rPr>
-              <a:t> </a:t>
-            </a:r>
-            <a:r>
-              <a:rPr lang="en-US" altLang="ko-KR" sz="2400" dirty="0" smtClean="0">
-                <a:latin typeface="HY견고딕" pitchFamily="18" charset="-127"/>
-                <a:ea typeface="HY견고딕" pitchFamily="18" charset="-127"/>
-              </a:rPr>
-              <a:t>   </a:t>
-            </a:r>
-            <a:r>
-              <a:rPr lang="en-US" altLang="ko-KR" sz="2400" dirty="0" smtClean="0">
-                <a:latin typeface="HY견고딕" pitchFamily="18" charset="-127"/>
-                <a:ea typeface="HY견고딕" pitchFamily="18" charset="-127"/>
-              </a:rPr>
-              <a:t>can represent</a:t>
-            </a:r>
-            <a:r>
-              <a:rPr lang="en-US" altLang="ko-KR" sz="2400" dirty="0" smtClean="0">
-                <a:latin typeface="HY견고딕" pitchFamily="18" charset="-127"/>
-                <a:ea typeface="HY견고딕" pitchFamily="18" charset="-127"/>
-              </a:rPr>
-              <a:t> </a:t>
-            </a:r>
-            <a:r>
-              <a:rPr lang="en-US" altLang="ko-KR" sz="2400" dirty="0" smtClean="0">
-                <a:latin typeface="HY견고딕" pitchFamily="18" charset="-127"/>
-                <a:ea typeface="HY견고딕" pitchFamily="18" charset="-127"/>
-              </a:rPr>
-              <a:t>their opinion only before deadline </a:t>
-            </a:r>
-            <a:endParaRPr lang="en-US" altLang="ko-KR" sz="2400" dirty="0" smtClean="0">
-              <a:latin typeface="HY견고딕" pitchFamily="18" charset="-127"/>
-              <a:ea typeface="HY견고딕" pitchFamily="18" charset="-127"/>
-            </a:endParaRPr>
-          </a:p>
-          <a:p>
-            <a:r>
-              <a:rPr lang="en-US" altLang="ko-KR" sz="2400" dirty="0" smtClean="0">
-                <a:latin typeface="HY견고딕" pitchFamily="18" charset="-127"/>
-                <a:ea typeface="HY견고딕" pitchFamily="18" charset="-127"/>
-              </a:rPr>
-              <a:t>7. All </a:t>
-            </a:r>
-            <a:r>
-              <a:rPr lang="en-US" altLang="ko-KR" sz="2400" dirty="0" smtClean="0">
-                <a:latin typeface="HY견고딕" pitchFamily="18" charset="-127"/>
-                <a:ea typeface="HY견고딕" pitchFamily="18" charset="-127"/>
-              </a:rPr>
-              <a:t>stockholders can participate and monitor </a:t>
-            </a:r>
-          </a:p>
-          <a:p>
-            <a:r>
-              <a:rPr lang="en-US" altLang="ko-KR" sz="2400" dirty="0" smtClean="0">
-                <a:latin typeface="HY견고딕" pitchFamily="18" charset="-127"/>
-                <a:ea typeface="HY견고딕" pitchFamily="18" charset="-127"/>
-              </a:rPr>
-              <a:t> </a:t>
-            </a:r>
-            <a:r>
-              <a:rPr lang="en-US" altLang="ko-KR" sz="2400" dirty="0" smtClean="0">
-                <a:latin typeface="HY견고딕" pitchFamily="18" charset="-127"/>
-                <a:ea typeface="HY견고딕" pitchFamily="18" charset="-127"/>
-              </a:rPr>
-              <a:t>   </a:t>
-            </a:r>
-            <a:r>
-              <a:rPr lang="en-US" altLang="ko-KR" sz="2400" dirty="0" smtClean="0">
-                <a:latin typeface="HY견고딕" pitchFamily="18" charset="-127"/>
-                <a:ea typeface="HY견고딕" pitchFamily="18" charset="-127"/>
-              </a:rPr>
-              <a:t>the </a:t>
-            </a:r>
-            <a:r>
-              <a:rPr lang="en-US" altLang="ko-KR" sz="2400" dirty="0" smtClean="0">
-                <a:latin typeface="HY견고딕" pitchFamily="18" charset="-127"/>
-                <a:ea typeface="HY견고딕" pitchFamily="18" charset="-127"/>
-              </a:rPr>
-              <a:t>voting </a:t>
-            </a:r>
-            <a:r>
-              <a:rPr lang="en-US" altLang="ko-KR" sz="2400" dirty="0" smtClean="0">
-                <a:latin typeface="HY견고딕" pitchFamily="18" charset="-127"/>
-                <a:ea typeface="HY견고딕" pitchFamily="18" charset="-127"/>
-              </a:rPr>
-              <a:t>procedures     </a:t>
-            </a:r>
-            <a:endParaRPr lang="en-US" altLang="ko-KR" sz="2400" dirty="0" smtClean="0">
-              <a:latin typeface="HY견고딕" pitchFamily="18" charset="-127"/>
-              <a:ea typeface="HY견고딕" pitchFamily="18" charset="-127"/>
-            </a:endParaRPr>
-          </a:p>
-        </p:txBody>
-      </p:sp>
-    </p:spTree>
-  </p:cSld>
-  <p:clrMapOvr>
-    <a:masterClrMapping/>
-  </p:clrMapOvr>
-  <p:timing>
-    <p:tnLst>
-      <p:par>
-        <p:cTn id="1" dur="indefinite" restart="never" nodeType="tmRoot"/>
-      </p:par>
-    </p:tnLst>
-  </p:timing>
-</p:sld>
-</file>
-
-<file path=ppt/slides/slide8.xml><?xml version="1.0" encoding="utf-8"?>
-<p:sld xmlns:a="http://schemas.openxmlformats.org/drawingml/2006/main" xmlns:r="http://schemas.openxmlformats.org/officeDocument/2006/relationships" xmlns:p="http://schemas.openxmlformats.org/presentationml/2006/main">
-  <p:cSld>
-    <p:spTree>
-      <p:nvGrpSpPr>
-        <p:cNvPr id="1" name=""/>
-        <p:cNvGrpSpPr/>
-        <p:nvPr/>
-      </p:nvGrpSpPr>
-      <p:grpSpPr>
-        <a:xfrm>
-          <a:off x="0" y="0"/>
-          <a:ext cx="0" cy="0"/>
-          <a:chOff x="0" y="0"/>
-          <a:chExt cx="0" cy="0"/>
-        </a:xfrm>
-      </p:grpSpPr>
-      <p:sp>
-        <p:nvSpPr>
-          <p:cNvPr id="2" name="슬라이드 번호 개체 틀 1"/>
-          <p:cNvSpPr>
-            <a:spLocks noGrp="1"/>
-          </p:cNvSpPr>
-          <p:nvPr>
-            <p:ph type="sldNum" sz="quarter" idx="12"/>
-          </p:nvPr>
-        </p:nvSpPr>
-        <p:spPr/>
-        <p:txBody>
-          <a:bodyPr/>
-          <a:lstStyle/>
-          <a:p>
-            <a:fld id="{D344B7A0-D6AD-4AE0-9151-A2613BECEB4D}" type="slidenum">
-              <a:rPr lang="ko-KR" altLang="en-US" smtClean="0"/>
-              <a:pPr/>
-              <a:t>8</a:t>
-            </a:fld>
-            <a:endParaRPr lang="ko-KR" altLang="en-US"/>
-          </a:p>
-        </p:txBody>
-      </p:sp>
-      <p:sp>
-        <p:nvSpPr>
-          <p:cNvPr id="4" name="TextBox 3"/>
-          <p:cNvSpPr txBox="1"/>
-          <p:nvPr/>
-        </p:nvSpPr>
-        <p:spPr>
-          <a:xfrm>
-            <a:off x="2771800" y="692696"/>
-            <a:ext cx="3127779" cy="646331"/>
-          </a:xfrm>
-          <a:prstGeom prst="rect">
-            <a:avLst/>
-          </a:prstGeom>
-          <a:noFill/>
-        </p:spPr>
-        <p:txBody>
-          <a:bodyPr wrap="none" rtlCol="0">
-            <a:spAutoFit/>
-          </a:bodyPr>
-          <a:lstStyle/>
-          <a:p>
-            <a:r>
-              <a:rPr lang="en-US" altLang="ko-KR" sz="3600" dirty="0" smtClean="0">
-                <a:latin typeface="HY견고딕" pitchFamily="18" charset="-127"/>
-                <a:ea typeface="HY견고딕" pitchFamily="18" charset="-127"/>
-                <a:cs typeface="Arial Unicode MS" pitchFamily="50" charset="-127"/>
-              </a:rPr>
-              <a:t> Discussion</a:t>
-            </a:r>
-          </a:p>
-        </p:txBody>
-      </p:sp>
-      <p:sp>
-        <p:nvSpPr>
-          <p:cNvPr id="5" name="TextBox 4"/>
-          <p:cNvSpPr txBox="1"/>
-          <p:nvPr/>
-        </p:nvSpPr>
-        <p:spPr>
-          <a:xfrm>
-            <a:off x="611560" y="1524848"/>
-            <a:ext cx="3576620" cy="1569660"/>
-          </a:xfrm>
-          <a:prstGeom prst="rect">
-            <a:avLst/>
-          </a:prstGeom>
-          <a:noFill/>
-        </p:spPr>
-        <p:txBody>
-          <a:bodyPr wrap="none" rtlCol="0">
-            <a:spAutoFit/>
-          </a:bodyPr>
-          <a:lstStyle/>
-          <a:p>
-            <a:pPr marL="514350" indent="-514350">
-              <a:buAutoNum type="arabicPeriod"/>
-            </a:pPr>
-            <a:r>
-              <a:rPr lang="en-US" altLang="ko-KR" sz="2400" dirty="0" smtClean="0">
-                <a:latin typeface="HY견고딕" pitchFamily="18" charset="-127"/>
-                <a:ea typeface="HY견고딕" pitchFamily="18" charset="-127"/>
-              </a:rPr>
-              <a:t>To be considered</a:t>
-            </a:r>
-          </a:p>
-          <a:p>
-            <a:pPr marL="514350" indent="-514350"/>
-            <a:r>
-              <a:rPr lang="en-US" altLang="ko-KR" sz="2400" dirty="0" smtClean="0">
-                <a:latin typeface="HY견고딕" pitchFamily="18" charset="-127"/>
-                <a:ea typeface="HY견고딕" pitchFamily="18" charset="-127"/>
-              </a:rPr>
-              <a:t> </a:t>
-            </a:r>
-            <a:r>
-              <a:rPr lang="en-US" altLang="ko-KR" sz="2400" dirty="0" smtClean="0">
-                <a:latin typeface="HY견고딕" pitchFamily="18" charset="-127"/>
-                <a:ea typeface="HY견고딕" pitchFamily="18" charset="-127"/>
-              </a:rPr>
-              <a:t> - </a:t>
-            </a:r>
-            <a:r>
-              <a:rPr lang="en-US" altLang="ko-KR" sz="2400" dirty="0" smtClean="0">
-                <a:latin typeface="HY견고딕" pitchFamily="18" charset="-127"/>
-                <a:ea typeface="HY견고딕" pitchFamily="18" charset="-127"/>
-              </a:rPr>
-              <a:t>Unit test</a:t>
-            </a:r>
-            <a:endParaRPr lang="en-US" altLang="ko-KR" sz="2400" dirty="0" smtClean="0">
-              <a:latin typeface="HY견고딕" pitchFamily="18" charset="-127"/>
-              <a:ea typeface="HY견고딕" pitchFamily="18" charset="-127"/>
-            </a:endParaRPr>
-          </a:p>
-          <a:p>
-            <a:r>
-              <a:rPr lang="en-US" altLang="ko-KR" sz="2400" dirty="0" smtClean="0">
-                <a:latin typeface="HY견고딕" pitchFamily="18" charset="-127"/>
-                <a:ea typeface="HY견고딕" pitchFamily="18" charset="-127"/>
-              </a:rPr>
-              <a:t> </a:t>
-            </a:r>
-            <a:r>
-              <a:rPr lang="en-US" altLang="ko-KR" sz="2400" dirty="0" smtClean="0">
-                <a:latin typeface="HY견고딕" pitchFamily="18" charset="-127"/>
-                <a:ea typeface="HY견고딕" pitchFamily="18" charset="-127"/>
-              </a:rPr>
-              <a:t> - </a:t>
-            </a:r>
-            <a:r>
-              <a:rPr lang="en-US" altLang="ko-KR" sz="2400" dirty="0" smtClean="0">
-                <a:latin typeface="HY견고딕" pitchFamily="18" charset="-127"/>
-                <a:ea typeface="HY견고딕" pitchFamily="18" charset="-127"/>
-              </a:rPr>
-              <a:t>Using oracle</a:t>
-            </a:r>
-          </a:p>
-          <a:p>
-            <a:r>
-              <a:rPr lang="en-US" altLang="ko-KR" sz="2400" dirty="0" smtClean="0">
-                <a:latin typeface="HY견고딕" pitchFamily="18" charset="-127"/>
-                <a:ea typeface="HY견고딕" pitchFamily="18" charset="-127"/>
-              </a:rPr>
-              <a:t> </a:t>
-            </a:r>
-            <a:r>
-              <a:rPr lang="en-US" altLang="ko-KR" sz="2400" dirty="0" smtClean="0">
-                <a:latin typeface="HY견고딕" pitchFamily="18" charset="-127"/>
-                <a:ea typeface="HY견고딕" pitchFamily="18" charset="-127"/>
-              </a:rPr>
-              <a:t> - Others</a:t>
-            </a:r>
-            <a:endParaRPr lang="en-US" altLang="ko-KR" sz="2400" dirty="0" smtClean="0">
-              <a:latin typeface="HY견고딕" pitchFamily="18" charset="-127"/>
-              <a:ea typeface="HY견고딕" pitchFamily="18" charset="-127"/>
-            </a:endParaRPr>
+              <a:t>    the voting procedures     </a:t>
+            </a:r>
           </a:p>
         </p:txBody>
       </p:sp>
